--- a/slides/Module 6 - Logic, Conditions, and Loops.pptx
+++ b/slides/Module 6 - Logic, Conditions, and Loops.pptx
@@ -2,7 +2,7 @@
 <file path=ppt/presentation.xml><?xml version="1.0" encoding="utf-8"?>
 <p:presentation xmlns:a="http://schemas.openxmlformats.org/drawingml/2006/main" xmlns:r="http://schemas.openxmlformats.org/officeDocument/2006/relationships" xmlns:p="http://schemas.openxmlformats.org/presentationml/2006/main" saveSubsetFonts="1">
   <p:sldMasterIdLst>
-    <p:sldMasterId id="2147483660" r:id="rId1"/>
+    <p:sldMasterId id="2147483678" r:id="rId1"/>
   </p:sldMasterIdLst>
   <p:sldIdLst>
     <p:sldId id="256" r:id="rId2"/>
@@ -50,7 +50,7 @@
     <a:defPPr>
       <a:defRPr lang="en-US"/>
     </a:defPPr>
-    <a:lvl1pPr marL="0" algn="l" defTabSz="457200" rtl="0" eaLnBrk="1" latinLnBrk="0" hangingPunct="1">
+    <a:lvl1pPr marL="0" algn="l" defTabSz="914400" rtl="0" eaLnBrk="1" latinLnBrk="0" hangingPunct="1">
       <a:defRPr sz="1800" kern="1200">
         <a:solidFill>
           <a:schemeClr val="tx1"/>
@@ -60,7 +60,7 @@
         <a:cs typeface="+mn-cs"/>
       </a:defRPr>
     </a:lvl1pPr>
-    <a:lvl2pPr marL="457200" algn="l" defTabSz="457200" rtl="0" eaLnBrk="1" latinLnBrk="0" hangingPunct="1">
+    <a:lvl2pPr marL="457200" algn="l" defTabSz="914400" rtl="0" eaLnBrk="1" latinLnBrk="0" hangingPunct="1">
       <a:defRPr sz="1800" kern="1200">
         <a:solidFill>
           <a:schemeClr val="tx1"/>
@@ -70,7 +70,7 @@
         <a:cs typeface="+mn-cs"/>
       </a:defRPr>
     </a:lvl2pPr>
-    <a:lvl3pPr marL="914400" algn="l" defTabSz="457200" rtl="0" eaLnBrk="1" latinLnBrk="0" hangingPunct="1">
+    <a:lvl3pPr marL="914400" algn="l" defTabSz="914400" rtl="0" eaLnBrk="1" latinLnBrk="0" hangingPunct="1">
       <a:defRPr sz="1800" kern="1200">
         <a:solidFill>
           <a:schemeClr val="tx1"/>
@@ -80,7 +80,7 @@
         <a:cs typeface="+mn-cs"/>
       </a:defRPr>
     </a:lvl3pPr>
-    <a:lvl4pPr marL="1371600" algn="l" defTabSz="457200" rtl="0" eaLnBrk="1" latinLnBrk="0" hangingPunct="1">
+    <a:lvl4pPr marL="1371600" algn="l" defTabSz="914400" rtl="0" eaLnBrk="1" latinLnBrk="0" hangingPunct="1">
       <a:defRPr sz="1800" kern="1200">
         <a:solidFill>
           <a:schemeClr val="tx1"/>
@@ -90,7 +90,7 @@
         <a:cs typeface="+mn-cs"/>
       </a:defRPr>
     </a:lvl4pPr>
-    <a:lvl5pPr marL="1828800" algn="l" defTabSz="457200" rtl="0" eaLnBrk="1" latinLnBrk="0" hangingPunct="1">
+    <a:lvl5pPr marL="1828800" algn="l" defTabSz="914400" rtl="0" eaLnBrk="1" latinLnBrk="0" hangingPunct="1">
       <a:defRPr sz="1800" kern="1200">
         <a:solidFill>
           <a:schemeClr val="tx1"/>
@@ -100,7 +100,7 @@
         <a:cs typeface="+mn-cs"/>
       </a:defRPr>
     </a:lvl5pPr>
-    <a:lvl6pPr marL="2286000" algn="l" defTabSz="457200" rtl="0" eaLnBrk="1" latinLnBrk="0" hangingPunct="1">
+    <a:lvl6pPr marL="2286000" algn="l" defTabSz="914400" rtl="0" eaLnBrk="1" latinLnBrk="0" hangingPunct="1">
       <a:defRPr sz="1800" kern="1200">
         <a:solidFill>
           <a:schemeClr val="tx1"/>
@@ -110,7 +110,7 @@
         <a:cs typeface="+mn-cs"/>
       </a:defRPr>
     </a:lvl6pPr>
-    <a:lvl7pPr marL="2743200" algn="l" defTabSz="457200" rtl="0" eaLnBrk="1" latinLnBrk="0" hangingPunct="1">
+    <a:lvl7pPr marL="2743200" algn="l" defTabSz="914400" rtl="0" eaLnBrk="1" latinLnBrk="0" hangingPunct="1">
       <a:defRPr sz="1800" kern="1200">
         <a:solidFill>
           <a:schemeClr val="tx1"/>
@@ -120,7 +120,7 @@
         <a:cs typeface="+mn-cs"/>
       </a:defRPr>
     </a:lvl7pPr>
-    <a:lvl8pPr marL="3200400" algn="l" defTabSz="457200" rtl="0" eaLnBrk="1" latinLnBrk="0" hangingPunct="1">
+    <a:lvl8pPr marL="3200400" algn="l" defTabSz="914400" rtl="0" eaLnBrk="1" latinLnBrk="0" hangingPunct="1">
       <a:defRPr sz="1800" kern="1200">
         <a:solidFill>
           <a:schemeClr val="tx1"/>
@@ -130,7 +130,7 @@
         <a:cs typeface="+mn-cs"/>
       </a:defRPr>
     </a:lvl8pPr>
-    <a:lvl9pPr marL="3657600" algn="l" defTabSz="457200" rtl="0" eaLnBrk="1" latinLnBrk="0" hangingPunct="1">
+    <a:lvl9pPr marL="3657600" algn="l" defTabSz="914400" rtl="0" eaLnBrk="1" latinLnBrk="0" hangingPunct="1">
       <a:defRPr sz="1800" kern="1200">
         <a:solidFill>
           <a:schemeClr val="tx1"/>
@@ -150,7 +150,7 @@
 </file>
 
 <file path=ppt/slideLayouts/slideLayout1.xml><?xml version="1.0" encoding="utf-8"?>
-<p:sldLayout xmlns:a="http://schemas.openxmlformats.org/drawingml/2006/main" xmlns:r="http://schemas.openxmlformats.org/officeDocument/2006/relationships" xmlns:p="http://schemas.openxmlformats.org/presentationml/2006/main" showMasterSp="0" type="title" preserve="1">
+<p:sldLayout xmlns:a="http://schemas.openxmlformats.org/drawingml/2006/main" xmlns:r="http://schemas.openxmlformats.org/officeDocument/2006/relationships" xmlns:p="http://schemas.openxmlformats.org/presentationml/2006/main" type="title" preserve="1">
   <p:cSld name="Title Slide">
     <p:spTree>
       <p:nvGrpSpPr>
@@ -168,7 +168,13 @@
       </p:grpSpPr>
       <p:sp>
         <p:nvSpPr>
-          <p:cNvPr id="2" name="Title 1"/>
+          <p:cNvPr id="2" name="Title 1">
+            <a:extLst>
+              <a:ext uri="{FF2B5EF4-FFF2-40B4-BE49-F238E27FC236}">
+                <a16:creationId xmlns:a16="http://schemas.microsoft.com/office/drawing/2014/main" id="{A7F776B5-C160-461E-F079-FAF65372B6C3}"/>
+              </a:ext>
+            </a:extLst>
+          </p:cNvPr>
           <p:cNvSpPr>
             <a:spLocks noGrp="1"/>
           </p:cNvSpPr>
@@ -178,19 +184,15 @@
         </p:nvSpPr>
         <p:spPr>
           <a:xfrm>
-            <a:off x="684212" y="685799"/>
-            <a:ext cx="8001000" cy="2971801"/>
+            <a:off x="1524000" y="1122363"/>
+            <a:ext cx="9144000" cy="2387600"/>
           </a:xfrm>
         </p:spPr>
         <p:txBody>
-          <a:bodyPr anchor="b">
-            <a:normAutofit/>
-          </a:bodyPr>
+          <a:bodyPr anchor="b"/>
           <a:lstStyle>
-            <a:lvl1pPr algn="l">
-              <a:defRPr sz="4800">
-                <a:effectLst/>
-              </a:defRPr>
+            <a:lvl1pPr algn="ctr">
+              <a:defRPr sz="6000"/>
             </a:lvl1pPr>
           </a:lstStyle>
           <a:p>
@@ -198,13 +200,18 @@
               <a:rPr lang="en-US"/>
               <a:t>Click to edit Master title style</a:t>
             </a:r>
-            <a:endParaRPr lang="en-US" dirty="0"/>
-          </a:p>
-        </p:txBody>
-      </p:sp>
-      <p:sp>
-        <p:nvSpPr>
-          <p:cNvPr id="3" name="Subtitle 2"/>
+          </a:p>
+        </p:txBody>
+      </p:sp>
+      <p:sp>
+        <p:nvSpPr>
+          <p:cNvPr id="3" name="Subtitle 2">
+            <a:extLst>
+              <a:ext uri="{FF2B5EF4-FFF2-40B4-BE49-F238E27FC236}">
+                <a16:creationId xmlns:a16="http://schemas.microsoft.com/office/drawing/2014/main" id="{BCE3C9FA-9583-7228-758B-D4FF05108B2E}"/>
+              </a:ext>
+            </a:extLst>
+          </p:cNvPr>
           <p:cNvSpPr>
             <a:spLocks noGrp="1"/>
           </p:cNvSpPr>
@@ -214,104 +221,48 @@
         </p:nvSpPr>
         <p:spPr>
           <a:xfrm>
-            <a:off x="684212" y="3843867"/>
-            <a:ext cx="6400800" cy="1947333"/>
+            <a:off x="1524000" y="3602038"/>
+            <a:ext cx="9144000" cy="1655762"/>
           </a:xfrm>
         </p:spPr>
         <p:txBody>
-          <a:bodyPr anchor="t">
-            <a:normAutofit/>
-          </a:bodyPr>
+          <a:bodyPr/>
           <a:lstStyle>
-            <a:lvl1pPr marL="0" indent="0" algn="l">
+            <a:lvl1pPr marL="0" indent="0" algn="ctr">
               <a:buNone/>
-              <a:defRPr sz="2100">
-                <a:solidFill>
-                  <a:schemeClr val="bg2">
-                    <a:lumMod val="75000"/>
-                  </a:schemeClr>
-                </a:solidFill>
-              </a:defRPr>
+              <a:defRPr sz="2400"/>
             </a:lvl1pPr>
             <a:lvl2pPr marL="457200" indent="0" algn="ctr">
               <a:buNone/>
-              <a:defRPr>
-                <a:solidFill>
-                  <a:schemeClr val="tx1">
-                    <a:tint val="75000"/>
-                  </a:schemeClr>
-                </a:solidFill>
-              </a:defRPr>
+              <a:defRPr sz="2000"/>
             </a:lvl2pPr>
             <a:lvl3pPr marL="914400" indent="0" algn="ctr">
               <a:buNone/>
-              <a:defRPr>
-                <a:solidFill>
-                  <a:schemeClr val="tx1">
-                    <a:tint val="75000"/>
-                  </a:schemeClr>
-                </a:solidFill>
-              </a:defRPr>
+              <a:defRPr sz="1800"/>
             </a:lvl3pPr>
             <a:lvl4pPr marL="1371600" indent="0" algn="ctr">
               <a:buNone/>
-              <a:defRPr>
-                <a:solidFill>
-                  <a:schemeClr val="tx1">
-                    <a:tint val="75000"/>
-                  </a:schemeClr>
-                </a:solidFill>
-              </a:defRPr>
+              <a:defRPr sz="1600"/>
             </a:lvl4pPr>
             <a:lvl5pPr marL="1828800" indent="0" algn="ctr">
               <a:buNone/>
-              <a:defRPr>
-                <a:solidFill>
-                  <a:schemeClr val="tx1">
-                    <a:tint val="75000"/>
-                  </a:schemeClr>
-                </a:solidFill>
-              </a:defRPr>
+              <a:defRPr sz="1600"/>
             </a:lvl5pPr>
             <a:lvl6pPr marL="2286000" indent="0" algn="ctr">
               <a:buNone/>
-              <a:defRPr>
-                <a:solidFill>
-                  <a:schemeClr val="tx1">
-                    <a:tint val="75000"/>
-                  </a:schemeClr>
-                </a:solidFill>
-              </a:defRPr>
+              <a:defRPr sz="1600"/>
             </a:lvl6pPr>
             <a:lvl7pPr marL="2743200" indent="0" algn="ctr">
               <a:buNone/>
-              <a:defRPr>
-                <a:solidFill>
-                  <a:schemeClr val="tx1">
-                    <a:tint val="75000"/>
-                  </a:schemeClr>
-                </a:solidFill>
-              </a:defRPr>
+              <a:defRPr sz="1600"/>
             </a:lvl7pPr>
             <a:lvl8pPr marL="3200400" indent="0" algn="ctr">
               <a:buNone/>
-              <a:defRPr>
-                <a:solidFill>
-                  <a:schemeClr val="tx1">
-                    <a:tint val="75000"/>
-                  </a:schemeClr>
-                </a:solidFill>
-              </a:defRPr>
+              <a:defRPr sz="1600"/>
             </a:lvl8pPr>
             <a:lvl9pPr marL="3657600" indent="0" algn="ctr">
               <a:buNone/>
-              <a:defRPr>
-                <a:solidFill>
-                  <a:schemeClr val="tx1">
-                    <a:tint val="75000"/>
-                  </a:schemeClr>
-                </a:solidFill>
-              </a:defRPr>
+              <a:defRPr sz="1600"/>
             </a:lvl9pPr>
           </a:lstStyle>
           <a:p>
@@ -319,13 +270,18 @@
               <a:rPr lang="en-US"/>
               <a:t>Click to edit Master subtitle style</a:t>
             </a:r>
-            <a:endParaRPr lang="en-US" dirty="0"/>
-          </a:p>
-        </p:txBody>
-      </p:sp>
-      <p:sp>
-        <p:nvSpPr>
-          <p:cNvPr id="4" name="Date Placeholder 3"/>
+          </a:p>
+        </p:txBody>
+      </p:sp>
+      <p:sp>
+        <p:nvSpPr>
+          <p:cNvPr id="4" name="Date Placeholder 3">
+            <a:extLst>
+              <a:ext uri="{FF2B5EF4-FFF2-40B4-BE49-F238E27FC236}">
+                <a16:creationId xmlns:a16="http://schemas.microsoft.com/office/drawing/2014/main" id="{B1BDA8C3-39B3-5C86-B1B4-F8AA1C0738EC}"/>
+              </a:ext>
+            </a:extLst>
+          </p:cNvPr>
           <p:cNvSpPr>
             <a:spLocks noGrp="1"/>
           </p:cNvSpPr>
@@ -340,7 +296,7 @@
           <a:p>
             <a:fld id="{73081320-CFC6-409D-A552-76F9BE3B388C}" type="datetimeFigureOut">
               <a:rPr lang="en-US" smtClean="0"/>
-              <a:t>5/4/2023</a:t>
+              <a:t>8/16/2023</a:t>
             </a:fld>
             <a:endParaRPr lang="en-US"/>
           </a:p>
@@ -348,7 +304,13 @@
       </p:sp>
       <p:sp>
         <p:nvSpPr>
-          <p:cNvPr id="5" name="Footer Placeholder 4"/>
+          <p:cNvPr id="5" name="Footer Placeholder 4">
+            <a:extLst>
+              <a:ext uri="{FF2B5EF4-FFF2-40B4-BE49-F238E27FC236}">
+                <a16:creationId xmlns:a16="http://schemas.microsoft.com/office/drawing/2014/main" id="{59142E63-6E21-A6D4-229A-453582C5A9F2}"/>
+              </a:ext>
+            </a:extLst>
+          </p:cNvPr>
           <p:cNvSpPr>
             <a:spLocks noGrp="1"/>
           </p:cNvSpPr>
@@ -367,7 +329,13 @@
       </p:sp>
       <p:sp>
         <p:nvSpPr>
-          <p:cNvPr id="6" name="Slide Number Placeholder 5"/>
+          <p:cNvPr id="6" name="Slide Number Placeholder 5">
+            <a:extLst>
+              <a:ext uri="{FF2B5EF4-FFF2-40B4-BE49-F238E27FC236}">
+                <a16:creationId xmlns:a16="http://schemas.microsoft.com/office/drawing/2014/main" id="{622ABAF9-7243-844C-87BE-922B1FCACB8C}"/>
+              </a:ext>
+            </a:extLst>
+          </p:cNvPr>
           <p:cNvSpPr>
             <a:spLocks noGrp="1"/>
           </p:cNvSpPr>
@@ -388,185 +356,10 @@
           </a:p>
         </p:txBody>
       </p:sp>
-      <p:cxnSp>
-        <p:nvCxnSpPr>
-          <p:cNvPr id="16" name="Straight Connector 15"/>
-          <p:cNvCxnSpPr/>
-          <p:nvPr/>
-        </p:nvCxnSpPr>
-        <p:spPr>
-          <a:xfrm flipH="1">
-            <a:off x="8228012" y="8467"/>
-            <a:ext cx="3810000" cy="3810000"/>
-          </a:xfrm>
-          <a:prstGeom prst="line">
-            <a:avLst/>
-          </a:prstGeom>
-          <a:ln w="12700">
-            <a:solidFill>
-              <a:schemeClr val="tx1"/>
-            </a:solidFill>
-          </a:ln>
-        </p:spPr>
-        <p:style>
-          <a:lnRef idx="2">
-            <a:schemeClr val="accent1"/>
-          </a:lnRef>
-          <a:fillRef idx="0">
-            <a:schemeClr val="accent1"/>
-          </a:fillRef>
-          <a:effectRef idx="1">
-            <a:schemeClr val="accent1"/>
-          </a:effectRef>
-          <a:fontRef idx="minor">
-            <a:schemeClr val="tx1"/>
-          </a:fontRef>
-        </p:style>
-      </p:cxnSp>
-      <p:cxnSp>
-        <p:nvCxnSpPr>
-          <p:cNvPr id="17" name="Straight Connector 16"/>
-          <p:cNvCxnSpPr/>
-          <p:nvPr/>
-        </p:nvCxnSpPr>
-        <p:spPr>
-          <a:xfrm flipH="1">
-            <a:off x="6108170" y="91545"/>
-            <a:ext cx="6080655" cy="6080655"/>
-          </a:xfrm>
-          <a:prstGeom prst="line">
-            <a:avLst/>
-          </a:prstGeom>
-          <a:ln w="12700">
-            <a:solidFill>
-              <a:schemeClr val="tx1"/>
-            </a:solidFill>
-          </a:ln>
-        </p:spPr>
-        <p:style>
-          <a:lnRef idx="2">
-            <a:schemeClr val="accent1"/>
-          </a:lnRef>
-          <a:fillRef idx="0">
-            <a:schemeClr val="accent1"/>
-          </a:fillRef>
-          <a:effectRef idx="1">
-            <a:schemeClr val="accent1"/>
-          </a:effectRef>
-          <a:fontRef idx="minor">
-            <a:schemeClr val="tx1"/>
-          </a:fontRef>
-        </p:style>
-      </p:cxnSp>
-      <p:cxnSp>
-        <p:nvCxnSpPr>
-          <p:cNvPr id="19" name="Straight Connector 18"/>
-          <p:cNvCxnSpPr/>
-          <p:nvPr/>
-        </p:nvCxnSpPr>
-        <p:spPr>
-          <a:xfrm flipH="1">
-            <a:off x="7235825" y="228600"/>
-            <a:ext cx="4953000" cy="4953000"/>
-          </a:xfrm>
-          <a:prstGeom prst="line">
-            <a:avLst/>
-          </a:prstGeom>
-          <a:ln w="12700">
-            <a:solidFill>
-              <a:schemeClr val="tx1"/>
-            </a:solidFill>
-          </a:ln>
-        </p:spPr>
-        <p:style>
-          <a:lnRef idx="2">
-            <a:schemeClr val="accent1"/>
-          </a:lnRef>
-          <a:fillRef idx="0">
-            <a:schemeClr val="accent1"/>
-          </a:fillRef>
-          <a:effectRef idx="1">
-            <a:schemeClr val="accent1"/>
-          </a:effectRef>
-          <a:fontRef idx="minor">
-            <a:schemeClr val="tx1"/>
-          </a:fontRef>
-        </p:style>
-      </p:cxnSp>
-      <p:cxnSp>
-        <p:nvCxnSpPr>
-          <p:cNvPr id="21" name="Straight Connector 20"/>
-          <p:cNvCxnSpPr/>
-          <p:nvPr/>
-        </p:nvCxnSpPr>
-        <p:spPr>
-          <a:xfrm flipH="1">
-            <a:off x="7335837" y="32278"/>
-            <a:ext cx="4852989" cy="4852989"/>
-          </a:xfrm>
-          <a:prstGeom prst="line">
-            <a:avLst/>
-          </a:prstGeom>
-          <a:ln w="31750">
-            <a:solidFill>
-              <a:schemeClr val="tx1"/>
-            </a:solidFill>
-          </a:ln>
-        </p:spPr>
-        <p:style>
-          <a:lnRef idx="2">
-            <a:schemeClr val="accent1"/>
-          </a:lnRef>
-          <a:fillRef idx="0">
-            <a:schemeClr val="accent1"/>
-          </a:fillRef>
-          <a:effectRef idx="1">
-            <a:schemeClr val="accent1"/>
-          </a:effectRef>
-          <a:fontRef idx="minor">
-            <a:schemeClr val="tx1"/>
-          </a:fontRef>
-        </p:style>
-      </p:cxnSp>
-      <p:cxnSp>
-        <p:nvCxnSpPr>
-          <p:cNvPr id="23" name="Straight Connector 22"/>
-          <p:cNvCxnSpPr/>
-          <p:nvPr/>
-        </p:nvCxnSpPr>
-        <p:spPr>
-          <a:xfrm flipH="1">
-            <a:off x="7845426" y="609601"/>
-            <a:ext cx="4343399" cy="4343399"/>
-          </a:xfrm>
-          <a:prstGeom prst="line">
-            <a:avLst/>
-          </a:prstGeom>
-          <a:ln w="31750">
-            <a:solidFill>
-              <a:schemeClr val="tx1"/>
-            </a:solidFill>
-          </a:ln>
-        </p:spPr>
-        <p:style>
-          <a:lnRef idx="2">
-            <a:schemeClr val="accent1"/>
-          </a:lnRef>
-          <a:fillRef idx="0">
-            <a:schemeClr val="accent1"/>
-          </a:fillRef>
-          <a:effectRef idx="1">
-            <a:schemeClr val="accent1"/>
-          </a:effectRef>
-          <a:fontRef idx="minor">
-            <a:schemeClr val="tx1"/>
-          </a:fontRef>
-        </p:style>
-      </p:cxnSp>
     </p:spTree>
     <p:extLst>
       <p:ext uri="{BB962C8B-B14F-4D97-AF65-F5344CB8AC3E}">
-        <p14:creationId xmlns:p14="http://schemas.microsoft.com/office/powerpoint/2010/main" val="3790387104"/>
+        <p14:creationId xmlns:p14="http://schemas.microsoft.com/office/powerpoint/2010/main" val="3974067837"/>
       </p:ext>
     </p:extLst>
   </p:cSld>
@@ -577,1812 +370,6 @@
 </file>
 
 <file path=ppt/slideLayouts/slideLayout10.xml><?xml version="1.0" encoding="utf-8"?>
-<p:sldLayout xmlns:a="http://schemas.openxmlformats.org/drawingml/2006/main" xmlns:r="http://schemas.openxmlformats.org/officeDocument/2006/relationships" xmlns:p="http://schemas.openxmlformats.org/presentationml/2006/main" preserve="1">
-  <p:cSld name="Panoramic Picture with Caption">
-    <p:spTree>
-      <p:nvGrpSpPr>
-        <p:cNvPr id="1" name=""/>
-        <p:cNvGrpSpPr/>
-        <p:nvPr/>
-      </p:nvGrpSpPr>
-      <p:grpSpPr>
-        <a:xfrm>
-          <a:off x="0" y="0"/>
-          <a:ext cx="0" cy="0"/>
-          <a:chOff x="0" y="0"/>
-          <a:chExt cx="0" cy="0"/>
-        </a:xfrm>
-      </p:grpSpPr>
-      <p:sp>
-        <p:nvSpPr>
-          <p:cNvPr id="2" name="Title 1"/>
-          <p:cNvSpPr>
-            <a:spLocks noGrp="1"/>
-          </p:cNvSpPr>
-          <p:nvPr>
-            <p:ph type="title"/>
-          </p:nvPr>
-        </p:nvSpPr>
-        <p:spPr/>
-        <p:txBody>
-          <a:bodyPr/>
-          <a:lstStyle/>
-          <a:p>
-            <a:r>
-              <a:rPr lang="en-US"/>
-              <a:t>Click to edit Master title style</a:t>
-            </a:r>
-            <a:endParaRPr lang="en-US" dirty="0"/>
-          </a:p>
-        </p:txBody>
-      </p:sp>
-      <p:sp>
-        <p:nvSpPr>
-          <p:cNvPr id="17" name="Picture Placeholder 2"/>
-          <p:cNvSpPr>
-            <a:spLocks noGrp="1" noChangeAspect="1"/>
-          </p:cNvSpPr>
-          <p:nvPr>
-            <p:ph type="pic" idx="13"/>
-          </p:nvPr>
-        </p:nvSpPr>
-        <p:spPr>
-          <a:xfrm>
-            <a:off x="685800" y="533400"/>
-            <a:ext cx="10818812" cy="3124200"/>
-          </a:xfrm>
-          <a:prstGeom prst="snip2DiagRect">
-            <a:avLst>
-              <a:gd name="adj1" fmla="val 10815"/>
-              <a:gd name="adj2" fmla="val 0"/>
-            </a:avLst>
-          </a:prstGeom>
-          <a:ln w="15875">
-            <a:solidFill>
-              <a:schemeClr val="tx1">
-                <a:alpha val="40000"/>
-              </a:schemeClr>
-            </a:solidFill>
-          </a:ln>
-          <a:effectLst>
-            <a:innerShdw blurRad="57150" dist="38100" dir="14460000">
-              <a:srgbClr val="000000">
-                <a:alpha val="70000"/>
-              </a:srgbClr>
-            </a:innerShdw>
-          </a:effectLst>
-        </p:spPr>
-        <p:txBody>
-          <a:bodyPr anchor="t">
-            <a:normAutofit/>
-          </a:bodyPr>
-          <a:lstStyle>
-            <a:lvl1pPr marL="0" indent="0" algn="ctr">
-              <a:buNone/>
-              <a:defRPr sz="1600"/>
-            </a:lvl1pPr>
-            <a:lvl2pPr marL="457200" indent="0">
-              <a:buNone/>
-              <a:defRPr sz="1600"/>
-            </a:lvl2pPr>
-            <a:lvl3pPr marL="914400" indent="0">
-              <a:buNone/>
-              <a:defRPr sz="1600"/>
-            </a:lvl3pPr>
-            <a:lvl4pPr marL="1371600" indent="0">
-              <a:buNone/>
-              <a:defRPr sz="1600"/>
-            </a:lvl4pPr>
-            <a:lvl5pPr marL="1828800" indent="0">
-              <a:buNone/>
-              <a:defRPr sz="1600"/>
-            </a:lvl5pPr>
-            <a:lvl6pPr marL="2286000" indent="0">
-              <a:buNone/>
-              <a:defRPr sz="1600"/>
-            </a:lvl6pPr>
-            <a:lvl7pPr marL="2743200" indent="0">
-              <a:buNone/>
-              <a:defRPr sz="1600"/>
-            </a:lvl7pPr>
-            <a:lvl8pPr marL="3200400" indent="0">
-              <a:buNone/>
-              <a:defRPr sz="1600"/>
-            </a:lvl8pPr>
-            <a:lvl9pPr marL="3657600" indent="0">
-              <a:buNone/>
-              <a:defRPr sz="1600"/>
-            </a:lvl9pPr>
-          </a:lstStyle>
-          <a:p>
-            <a:r>
-              <a:rPr lang="en-US"/>
-              <a:t>Click icon to add picture</a:t>
-            </a:r>
-            <a:endParaRPr lang="en-US" dirty="0"/>
-          </a:p>
-        </p:txBody>
-      </p:sp>
-      <p:sp>
-        <p:nvSpPr>
-          <p:cNvPr id="16" name="Text Placeholder 9"/>
-          <p:cNvSpPr>
-            <a:spLocks noGrp="1"/>
-          </p:cNvSpPr>
-          <p:nvPr>
-            <p:ph type="body" sz="quarter" idx="14"/>
-          </p:nvPr>
-        </p:nvSpPr>
-        <p:spPr>
-          <a:xfrm>
-            <a:off x="914402" y="3843867"/>
-            <a:ext cx="8304210" cy="457200"/>
-          </a:xfrm>
-        </p:spPr>
-        <p:txBody>
-          <a:bodyPr anchor="t">
-            <a:normAutofit/>
-          </a:bodyPr>
-          <a:lstStyle>
-            <a:lvl1pPr marL="0" indent="0">
-              <a:buFontTx/>
-              <a:buNone/>
-              <a:defRPr sz="1600"/>
-            </a:lvl1pPr>
-            <a:lvl2pPr marL="457200" indent="0">
-              <a:buFontTx/>
-              <a:buNone/>
-              <a:defRPr/>
-            </a:lvl2pPr>
-            <a:lvl3pPr marL="914400" indent="0">
-              <a:buFontTx/>
-              <a:buNone/>
-              <a:defRPr/>
-            </a:lvl3pPr>
-            <a:lvl4pPr marL="1371600" indent="0">
-              <a:buFontTx/>
-              <a:buNone/>
-              <a:defRPr/>
-            </a:lvl4pPr>
-            <a:lvl5pPr marL="1828800" indent="0">
-              <a:buFontTx/>
-              <a:buNone/>
-              <a:defRPr/>
-            </a:lvl5pPr>
-          </a:lstStyle>
-          <a:p>
-            <a:pPr lvl="0"/>
-            <a:r>
-              <a:rPr lang="en-US"/>
-              <a:t>Click to edit Master text styles</a:t>
-            </a:r>
-          </a:p>
-        </p:txBody>
-      </p:sp>
-      <p:sp>
-        <p:nvSpPr>
-          <p:cNvPr id="3" name="Date Placeholder 2"/>
-          <p:cNvSpPr>
-            <a:spLocks noGrp="1"/>
-          </p:cNvSpPr>
-          <p:nvPr>
-            <p:ph type="dt" sz="half" idx="10"/>
-          </p:nvPr>
-        </p:nvSpPr>
-        <p:spPr/>
-        <p:txBody>
-          <a:bodyPr/>
-          <a:lstStyle/>
-          <a:p>
-            <a:fld id="{73081320-CFC6-409D-A552-76F9BE3B388C}" type="datetimeFigureOut">
-              <a:rPr lang="en-US" smtClean="0"/>
-              <a:t>5/4/2023</a:t>
-            </a:fld>
-            <a:endParaRPr lang="en-US"/>
-          </a:p>
-        </p:txBody>
-      </p:sp>
-      <p:sp>
-        <p:nvSpPr>
-          <p:cNvPr id="4" name="Footer Placeholder 3"/>
-          <p:cNvSpPr>
-            <a:spLocks noGrp="1"/>
-          </p:cNvSpPr>
-          <p:nvPr>
-            <p:ph type="ftr" sz="quarter" idx="11"/>
-          </p:nvPr>
-        </p:nvSpPr>
-        <p:spPr/>
-        <p:txBody>
-          <a:bodyPr/>
-          <a:lstStyle/>
-          <a:p>
-            <a:endParaRPr lang="en-US"/>
-          </a:p>
-        </p:txBody>
-      </p:sp>
-      <p:sp>
-        <p:nvSpPr>
-          <p:cNvPr id="5" name="Slide Number Placeholder 4"/>
-          <p:cNvSpPr>
-            <a:spLocks noGrp="1"/>
-          </p:cNvSpPr>
-          <p:nvPr>
-            <p:ph type="sldNum" sz="quarter" idx="12"/>
-          </p:nvPr>
-        </p:nvSpPr>
-        <p:spPr/>
-        <p:txBody>
-          <a:bodyPr/>
-          <a:lstStyle/>
-          <a:p>
-            <a:fld id="{643800C9-CAB2-44E3-9413-A703606322F1}" type="slidenum">
-              <a:rPr lang="en-US" smtClean="0"/>
-              <a:t>‹#›</a:t>
-            </a:fld>
-            <a:endParaRPr lang="en-US"/>
-          </a:p>
-        </p:txBody>
-      </p:sp>
-    </p:spTree>
-    <p:extLst>
-      <p:ext uri="{BB962C8B-B14F-4D97-AF65-F5344CB8AC3E}">
-        <p14:creationId xmlns:p14="http://schemas.microsoft.com/office/powerpoint/2010/main" val="594555830"/>
-      </p:ext>
-    </p:extLst>
-  </p:cSld>
-  <p:clrMapOvr>
-    <a:masterClrMapping/>
-  </p:clrMapOvr>
-</p:sldLayout>
-</file>
-
-<file path=ppt/slideLayouts/slideLayout11.xml><?xml version="1.0" encoding="utf-8"?>
-<p:sldLayout xmlns:a="http://schemas.openxmlformats.org/drawingml/2006/main" xmlns:r="http://schemas.openxmlformats.org/officeDocument/2006/relationships" xmlns:p="http://schemas.openxmlformats.org/presentationml/2006/main" preserve="1">
-  <p:cSld name="Title and Caption">
-    <p:spTree>
-      <p:nvGrpSpPr>
-        <p:cNvPr id="1" name=""/>
-        <p:cNvGrpSpPr/>
-        <p:nvPr/>
-      </p:nvGrpSpPr>
-      <p:grpSpPr>
-        <a:xfrm>
-          <a:off x="0" y="0"/>
-          <a:ext cx="0" cy="0"/>
-          <a:chOff x="0" y="0"/>
-          <a:chExt cx="0" cy="0"/>
-        </a:xfrm>
-      </p:grpSpPr>
-      <p:sp>
-        <p:nvSpPr>
-          <p:cNvPr id="2" name="Title 1"/>
-          <p:cNvSpPr>
-            <a:spLocks noGrp="1"/>
-          </p:cNvSpPr>
-          <p:nvPr>
-            <p:ph type="title"/>
-          </p:nvPr>
-        </p:nvSpPr>
-        <p:spPr>
-          <a:xfrm>
-            <a:off x="684213" y="685800"/>
-            <a:ext cx="10058400" cy="2743200"/>
-          </a:xfrm>
-        </p:spPr>
-        <p:txBody>
-          <a:bodyPr anchor="ctr">
-            <a:normAutofit/>
-          </a:bodyPr>
-          <a:lstStyle>
-            <a:lvl1pPr algn="l">
-              <a:defRPr sz="3200" b="0" cap="all"/>
-            </a:lvl1pPr>
-          </a:lstStyle>
-          <a:p>
-            <a:r>
-              <a:rPr lang="en-US"/>
-              <a:t>Click to edit Master title style</a:t>
-            </a:r>
-            <a:endParaRPr lang="en-US" dirty="0"/>
-          </a:p>
-        </p:txBody>
-      </p:sp>
-      <p:sp>
-        <p:nvSpPr>
-          <p:cNvPr id="3" name="Text Placeholder 2"/>
-          <p:cNvSpPr>
-            <a:spLocks noGrp="1"/>
-          </p:cNvSpPr>
-          <p:nvPr>
-            <p:ph type="body" idx="1"/>
-          </p:nvPr>
-        </p:nvSpPr>
-        <p:spPr>
-          <a:xfrm>
-            <a:off x="684212" y="4114800"/>
-            <a:ext cx="8535988" cy="1879600"/>
-          </a:xfrm>
-        </p:spPr>
-        <p:txBody>
-          <a:bodyPr anchor="ctr">
-            <a:normAutofit/>
-          </a:bodyPr>
-          <a:lstStyle>
-            <a:lvl1pPr marL="0" indent="0" algn="l">
-              <a:buNone/>
-              <a:defRPr sz="2000">
-                <a:solidFill>
-                  <a:schemeClr val="bg2">
-                    <a:lumMod val="75000"/>
-                  </a:schemeClr>
-                </a:solidFill>
-              </a:defRPr>
-            </a:lvl1pPr>
-            <a:lvl2pPr marL="457200" indent="0">
-              <a:buNone/>
-              <a:defRPr sz="1800">
-                <a:solidFill>
-                  <a:schemeClr val="tx1">
-                    <a:tint val="75000"/>
-                  </a:schemeClr>
-                </a:solidFill>
-              </a:defRPr>
-            </a:lvl2pPr>
-            <a:lvl3pPr marL="914400" indent="0">
-              <a:buNone/>
-              <a:defRPr sz="1600">
-                <a:solidFill>
-                  <a:schemeClr val="tx1">
-                    <a:tint val="75000"/>
-                  </a:schemeClr>
-                </a:solidFill>
-              </a:defRPr>
-            </a:lvl3pPr>
-            <a:lvl4pPr marL="1371600" indent="0">
-              <a:buNone/>
-              <a:defRPr sz="1400">
-                <a:solidFill>
-                  <a:schemeClr val="tx1">
-                    <a:tint val="75000"/>
-                  </a:schemeClr>
-                </a:solidFill>
-              </a:defRPr>
-            </a:lvl4pPr>
-            <a:lvl5pPr marL="1828800" indent="0">
-              <a:buNone/>
-              <a:defRPr sz="1400">
-                <a:solidFill>
-                  <a:schemeClr val="tx1">
-                    <a:tint val="75000"/>
-                  </a:schemeClr>
-                </a:solidFill>
-              </a:defRPr>
-            </a:lvl5pPr>
-            <a:lvl6pPr marL="2286000" indent="0">
-              <a:buNone/>
-              <a:defRPr sz="1400">
-                <a:solidFill>
-                  <a:schemeClr val="tx1">
-                    <a:tint val="75000"/>
-                  </a:schemeClr>
-                </a:solidFill>
-              </a:defRPr>
-            </a:lvl6pPr>
-            <a:lvl7pPr marL="2743200" indent="0">
-              <a:buNone/>
-              <a:defRPr sz="1400">
-                <a:solidFill>
-                  <a:schemeClr val="tx1">
-                    <a:tint val="75000"/>
-                  </a:schemeClr>
-                </a:solidFill>
-              </a:defRPr>
-            </a:lvl7pPr>
-            <a:lvl8pPr marL="3200400" indent="0">
-              <a:buNone/>
-              <a:defRPr sz="1400">
-                <a:solidFill>
-                  <a:schemeClr val="tx1">
-                    <a:tint val="75000"/>
-                  </a:schemeClr>
-                </a:solidFill>
-              </a:defRPr>
-            </a:lvl8pPr>
-            <a:lvl9pPr marL="3657600" indent="0">
-              <a:buNone/>
-              <a:defRPr sz="1400">
-                <a:solidFill>
-                  <a:schemeClr val="tx1">
-                    <a:tint val="75000"/>
-                  </a:schemeClr>
-                </a:solidFill>
-              </a:defRPr>
-            </a:lvl9pPr>
-          </a:lstStyle>
-          <a:p>
-            <a:pPr lvl="0"/>
-            <a:r>
-              <a:rPr lang="en-US"/>
-              <a:t>Click to edit Master text styles</a:t>
-            </a:r>
-          </a:p>
-        </p:txBody>
-      </p:sp>
-      <p:sp>
-        <p:nvSpPr>
-          <p:cNvPr id="4" name="Date Placeholder 3"/>
-          <p:cNvSpPr>
-            <a:spLocks noGrp="1"/>
-          </p:cNvSpPr>
-          <p:nvPr>
-            <p:ph type="dt" sz="half" idx="10"/>
-          </p:nvPr>
-        </p:nvSpPr>
-        <p:spPr/>
-        <p:txBody>
-          <a:bodyPr/>
-          <a:lstStyle/>
-          <a:p>
-            <a:fld id="{73081320-CFC6-409D-A552-76F9BE3B388C}" type="datetimeFigureOut">
-              <a:rPr lang="en-US" smtClean="0"/>
-              <a:t>5/4/2023</a:t>
-            </a:fld>
-            <a:endParaRPr lang="en-US"/>
-          </a:p>
-        </p:txBody>
-      </p:sp>
-      <p:sp>
-        <p:nvSpPr>
-          <p:cNvPr id="5" name="Footer Placeholder 4"/>
-          <p:cNvSpPr>
-            <a:spLocks noGrp="1"/>
-          </p:cNvSpPr>
-          <p:nvPr>
-            <p:ph type="ftr" sz="quarter" idx="11"/>
-          </p:nvPr>
-        </p:nvSpPr>
-        <p:spPr/>
-        <p:txBody>
-          <a:bodyPr/>
-          <a:lstStyle/>
-          <a:p>
-            <a:endParaRPr lang="en-US"/>
-          </a:p>
-        </p:txBody>
-      </p:sp>
-      <p:sp>
-        <p:nvSpPr>
-          <p:cNvPr id="6" name="Slide Number Placeholder 5"/>
-          <p:cNvSpPr>
-            <a:spLocks noGrp="1"/>
-          </p:cNvSpPr>
-          <p:nvPr>
-            <p:ph type="sldNum" sz="quarter" idx="12"/>
-          </p:nvPr>
-        </p:nvSpPr>
-        <p:spPr/>
-        <p:txBody>
-          <a:bodyPr/>
-          <a:lstStyle/>
-          <a:p>
-            <a:fld id="{643800C9-CAB2-44E3-9413-A703606322F1}" type="slidenum">
-              <a:rPr lang="en-US" smtClean="0"/>
-              <a:t>‹#›</a:t>
-            </a:fld>
-            <a:endParaRPr lang="en-US"/>
-          </a:p>
-        </p:txBody>
-      </p:sp>
-    </p:spTree>
-    <p:extLst>
-      <p:ext uri="{BB962C8B-B14F-4D97-AF65-F5344CB8AC3E}">
-        <p14:creationId xmlns:p14="http://schemas.microsoft.com/office/powerpoint/2010/main" val="2107843960"/>
-      </p:ext>
-    </p:extLst>
-  </p:cSld>
-  <p:clrMapOvr>
-    <a:masterClrMapping/>
-  </p:clrMapOvr>
-</p:sldLayout>
-</file>
-
-<file path=ppt/slideLayouts/slideLayout12.xml><?xml version="1.0" encoding="utf-8"?>
-<p:sldLayout xmlns:a="http://schemas.openxmlformats.org/drawingml/2006/main" xmlns:r="http://schemas.openxmlformats.org/officeDocument/2006/relationships" xmlns:p="http://schemas.openxmlformats.org/presentationml/2006/main" preserve="1">
-  <p:cSld name="Quote with Caption">
-    <p:spTree>
-      <p:nvGrpSpPr>
-        <p:cNvPr id="1" name=""/>
-        <p:cNvGrpSpPr/>
-        <p:nvPr/>
-      </p:nvGrpSpPr>
-      <p:grpSpPr>
-        <a:xfrm>
-          <a:off x="0" y="0"/>
-          <a:ext cx="0" cy="0"/>
-          <a:chOff x="0" y="0"/>
-          <a:chExt cx="0" cy="0"/>
-        </a:xfrm>
-      </p:grpSpPr>
-      <p:sp>
-        <p:nvSpPr>
-          <p:cNvPr id="2" name="Title 1"/>
-          <p:cNvSpPr>
-            <a:spLocks noGrp="1"/>
-          </p:cNvSpPr>
-          <p:nvPr>
-            <p:ph type="title"/>
-          </p:nvPr>
-        </p:nvSpPr>
-        <p:spPr>
-          <a:xfrm>
-            <a:off x="1141411" y="685800"/>
-            <a:ext cx="9144001" cy="2743200"/>
-          </a:xfrm>
-        </p:spPr>
-        <p:txBody>
-          <a:bodyPr anchor="ctr">
-            <a:normAutofit/>
-          </a:bodyPr>
-          <a:lstStyle>
-            <a:lvl1pPr algn="l">
-              <a:defRPr sz="3200" b="0" cap="all">
-                <a:solidFill>
-                  <a:schemeClr val="tx1"/>
-                </a:solidFill>
-              </a:defRPr>
-            </a:lvl1pPr>
-          </a:lstStyle>
-          <a:p>
-            <a:r>
-              <a:rPr lang="en-US"/>
-              <a:t>Click to edit Master title style</a:t>
-            </a:r>
-            <a:endParaRPr lang="en-US" dirty="0"/>
-          </a:p>
-        </p:txBody>
-      </p:sp>
-      <p:sp>
-        <p:nvSpPr>
-          <p:cNvPr id="10" name="Text Placeholder 9"/>
-          <p:cNvSpPr>
-            <a:spLocks noGrp="1"/>
-          </p:cNvSpPr>
-          <p:nvPr>
-            <p:ph type="body" sz="quarter" idx="13"/>
-          </p:nvPr>
-        </p:nvSpPr>
-        <p:spPr>
-          <a:xfrm>
-            <a:off x="1446212" y="3429000"/>
-            <a:ext cx="8534400" cy="381000"/>
-          </a:xfrm>
-        </p:spPr>
-        <p:txBody>
-          <a:bodyPr anchor="ctr"/>
-          <a:lstStyle>
-            <a:lvl1pPr marL="0" indent="0">
-              <a:buFontTx/>
-              <a:buNone/>
-              <a:defRPr/>
-            </a:lvl1pPr>
-            <a:lvl2pPr marL="457200" indent="0">
-              <a:buFontTx/>
-              <a:buNone/>
-              <a:defRPr/>
-            </a:lvl2pPr>
-            <a:lvl3pPr marL="914400" indent="0">
-              <a:buFontTx/>
-              <a:buNone/>
-              <a:defRPr/>
-            </a:lvl3pPr>
-            <a:lvl4pPr marL="1371600" indent="0">
-              <a:buFontTx/>
-              <a:buNone/>
-              <a:defRPr/>
-            </a:lvl4pPr>
-            <a:lvl5pPr marL="1828800" indent="0">
-              <a:buFontTx/>
-              <a:buNone/>
-              <a:defRPr/>
-            </a:lvl5pPr>
-          </a:lstStyle>
-          <a:p>
-            <a:pPr lvl="0"/>
-            <a:r>
-              <a:rPr lang="en-US"/>
-              <a:t>Click to edit Master text styles</a:t>
-            </a:r>
-          </a:p>
-        </p:txBody>
-      </p:sp>
-      <p:sp>
-        <p:nvSpPr>
-          <p:cNvPr id="3" name="Text Placeholder 2"/>
-          <p:cNvSpPr>
-            <a:spLocks noGrp="1"/>
-          </p:cNvSpPr>
-          <p:nvPr>
-            <p:ph type="body" idx="1"/>
-          </p:nvPr>
-        </p:nvSpPr>
-        <p:spPr>
-          <a:xfrm>
-            <a:off x="684213" y="4301067"/>
-            <a:ext cx="8534400" cy="1684865"/>
-          </a:xfrm>
-        </p:spPr>
-        <p:txBody>
-          <a:bodyPr anchor="ctr">
-            <a:normAutofit/>
-          </a:bodyPr>
-          <a:lstStyle>
-            <a:lvl1pPr marL="0" indent="0" algn="l">
-              <a:buNone/>
-              <a:defRPr sz="2000">
-                <a:solidFill>
-                  <a:schemeClr val="bg2">
-                    <a:lumMod val="75000"/>
-                  </a:schemeClr>
-                </a:solidFill>
-              </a:defRPr>
-            </a:lvl1pPr>
-            <a:lvl2pPr marL="457200" indent="0">
-              <a:buNone/>
-              <a:defRPr sz="1800">
-                <a:solidFill>
-                  <a:schemeClr val="tx1">
-                    <a:tint val="75000"/>
-                  </a:schemeClr>
-                </a:solidFill>
-              </a:defRPr>
-            </a:lvl2pPr>
-            <a:lvl3pPr marL="914400" indent="0">
-              <a:buNone/>
-              <a:defRPr sz="1600">
-                <a:solidFill>
-                  <a:schemeClr val="tx1">
-                    <a:tint val="75000"/>
-                  </a:schemeClr>
-                </a:solidFill>
-              </a:defRPr>
-            </a:lvl3pPr>
-            <a:lvl4pPr marL="1371600" indent="0">
-              <a:buNone/>
-              <a:defRPr sz="1400">
-                <a:solidFill>
-                  <a:schemeClr val="tx1">
-                    <a:tint val="75000"/>
-                  </a:schemeClr>
-                </a:solidFill>
-              </a:defRPr>
-            </a:lvl4pPr>
-            <a:lvl5pPr marL="1828800" indent="0">
-              <a:buNone/>
-              <a:defRPr sz="1400">
-                <a:solidFill>
-                  <a:schemeClr val="tx1">
-                    <a:tint val="75000"/>
-                  </a:schemeClr>
-                </a:solidFill>
-              </a:defRPr>
-            </a:lvl5pPr>
-            <a:lvl6pPr marL="2286000" indent="0">
-              <a:buNone/>
-              <a:defRPr sz="1400">
-                <a:solidFill>
-                  <a:schemeClr val="tx1">
-                    <a:tint val="75000"/>
-                  </a:schemeClr>
-                </a:solidFill>
-              </a:defRPr>
-            </a:lvl6pPr>
-            <a:lvl7pPr marL="2743200" indent="0">
-              <a:buNone/>
-              <a:defRPr sz="1400">
-                <a:solidFill>
-                  <a:schemeClr val="tx1">
-                    <a:tint val="75000"/>
-                  </a:schemeClr>
-                </a:solidFill>
-              </a:defRPr>
-            </a:lvl7pPr>
-            <a:lvl8pPr marL="3200400" indent="0">
-              <a:buNone/>
-              <a:defRPr sz="1400">
-                <a:solidFill>
-                  <a:schemeClr val="tx1">
-                    <a:tint val="75000"/>
-                  </a:schemeClr>
-                </a:solidFill>
-              </a:defRPr>
-            </a:lvl8pPr>
-            <a:lvl9pPr marL="3657600" indent="0">
-              <a:buNone/>
-              <a:defRPr sz="1400">
-                <a:solidFill>
-                  <a:schemeClr val="tx1">
-                    <a:tint val="75000"/>
-                  </a:schemeClr>
-                </a:solidFill>
-              </a:defRPr>
-            </a:lvl9pPr>
-          </a:lstStyle>
-          <a:p>
-            <a:pPr lvl="0"/>
-            <a:r>
-              <a:rPr lang="en-US"/>
-              <a:t>Click to edit Master text styles</a:t>
-            </a:r>
-          </a:p>
-        </p:txBody>
-      </p:sp>
-      <p:sp>
-        <p:nvSpPr>
-          <p:cNvPr id="4" name="Date Placeholder 3"/>
-          <p:cNvSpPr>
-            <a:spLocks noGrp="1"/>
-          </p:cNvSpPr>
-          <p:nvPr>
-            <p:ph type="dt" sz="half" idx="10"/>
-          </p:nvPr>
-        </p:nvSpPr>
-        <p:spPr/>
-        <p:txBody>
-          <a:bodyPr/>
-          <a:lstStyle/>
-          <a:p>
-            <a:fld id="{73081320-CFC6-409D-A552-76F9BE3B388C}" type="datetimeFigureOut">
-              <a:rPr lang="en-US" smtClean="0"/>
-              <a:t>5/4/2023</a:t>
-            </a:fld>
-            <a:endParaRPr lang="en-US"/>
-          </a:p>
-        </p:txBody>
-      </p:sp>
-      <p:sp>
-        <p:nvSpPr>
-          <p:cNvPr id="5" name="Footer Placeholder 4"/>
-          <p:cNvSpPr>
-            <a:spLocks noGrp="1"/>
-          </p:cNvSpPr>
-          <p:nvPr>
-            <p:ph type="ftr" sz="quarter" idx="11"/>
-          </p:nvPr>
-        </p:nvSpPr>
-        <p:spPr/>
-        <p:txBody>
-          <a:bodyPr/>
-          <a:lstStyle/>
-          <a:p>
-            <a:endParaRPr lang="en-US"/>
-          </a:p>
-        </p:txBody>
-      </p:sp>
-      <p:sp>
-        <p:nvSpPr>
-          <p:cNvPr id="6" name="Slide Number Placeholder 5"/>
-          <p:cNvSpPr>
-            <a:spLocks noGrp="1"/>
-          </p:cNvSpPr>
-          <p:nvPr>
-            <p:ph type="sldNum" sz="quarter" idx="12"/>
-          </p:nvPr>
-        </p:nvSpPr>
-        <p:spPr/>
-        <p:txBody>
-          <a:bodyPr/>
-          <a:lstStyle/>
-          <a:p>
-            <a:fld id="{643800C9-CAB2-44E3-9413-A703606322F1}" type="slidenum">
-              <a:rPr lang="en-US" smtClean="0"/>
-              <a:t>‹#›</a:t>
-            </a:fld>
-            <a:endParaRPr lang="en-US"/>
-          </a:p>
-        </p:txBody>
-      </p:sp>
-      <p:sp>
-        <p:nvSpPr>
-          <p:cNvPr id="14" name="TextBox 13"/>
-          <p:cNvSpPr txBox="1"/>
-          <p:nvPr/>
-        </p:nvSpPr>
-        <p:spPr>
-          <a:xfrm>
-            <a:off x="531812" y="812222"/>
-            <a:ext cx="609600" cy="584776"/>
-          </a:xfrm>
-          <a:prstGeom prst="rect">
-            <a:avLst/>
-          </a:prstGeom>
-        </p:spPr>
-        <p:txBody>
-          <a:bodyPr vert="horz" lIns="91440" tIns="45720" rIns="91440" bIns="45720" rtlCol="0" anchor="ctr">
-            <a:noAutofit/>
-          </a:bodyPr>
-          <a:lstStyle/>
-          <a:p>
-            <a:pPr lvl="0"/>
-            <a:r>
-              <a:rPr lang="en-US" sz="8000" dirty="0">
-                <a:solidFill>
-                  <a:schemeClr val="tx1"/>
-                </a:solidFill>
-                <a:effectLst/>
-              </a:rPr>
-              <a:t>“</a:t>
-            </a:r>
-          </a:p>
-        </p:txBody>
-      </p:sp>
-      <p:sp>
-        <p:nvSpPr>
-          <p:cNvPr id="15" name="TextBox 14"/>
-          <p:cNvSpPr txBox="1"/>
-          <p:nvPr/>
-        </p:nvSpPr>
-        <p:spPr>
-          <a:xfrm>
-            <a:off x="10285412" y="2768601"/>
-            <a:ext cx="609600" cy="584776"/>
-          </a:xfrm>
-          <a:prstGeom prst="rect">
-            <a:avLst/>
-          </a:prstGeom>
-        </p:spPr>
-        <p:txBody>
-          <a:bodyPr vert="horz" lIns="91440" tIns="45720" rIns="91440" bIns="45720" rtlCol="0" anchor="ctr">
-            <a:noAutofit/>
-          </a:bodyPr>
-          <a:lstStyle/>
-          <a:p>
-            <a:pPr lvl="0" algn="r"/>
-            <a:r>
-              <a:rPr lang="en-US" sz="8000" dirty="0">
-                <a:solidFill>
-                  <a:schemeClr val="tx1"/>
-                </a:solidFill>
-                <a:effectLst/>
-              </a:rPr>
-              <a:t>”</a:t>
-            </a:r>
-          </a:p>
-        </p:txBody>
-      </p:sp>
-    </p:spTree>
-    <p:extLst>
-      <p:ext uri="{BB962C8B-B14F-4D97-AF65-F5344CB8AC3E}">
-        <p14:creationId xmlns:p14="http://schemas.microsoft.com/office/powerpoint/2010/main" val="3668936624"/>
-      </p:ext>
-    </p:extLst>
-  </p:cSld>
-  <p:clrMapOvr>
-    <a:masterClrMapping/>
-  </p:clrMapOvr>
-</p:sldLayout>
-</file>
-
-<file path=ppt/slideLayouts/slideLayout13.xml><?xml version="1.0" encoding="utf-8"?>
-<p:sldLayout xmlns:a="http://schemas.openxmlformats.org/drawingml/2006/main" xmlns:r="http://schemas.openxmlformats.org/officeDocument/2006/relationships" xmlns:p="http://schemas.openxmlformats.org/presentationml/2006/main" preserve="1">
-  <p:cSld name="Name Card">
-    <p:spTree>
-      <p:nvGrpSpPr>
-        <p:cNvPr id="1" name=""/>
-        <p:cNvGrpSpPr/>
-        <p:nvPr/>
-      </p:nvGrpSpPr>
-      <p:grpSpPr>
-        <a:xfrm>
-          <a:off x="0" y="0"/>
-          <a:ext cx="0" cy="0"/>
-          <a:chOff x="0" y="0"/>
-          <a:chExt cx="0" cy="0"/>
-        </a:xfrm>
-      </p:grpSpPr>
-      <p:sp>
-        <p:nvSpPr>
-          <p:cNvPr id="2" name="Title 1"/>
-          <p:cNvSpPr>
-            <a:spLocks noGrp="1"/>
-          </p:cNvSpPr>
-          <p:nvPr>
-            <p:ph type="title"/>
-          </p:nvPr>
-        </p:nvSpPr>
-        <p:spPr>
-          <a:xfrm>
-            <a:off x="684212" y="3429000"/>
-            <a:ext cx="8534400" cy="1697400"/>
-          </a:xfrm>
-        </p:spPr>
-        <p:txBody>
-          <a:bodyPr anchor="b">
-            <a:normAutofit/>
-          </a:bodyPr>
-          <a:lstStyle>
-            <a:lvl1pPr algn="l">
-              <a:defRPr sz="3200" b="0" cap="all"/>
-            </a:lvl1pPr>
-          </a:lstStyle>
-          <a:p>
-            <a:r>
-              <a:rPr lang="en-US"/>
-              <a:t>Click to edit Master title style</a:t>
-            </a:r>
-            <a:endParaRPr lang="en-US" dirty="0"/>
-          </a:p>
-        </p:txBody>
-      </p:sp>
-      <p:sp>
-        <p:nvSpPr>
-          <p:cNvPr id="3" name="Text Placeholder 2"/>
-          <p:cNvSpPr>
-            <a:spLocks noGrp="1"/>
-          </p:cNvSpPr>
-          <p:nvPr>
-            <p:ph type="body" idx="1"/>
-          </p:nvPr>
-        </p:nvSpPr>
-        <p:spPr>
-          <a:xfrm>
-            <a:off x="684211" y="5132981"/>
-            <a:ext cx="8535990" cy="860400"/>
-          </a:xfrm>
-        </p:spPr>
-        <p:txBody>
-          <a:bodyPr anchor="t">
-            <a:normAutofit/>
-          </a:bodyPr>
-          <a:lstStyle>
-            <a:lvl1pPr marL="0" indent="0" algn="l">
-              <a:buNone/>
-              <a:defRPr sz="2000">
-                <a:solidFill>
-                  <a:schemeClr val="bg2">
-                    <a:lumMod val="75000"/>
-                  </a:schemeClr>
-                </a:solidFill>
-              </a:defRPr>
-            </a:lvl1pPr>
-            <a:lvl2pPr marL="457200" indent="0">
-              <a:buNone/>
-              <a:defRPr sz="1800">
-                <a:solidFill>
-                  <a:schemeClr val="tx1">
-                    <a:tint val="75000"/>
-                  </a:schemeClr>
-                </a:solidFill>
-              </a:defRPr>
-            </a:lvl2pPr>
-            <a:lvl3pPr marL="914400" indent="0">
-              <a:buNone/>
-              <a:defRPr sz="1600">
-                <a:solidFill>
-                  <a:schemeClr val="tx1">
-                    <a:tint val="75000"/>
-                  </a:schemeClr>
-                </a:solidFill>
-              </a:defRPr>
-            </a:lvl3pPr>
-            <a:lvl4pPr marL="1371600" indent="0">
-              <a:buNone/>
-              <a:defRPr sz="1400">
-                <a:solidFill>
-                  <a:schemeClr val="tx1">
-                    <a:tint val="75000"/>
-                  </a:schemeClr>
-                </a:solidFill>
-              </a:defRPr>
-            </a:lvl4pPr>
-            <a:lvl5pPr marL="1828800" indent="0">
-              <a:buNone/>
-              <a:defRPr sz="1400">
-                <a:solidFill>
-                  <a:schemeClr val="tx1">
-                    <a:tint val="75000"/>
-                  </a:schemeClr>
-                </a:solidFill>
-              </a:defRPr>
-            </a:lvl5pPr>
-            <a:lvl6pPr marL="2286000" indent="0">
-              <a:buNone/>
-              <a:defRPr sz="1400">
-                <a:solidFill>
-                  <a:schemeClr val="tx1">
-                    <a:tint val="75000"/>
-                  </a:schemeClr>
-                </a:solidFill>
-              </a:defRPr>
-            </a:lvl6pPr>
-            <a:lvl7pPr marL="2743200" indent="0">
-              <a:buNone/>
-              <a:defRPr sz="1400">
-                <a:solidFill>
-                  <a:schemeClr val="tx1">
-                    <a:tint val="75000"/>
-                  </a:schemeClr>
-                </a:solidFill>
-              </a:defRPr>
-            </a:lvl7pPr>
-            <a:lvl8pPr marL="3200400" indent="0">
-              <a:buNone/>
-              <a:defRPr sz="1400">
-                <a:solidFill>
-                  <a:schemeClr val="tx1">
-                    <a:tint val="75000"/>
-                  </a:schemeClr>
-                </a:solidFill>
-              </a:defRPr>
-            </a:lvl8pPr>
-            <a:lvl9pPr marL="3657600" indent="0">
-              <a:buNone/>
-              <a:defRPr sz="1400">
-                <a:solidFill>
-                  <a:schemeClr val="tx1">
-                    <a:tint val="75000"/>
-                  </a:schemeClr>
-                </a:solidFill>
-              </a:defRPr>
-            </a:lvl9pPr>
-          </a:lstStyle>
-          <a:p>
-            <a:pPr lvl="0"/>
-            <a:r>
-              <a:rPr lang="en-US"/>
-              <a:t>Click to edit Master text styles</a:t>
-            </a:r>
-          </a:p>
-        </p:txBody>
-      </p:sp>
-      <p:sp>
-        <p:nvSpPr>
-          <p:cNvPr id="4" name="Date Placeholder 3"/>
-          <p:cNvSpPr>
-            <a:spLocks noGrp="1"/>
-          </p:cNvSpPr>
-          <p:nvPr>
-            <p:ph type="dt" sz="half" idx="10"/>
-          </p:nvPr>
-        </p:nvSpPr>
-        <p:spPr/>
-        <p:txBody>
-          <a:bodyPr/>
-          <a:lstStyle/>
-          <a:p>
-            <a:fld id="{73081320-CFC6-409D-A552-76F9BE3B388C}" type="datetimeFigureOut">
-              <a:rPr lang="en-US" smtClean="0"/>
-              <a:t>5/4/2023</a:t>
-            </a:fld>
-            <a:endParaRPr lang="en-US"/>
-          </a:p>
-        </p:txBody>
-      </p:sp>
-      <p:sp>
-        <p:nvSpPr>
-          <p:cNvPr id="5" name="Footer Placeholder 4"/>
-          <p:cNvSpPr>
-            <a:spLocks noGrp="1"/>
-          </p:cNvSpPr>
-          <p:nvPr>
-            <p:ph type="ftr" sz="quarter" idx="11"/>
-          </p:nvPr>
-        </p:nvSpPr>
-        <p:spPr/>
-        <p:txBody>
-          <a:bodyPr/>
-          <a:lstStyle/>
-          <a:p>
-            <a:endParaRPr lang="en-US"/>
-          </a:p>
-        </p:txBody>
-      </p:sp>
-      <p:sp>
-        <p:nvSpPr>
-          <p:cNvPr id="6" name="Slide Number Placeholder 5"/>
-          <p:cNvSpPr>
-            <a:spLocks noGrp="1"/>
-          </p:cNvSpPr>
-          <p:nvPr>
-            <p:ph type="sldNum" sz="quarter" idx="12"/>
-          </p:nvPr>
-        </p:nvSpPr>
-        <p:spPr/>
-        <p:txBody>
-          <a:bodyPr/>
-          <a:lstStyle/>
-          <a:p>
-            <a:fld id="{643800C9-CAB2-44E3-9413-A703606322F1}" type="slidenum">
-              <a:rPr lang="en-US" smtClean="0"/>
-              <a:t>‹#›</a:t>
-            </a:fld>
-            <a:endParaRPr lang="en-US"/>
-          </a:p>
-        </p:txBody>
-      </p:sp>
-    </p:spTree>
-    <p:extLst>
-      <p:ext uri="{BB962C8B-B14F-4D97-AF65-F5344CB8AC3E}">
-        <p14:creationId xmlns:p14="http://schemas.microsoft.com/office/powerpoint/2010/main" val="1190081735"/>
-      </p:ext>
-    </p:extLst>
-  </p:cSld>
-  <p:clrMapOvr>
-    <a:masterClrMapping/>
-  </p:clrMapOvr>
-</p:sldLayout>
-</file>
-
-<file path=ppt/slideLayouts/slideLayout14.xml><?xml version="1.0" encoding="utf-8"?>
-<p:sldLayout xmlns:a="http://schemas.openxmlformats.org/drawingml/2006/main" xmlns:r="http://schemas.openxmlformats.org/officeDocument/2006/relationships" xmlns:p="http://schemas.openxmlformats.org/presentationml/2006/main" preserve="1">
-  <p:cSld name="Quote Name Card">
-    <p:spTree>
-      <p:nvGrpSpPr>
-        <p:cNvPr id="1" name=""/>
-        <p:cNvGrpSpPr/>
-        <p:nvPr/>
-      </p:nvGrpSpPr>
-      <p:grpSpPr>
-        <a:xfrm>
-          <a:off x="0" y="0"/>
-          <a:ext cx="0" cy="0"/>
-          <a:chOff x="0" y="0"/>
-          <a:chExt cx="0" cy="0"/>
-        </a:xfrm>
-      </p:grpSpPr>
-      <p:sp>
-        <p:nvSpPr>
-          <p:cNvPr id="2" name="Title 1"/>
-          <p:cNvSpPr>
-            <a:spLocks noGrp="1"/>
-          </p:cNvSpPr>
-          <p:nvPr>
-            <p:ph type="title"/>
-          </p:nvPr>
-        </p:nvSpPr>
-        <p:spPr>
-          <a:xfrm>
-            <a:off x="1141413" y="685800"/>
-            <a:ext cx="9144000" cy="2743200"/>
-          </a:xfrm>
-        </p:spPr>
-        <p:txBody>
-          <a:bodyPr anchor="ctr">
-            <a:normAutofit/>
-          </a:bodyPr>
-          <a:lstStyle>
-            <a:lvl1pPr algn="l">
-              <a:defRPr sz="3200" b="0" cap="all">
-                <a:solidFill>
-                  <a:schemeClr val="tx1"/>
-                </a:solidFill>
-              </a:defRPr>
-            </a:lvl1pPr>
-          </a:lstStyle>
-          <a:p>
-            <a:r>
-              <a:rPr lang="en-US"/>
-              <a:t>Click to edit Master title style</a:t>
-            </a:r>
-            <a:endParaRPr lang="en-US" dirty="0"/>
-          </a:p>
-        </p:txBody>
-      </p:sp>
-      <p:sp>
-        <p:nvSpPr>
-          <p:cNvPr id="10" name="Text Placeholder 9"/>
-          <p:cNvSpPr>
-            <a:spLocks noGrp="1"/>
-          </p:cNvSpPr>
-          <p:nvPr>
-            <p:ph type="body" sz="quarter" idx="13"/>
-          </p:nvPr>
-        </p:nvSpPr>
-        <p:spPr>
-          <a:xfrm>
-            <a:off x="684212" y="3928534"/>
-            <a:ext cx="8534401" cy="1049866"/>
-          </a:xfrm>
-        </p:spPr>
-        <p:txBody>
-          <a:bodyPr vert="horz" lIns="91440" tIns="45720" rIns="91440" bIns="45720" rtlCol="0" anchor="b">
-            <a:normAutofit/>
-          </a:bodyPr>
-          <a:lstStyle>
-            <a:lvl1pPr>
-              <a:buNone/>
-              <a:defRPr lang="en-US" sz="2400" b="0" cap="all" dirty="0">
-                <a:ln w="3175" cmpd="sng">
-                  <a:noFill/>
-                </a:ln>
-                <a:solidFill>
-                  <a:schemeClr val="tx1"/>
-                </a:solidFill>
-                <a:effectLst/>
-              </a:defRPr>
-            </a:lvl1pPr>
-          </a:lstStyle>
-          <a:p>
-            <a:pPr marL="0" lvl="0">
-              <a:spcBef>
-                <a:spcPct val="0"/>
-              </a:spcBef>
-              <a:buNone/>
-            </a:pPr>
-            <a:r>
-              <a:rPr lang="en-US"/>
-              <a:t>Click to edit Master text styles</a:t>
-            </a:r>
-          </a:p>
-        </p:txBody>
-      </p:sp>
-      <p:sp>
-        <p:nvSpPr>
-          <p:cNvPr id="3" name="Text Placeholder 2"/>
-          <p:cNvSpPr>
-            <a:spLocks noGrp="1"/>
-          </p:cNvSpPr>
-          <p:nvPr>
-            <p:ph type="body" idx="1"/>
-          </p:nvPr>
-        </p:nvSpPr>
-        <p:spPr>
-          <a:xfrm>
-            <a:off x="684211" y="4978400"/>
-            <a:ext cx="8534401" cy="1016000"/>
-          </a:xfrm>
-        </p:spPr>
-        <p:txBody>
-          <a:bodyPr anchor="t">
-            <a:normAutofit/>
-          </a:bodyPr>
-          <a:lstStyle>
-            <a:lvl1pPr marL="0" indent="0" algn="l">
-              <a:buNone/>
-              <a:defRPr sz="1800">
-                <a:solidFill>
-                  <a:schemeClr val="bg2">
-                    <a:lumMod val="75000"/>
-                  </a:schemeClr>
-                </a:solidFill>
-              </a:defRPr>
-            </a:lvl1pPr>
-            <a:lvl2pPr marL="457200" indent="0">
-              <a:buNone/>
-              <a:defRPr sz="1800">
-                <a:solidFill>
-                  <a:schemeClr val="tx1">
-                    <a:tint val="75000"/>
-                  </a:schemeClr>
-                </a:solidFill>
-              </a:defRPr>
-            </a:lvl2pPr>
-            <a:lvl3pPr marL="914400" indent="0">
-              <a:buNone/>
-              <a:defRPr sz="1600">
-                <a:solidFill>
-                  <a:schemeClr val="tx1">
-                    <a:tint val="75000"/>
-                  </a:schemeClr>
-                </a:solidFill>
-              </a:defRPr>
-            </a:lvl3pPr>
-            <a:lvl4pPr marL="1371600" indent="0">
-              <a:buNone/>
-              <a:defRPr sz="1400">
-                <a:solidFill>
-                  <a:schemeClr val="tx1">
-                    <a:tint val="75000"/>
-                  </a:schemeClr>
-                </a:solidFill>
-              </a:defRPr>
-            </a:lvl4pPr>
-            <a:lvl5pPr marL="1828800" indent="0">
-              <a:buNone/>
-              <a:defRPr sz="1400">
-                <a:solidFill>
-                  <a:schemeClr val="tx1">
-                    <a:tint val="75000"/>
-                  </a:schemeClr>
-                </a:solidFill>
-              </a:defRPr>
-            </a:lvl5pPr>
-            <a:lvl6pPr marL="2286000" indent="0">
-              <a:buNone/>
-              <a:defRPr sz="1400">
-                <a:solidFill>
-                  <a:schemeClr val="tx1">
-                    <a:tint val="75000"/>
-                  </a:schemeClr>
-                </a:solidFill>
-              </a:defRPr>
-            </a:lvl6pPr>
-            <a:lvl7pPr marL="2743200" indent="0">
-              <a:buNone/>
-              <a:defRPr sz="1400">
-                <a:solidFill>
-                  <a:schemeClr val="tx1">
-                    <a:tint val="75000"/>
-                  </a:schemeClr>
-                </a:solidFill>
-              </a:defRPr>
-            </a:lvl7pPr>
-            <a:lvl8pPr marL="3200400" indent="0">
-              <a:buNone/>
-              <a:defRPr sz="1400">
-                <a:solidFill>
-                  <a:schemeClr val="tx1">
-                    <a:tint val="75000"/>
-                  </a:schemeClr>
-                </a:solidFill>
-              </a:defRPr>
-            </a:lvl8pPr>
-            <a:lvl9pPr marL="3657600" indent="0">
-              <a:buNone/>
-              <a:defRPr sz="1400">
-                <a:solidFill>
-                  <a:schemeClr val="tx1">
-                    <a:tint val="75000"/>
-                  </a:schemeClr>
-                </a:solidFill>
-              </a:defRPr>
-            </a:lvl9pPr>
-          </a:lstStyle>
-          <a:p>
-            <a:pPr lvl="0"/>
-            <a:r>
-              <a:rPr lang="en-US"/>
-              <a:t>Click to edit Master text styles</a:t>
-            </a:r>
-          </a:p>
-        </p:txBody>
-      </p:sp>
-      <p:sp>
-        <p:nvSpPr>
-          <p:cNvPr id="4" name="Date Placeholder 3"/>
-          <p:cNvSpPr>
-            <a:spLocks noGrp="1"/>
-          </p:cNvSpPr>
-          <p:nvPr>
-            <p:ph type="dt" sz="half" idx="10"/>
-          </p:nvPr>
-        </p:nvSpPr>
-        <p:spPr/>
-        <p:txBody>
-          <a:bodyPr/>
-          <a:lstStyle/>
-          <a:p>
-            <a:fld id="{73081320-CFC6-409D-A552-76F9BE3B388C}" type="datetimeFigureOut">
-              <a:rPr lang="en-US" smtClean="0"/>
-              <a:t>5/4/2023</a:t>
-            </a:fld>
-            <a:endParaRPr lang="en-US"/>
-          </a:p>
-        </p:txBody>
-      </p:sp>
-      <p:sp>
-        <p:nvSpPr>
-          <p:cNvPr id="5" name="Footer Placeholder 4"/>
-          <p:cNvSpPr>
-            <a:spLocks noGrp="1"/>
-          </p:cNvSpPr>
-          <p:nvPr>
-            <p:ph type="ftr" sz="quarter" idx="11"/>
-          </p:nvPr>
-        </p:nvSpPr>
-        <p:spPr/>
-        <p:txBody>
-          <a:bodyPr/>
-          <a:lstStyle/>
-          <a:p>
-            <a:endParaRPr lang="en-US"/>
-          </a:p>
-        </p:txBody>
-      </p:sp>
-      <p:sp>
-        <p:nvSpPr>
-          <p:cNvPr id="6" name="Slide Number Placeholder 5"/>
-          <p:cNvSpPr>
-            <a:spLocks noGrp="1"/>
-          </p:cNvSpPr>
-          <p:nvPr>
-            <p:ph type="sldNum" sz="quarter" idx="12"/>
-          </p:nvPr>
-        </p:nvSpPr>
-        <p:spPr/>
-        <p:txBody>
-          <a:bodyPr/>
-          <a:lstStyle/>
-          <a:p>
-            <a:fld id="{643800C9-CAB2-44E3-9413-A703606322F1}" type="slidenum">
-              <a:rPr lang="en-US" smtClean="0"/>
-              <a:t>‹#›</a:t>
-            </a:fld>
-            <a:endParaRPr lang="en-US"/>
-          </a:p>
-        </p:txBody>
-      </p:sp>
-      <p:sp>
-        <p:nvSpPr>
-          <p:cNvPr id="11" name="TextBox 10"/>
-          <p:cNvSpPr txBox="1"/>
-          <p:nvPr/>
-        </p:nvSpPr>
-        <p:spPr>
-          <a:xfrm>
-            <a:off x="531812" y="812222"/>
-            <a:ext cx="609600" cy="584776"/>
-          </a:xfrm>
-          <a:prstGeom prst="rect">
-            <a:avLst/>
-          </a:prstGeom>
-        </p:spPr>
-        <p:txBody>
-          <a:bodyPr vert="horz" lIns="91440" tIns="45720" rIns="91440" bIns="45720" rtlCol="0" anchor="ctr">
-            <a:noAutofit/>
-          </a:bodyPr>
-          <a:lstStyle/>
-          <a:p>
-            <a:pPr lvl="0"/>
-            <a:r>
-              <a:rPr lang="en-US" sz="8000" dirty="0">
-                <a:solidFill>
-                  <a:schemeClr val="tx1"/>
-                </a:solidFill>
-                <a:effectLst/>
-              </a:rPr>
-              <a:t>“</a:t>
-            </a:r>
-          </a:p>
-        </p:txBody>
-      </p:sp>
-      <p:sp>
-        <p:nvSpPr>
-          <p:cNvPr id="12" name="TextBox 11"/>
-          <p:cNvSpPr txBox="1"/>
-          <p:nvPr/>
-        </p:nvSpPr>
-        <p:spPr>
-          <a:xfrm>
-            <a:off x="10285412" y="2768601"/>
-            <a:ext cx="609600" cy="584776"/>
-          </a:xfrm>
-          <a:prstGeom prst="rect">
-            <a:avLst/>
-          </a:prstGeom>
-        </p:spPr>
-        <p:txBody>
-          <a:bodyPr vert="horz" lIns="91440" tIns="45720" rIns="91440" bIns="45720" rtlCol="0" anchor="ctr">
-            <a:noAutofit/>
-          </a:bodyPr>
-          <a:lstStyle/>
-          <a:p>
-            <a:pPr lvl="0" algn="r"/>
-            <a:r>
-              <a:rPr lang="en-US" sz="8000" dirty="0">
-                <a:solidFill>
-                  <a:schemeClr val="tx1"/>
-                </a:solidFill>
-                <a:effectLst/>
-              </a:rPr>
-              <a:t>”</a:t>
-            </a:r>
-          </a:p>
-        </p:txBody>
-      </p:sp>
-    </p:spTree>
-    <p:extLst>
-      <p:ext uri="{BB962C8B-B14F-4D97-AF65-F5344CB8AC3E}">
-        <p14:creationId xmlns:p14="http://schemas.microsoft.com/office/powerpoint/2010/main" val="483969885"/>
-      </p:ext>
-    </p:extLst>
-  </p:cSld>
-  <p:clrMapOvr>
-    <a:masterClrMapping/>
-  </p:clrMapOvr>
-</p:sldLayout>
-</file>
-
-<file path=ppt/slideLayouts/slideLayout15.xml><?xml version="1.0" encoding="utf-8"?>
-<p:sldLayout xmlns:a="http://schemas.openxmlformats.org/drawingml/2006/main" xmlns:r="http://schemas.openxmlformats.org/officeDocument/2006/relationships" xmlns:p="http://schemas.openxmlformats.org/presentationml/2006/main" preserve="1">
-  <p:cSld name="True or False">
-    <p:spTree>
-      <p:nvGrpSpPr>
-        <p:cNvPr id="1" name=""/>
-        <p:cNvGrpSpPr/>
-        <p:nvPr/>
-      </p:nvGrpSpPr>
-      <p:grpSpPr>
-        <a:xfrm>
-          <a:off x="0" y="0"/>
-          <a:ext cx="0" cy="0"/>
-          <a:chOff x="0" y="0"/>
-          <a:chExt cx="0" cy="0"/>
-        </a:xfrm>
-      </p:grpSpPr>
-      <p:sp>
-        <p:nvSpPr>
-          <p:cNvPr id="2" name="Title 1"/>
-          <p:cNvSpPr>
-            <a:spLocks noGrp="1"/>
-          </p:cNvSpPr>
-          <p:nvPr>
-            <p:ph type="title"/>
-          </p:nvPr>
-        </p:nvSpPr>
-        <p:spPr>
-          <a:xfrm>
-            <a:off x="684213" y="685800"/>
-            <a:ext cx="10058400" cy="2743200"/>
-          </a:xfrm>
-        </p:spPr>
-        <p:txBody>
-          <a:bodyPr vert="horz" lIns="91440" tIns="45720" rIns="91440" bIns="45720" rtlCol="0" anchor="ctr">
-            <a:normAutofit/>
-          </a:bodyPr>
-          <a:lstStyle>
-            <a:lvl1pPr>
-              <a:defRPr lang="en-US" b="0" dirty="0"/>
-            </a:lvl1pPr>
-          </a:lstStyle>
-          <a:p>
-            <a:pPr marL="0" lvl="0"/>
-            <a:r>
-              <a:rPr lang="en-US"/>
-              <a:t>Click to edit Master title style</a:t>
-            </a:r>
-            <a:endParaRPr lang="en-US" dirty="0"/>
-          </a:p>
-        </p:txBody>
-      </p:sp>
-      <p:sp>
-        <p:nvSpPr>
-          <p:cNvPr id="10" name="Text Placeholder 9"/>
-          <p:cNvSpPr>
-            <a:spLocks noGrp="1"/>
-          </p:cNvSpPr>
-          <p:nvPr>
-            <p:ph type="body" sz="quarter" idx="13"/>
-          </p:nvPr>
-        </p:nvSpPr>
-        <p:spPr>
-          <a:xfrm>
-            <a:off x="684212" y="3928534"/>
-            <a:ext cx="8534400" cy="838200"/>
-          </a:xfrm>
-        </p:spPr>
-        <p:txBody>
-          <a:bodyPr vert="horz" lIns="91440" tIns="45720" rIns="91440" bIns="45720" rtlCol="0" anchor="b">
-            <a:normAutofit/>
-          </a:bodyPr>
-          <a:lstStyle>
-            <a:lvl1pPr>
-              <a:buNone/>
-              <a:defRPr lang="en-US" sz="2400" b="0" cap="all" dirty="0">
-                <a:ln w="3175" cmpd="sng">
-                  <a:noFill/>
-                </a:ln>
-                <a:solidFill>
-                  <a:schemeClr val="tx1"/>
-                </a:solidFill>
-                <a:effectLst/>
-              </a:defRPr>
-            </a:lvl1pPr>
-          </a:lstStyle>
-          <a:p>
-            <a:pPr marL="0" lvl="0">
-              <a:spcBef>
-                <a:spcPct val="0"/>
-              </a:spcBef>
-              <a:buNone/>
-            </a:pPr>
-            <a:r>
-              <a:rPr lang="en-US"/>
-              <a:t>Click to edit Master text styles</a:t>
-            </a:r>
-          </a:p>
-        </p:txBody>
-      </p:sp>
-      <p:sp>
-        <p:nvSpPr>
-          <p:cNvPr id="3" name="Text Placeholder 2"/>
-          <p:cNvSpPr>
-            <a:spLocks noGrp="1"/>
-          </p:cNvSpPr>
-          <p:nvPr>
-            <p:ph type="body" idx="1"/>
-          </p:nvPr>
-        </p:nvSpPr>
-        <p:spPr>
-          <a:xfrm>
-            <a:off x="684211" y="4766732"/>
-            <a:ext cx="8534401" cy="1227667"/>
-          </a:xfrm>
-        </p:spPr>
-        <p:txBody>
-          <a:bodyPr anchor="t">
-            <a:normAutofit/>
-          </a:bodyPr>
-          <a:lstStyle>
-            <a:lvl1pPr marL="0" indent="0" algn="l">
-              <a:buNone/>
-              <a:defRPr sz="1800">
-                <a:solidFill>
-                  <a:schemeClr val="bg2">
-                    <a:lumMod val="75000"/>
-                  </a:schemeClr>
-                </a:solidFill>
-              </a:defRPr>
-            </a:lvl1pPr>
-            <a:lvl2pPr marL="457200" indent="0">
-              <a:buNone/>
-              <a:defRPr sz="1800">
-                <a:solidFill>
-                  <a:schemeClr val="tx1">
-                    <a:tint val="75000"/>
-                  </a:schemeClr>
-                </a:solidFill>
-              </a:defRPr>
-            </a:lvl2pPr>
-            <a:lvl3pPr marL="914400" indent="0">
-              <a:buNone/>
-              <a:defRPr sz="1600">
-                <a:solidFill>
-                  <a:schemeClr val="tx1">
-                    <a:tint val="75000"/>
-                  </a:schemeClr>
-                </a:solidFill>
-              </a:defRPr>
-            </a:lvl3pPr>
-            <a:lvl4pPr marL="1371600" indent="0">
-              <a:buNone/>
-              <a:defRPr sz="1400">
-                <a:solidFill>
-                  <a:schemeClr val="tx1">
-                    <a:tint val="75000"/>
-                  </a:schemeClr>
-                </a:solidFill>
-              </a:defRPr>
-            </a:lvl4pPr>
-            <a:lvl5pPr marL="1828800" indent="0">
-              <a:buNone/>
-              <a:defRPr sz="1400">
-                <a:solidFill>
-                  <a:schemeClr val="tx1">
-                    <a:tint val="75000"/>
-                  </a:schemeClr>
-                </a:solidFill>
-              </a:defRPr>
-            </a:lvl5pPr>
-            <a:lvl6pPr marL="2286000" indent="0">
-              <a:buNone/>
-              <a:defRPr sz="1400">
-                <a:solidFill>
-                  <a:schemeClr val="tx1">
-                    <a:tint val="75000"/>
-                  </a:schemeClr>
-                </a:solidFill>
-              </a:defRPr>
-            </a:lvl6pPr>
-            <a:lvl7pPr marL="2743200" indent="0">
-              <a:buNone/>
-              <a:defRPr sz="1400">
-                <a:solidFill>
-                  <a:schemeClr val="tx1">
-                    <a:tint val="75000"/>
-                  </a:schemeClr>
-                </a:solidFill>
-              </a:defRPr>
-            </a:lvl7pPr>
-            <a:lvl8pPr marL="3200400" indent="0">
-              <a:buNone/>
-              <a:defRPr sz="1400">
-                <a:solidFill>
-                  <a:schemeClr val="tx1">
-                    <a:tint val="75000"/>
-                  </a:schemeClr>
-                </a:solidFill>
-              </a:defRPr>
-            </a:lvl8pPr>
-            <a:lvl9pPr marL="3657600" indent="0">
-              <a:buNone/>
-              <a:defRPr sz="1400">
-                <a:solidFill>
-                  <a:schemeClr val="tx1">
-                    <a:tint val="75000"/>
-                  </a:schemeClr>
-                </a:solidFill>
-              </a:defRPr>
-            </a:lvl9pPr>
-          </a:lstStyle>
-          <a:p>
-            <a:pPr lvl="0"/>
-            <a:r>
-              <a:rPr lang="en-US"/>
-              <a:t>Click to edit Master text styles</a:t>
-            </a:r>
-          </a:p>
-        </p:txBody>
-      </p:sp>
-      <p:sp>
-        <p:nvSpPr>
-          <p:cNvPr id="4" name="Date Placeholder 3"/>
-          <p:cNvSpPr>
-            <a:spLocks noGrp="1"/>
-          </p:cNvSpPr>
-          <p:nvPr>
-            <p:ph type="dt" sz="half" idx="10"/>
-          </p:nvPr>
-        </p:nvSpPr>
-        <p:spPr/>
-        <p:txBody>
-          <a:bodyPr/>
-          <a:lstStyle/>
-          <a:p>
-            <a:fld id="{73081320-CFC6-409D-A552-76F9BE3B388C}" type="datetimeFigureOut">
-              <a:rPr lang="en-US" smtClean="0"/>
-              <a:t>5/4/2023</a:t>
-            </a:fld>
-            <a:endParaRPr lang="en-US"/>
-          </a:p>
-        </p:txBody>
-      </p:sp>
-      <p:sp>
-        <p:nvSpPr>
-          <p:cNvPr id="5" name="Footer Placeholder 4"/>
-          <p:cNvSpPr>
-            <a:spLocks noGrp="1"/>
-          </p:cNvSpPr>
-          <p:nvPr>
-            <p:ph type="ftr" sz="quarter" idx="11"/>
-          </p:nvPr>
-        </p:nvSpPr>
-        <p:spPr/>
-        <p:txBody>
-          <a:bodyPr/>
-          <a:lstStyle/>
-          <a:p>
-            <a:endParaRPr lang="en-US"/>
-          </a:p>
-        </p:txBody>
-      </p:sp>
-      <p:sp>
-        <p:nvSpPr>
-          <p:cNvPr id="6" name="Slide Number Placeholder 5"/>
-          <p:cNvSpPr>
-            <a:spLocks noGrp="1"/>
-          </p:cNvSpPr>
-          <p:nvPr>
-            <p:ph type="sldNum" sz="quarter" idx="12"/>
-          </p:nvPr>
-        </p:nvSpPr>
-        <p:spPr/>
-        <p:txBody>
-          <a:bodyPr/>
-          <a:lstStyle/>
-          <a:p>
-            <a:fld id="{643800C9-CAB2-44E3-9413-A703606322F1}" type="slidenum">
-              <a:rPr lang="en-US" smtClean="0"/>
-              <a:t>‹#›</a:t>
-            </a:fld>
-            <a:endParaRPr lang="en-US"/>
-          </a:p>
-        </p:txBody>
-      </p:sp>
-    </p:spTree>
-    <p:extLst>
-      <p:ext uri="{BB962C8B-B14F-4D97-AF65-F5344CB8AC3E}">
-        <p14:creationId xmlns:p14="http://schemas.microsoft.com/office/powerpoint/2010/main" val="4017851869"/>
-      </p:ext>
-    </p:extLst>
-  </p:cSld>
-  <p:clrMapOvr>
-    <a:masterClrMapping/>
-  </p:clrMapOvr>
-</p:sldLayout>
-</file>
-
-<file path=ppt/slideLayouts/slideLayout16.xml><?xml version="1.0" encoding="utf-8"?>
 <p:sldLayout xmlns:a="http://schemas.openxmlformats.org/drawingml/2006/main" xmlns:r="http://schemas.openxmlformats.org/officeDocument/2006/relationships" xmlns:p="http://schemas.openxmlformats.org/presentationml/2006/main" type="vertTx" preserve="1">
   <p:cSld name="Title and Vertical Text">
     <p:spTree>
@@ -2401,7 +388,13 @@
       </p:grpSpPr>
       <p:sp>
         <p:nvSpPr>
-          <p:cNvPr id="2" name="Title 1"/>
+          <p:cNvPr id="2" name="Title 1">
+            <a:extLst>
+              <a:ext uri="{FF2B5EF4-FFF2-40B4-BE49-F238E27FC236}">
+                <a16:creationId xmlns:a16="http://schemas.microsoft.com/office/drawing/2014/main" id="{72B29D8B-CCAC-F15F-3C7B-94EFFCC8BD6D}"/>
+              </a:ext>
+            </a:extLst>
+          </p:cNvPr>
           <p:cNvSpPr>
             <a:spLocks noGrp="1"/>
           </p:cNvSpPr>
@@ -2412,23 +405,24 @@
         <p:spPr/>
         <p:txBody>
           <a:bodyPr/>
-          <a:lstStyle>
-            <a:lvl1pPr algn="l">
-              <a:defRPr/>
-            </a:lvl1pPr>
-          </a:lstStyle>
+          <a:lstStyle/>
           <a:p>
             <a:r>
               <a:rPr lang="en-US"/>
               <a:t>Click to edit Master title style</a:t>
             </a:r>
-            <a:endParaRPr lang="en-US" dirty="0"/>
-          </a:p>
-        </p:txBody>
-      </p:sp>
-      <p:sp>
-        <p:nvSpPr>
-          <p:cNvPr id="3" name="Vertical Text Placeholder 2"/>
+          </a:p>
+        </p:txBody>
+      </p:sp>
+      <p:sp>
+        <p:nvSpPr>
+          <p:cNvPr id="3" name="Vertical Text Placeholder 2">
+            <a:extLst>
+              <a:ext uri="{FF2B5EF4-FFF2-40B4-BE49-F238E27FC236}">
+                <a16:creationId xmlns:a16="http://schemas.microsoft.com/office/drawing/2014/main" id="{935C02D5-1D54-3DE3-13B7-9AC0ADA81741}"/>
+              </a:ext>
+            </a:extLst>
+          </p:cNvPr>
           <p:cNvSpPr>
             <a:spLocks noGrp="1"/>
           </p:cNvSpPr>
@@ -2438,7 +432,7 @@
         </p:nvSpPr>
         <p:spPr/>
         <p:txBody>
-          <a:bodyPr vert="eaVert" anchor="t"/>
+          <a:bodyPr vert="eaVert"/>
           <a:lstStyle/>
           <a:p>
             <a:pPr lvl="0"/>
@@ -2474,13 +468,18 @@
               <a:rPr lang="en-US"/>
               <a:t>Fifth level</a:t>
             </a:r>
-            <a:endParaRPr lang="en-US" dirty="0"/>
-          </a:p>
-        </p:txBody>
-      </p:sp>
-      <p:sp>
-        <p:nvSpPr>
-          <p:cNvPr id="4" name="Date Placeholder 3"/>
+          </a:p>
+        </p:txBody>
+      </p:sp>
+      <p:sp>
+        <p:nvSpPr>
+          <p:cNvPr id="4" name="Date Placeholder 3">
+            <a:extLst>
+              <a:ext uri="{FF2B5EF4-FFF2-40B4-BE49-F238E27FC236}">
+                <a16:creationId xmlns:a16="http://schemas.microsoft.com/office/drawing/2014/main" id="{14798AC0-AD1A-8339-7A60-848B698FF564}"/>
+              </a:ext>
+            </a:extLst>
+          </p:cNvPr>
           <p:cNvSpPr>
             <a:spLocks noGrp="1"/>
           </p:cNvSpPr>
@@ -2495,7 +494,7 @@
           <a:p>
             <a:fld id="{73081320-CFC6-409D-A552-76F9BE3B388C}" type="datetimeFigureOut">
               <a:rPr lang="en-US" smtClean="0"/>
-              <a:t>5/4/2023</a:t>
+              <a:t>8/16/2023</a:t>
             </a:fld>
             <a:endParaRPr lang="en-US"/>
           </a:p>
@@ -2503,7 +502,13 @@
       </p:sp>
       <p:sp>
         <p:nvSpPr>
-          <p:cNvPr id="5" name="Footer Placeholder 4"/>
+          <p:cNvPr id="5" name="Footer Placeholder 4">
+            <a:extLst>
+              <a:ext uri="{FF2B5EF4-FFF2-40B4-BE49-F238E27FC236}">
+                <a16:creationId xmlns:a16="http://schemas.microsoft.com/office/drawing/2014/main" id="{FAB6D2D1-3908-F4E3-4EFD-A008E534637F}"/>
+              </a:ext>
+            </a:extLst>
+          </p:cNvPr>
           <p:cNvSpPr>
             <a:spLocks noGrp="1"/>
           </p:cNvSpPr>
@@ -2522,7 +527,13 @@
       </p:sp>
       <p:sp>
         <p:nvSpPr>
-          <p:cNvPr id="6" name="Slide Number Placeholder 5"/>
+          <p:cNvPr id="6" name="Slide Number Placeholder 5">
+            <a:extLst>
+              <a:ext uri="{FF2B5EF4-FFF2-40B4-BE49-F238E27FC236}">
+                <a16:creationId xmlns:a16="http://schemas.microsoft.com/office/drawing/2014/main" id="{28153A1F-2804-A72B-AEA8-BB144C71288E}"/>
+              </a:ext>
+            </a:extLst>
+          </p:cNvPr>
           <p:cNvSpPr>
             <a:spLocks noGrp="1"/>
           </p:cNvSpPr>
@@ -2546,7 +557,7 @@
     </p:spTree>
     <p:extLst>
       <p:ext uri="{BB962C8B-B14F-4D97-AF65-F5344CB8AC3E}">
-        <p14:creationId xmlns:p14="http://schemas.microsoft.com/office/powerpoint/2010/main" val="2833679081"/>
+        <p14:creationId xmlns:p14="http://schemas.microsoft.com/office/powerpoint/2010/main" val="3247005399"/>
       </p:ext>
     </p:extLst>
   </p:cSld>
@@ -2556,7 +567,7 @@
 </p:sldLayout>
 </file>
 
-<file path=ppt/slideLayouts/slideLayout17.xml><?xml version="1.0" encoding="utf-8"?>
+<file path=ppt/slideLayouts/slideLayout11.xml><?xml version="1.0" encoding="utf-8"?>
 <p:sldLayout xmlns:a="http://schemas.openxmlformats.org/drawingml/2006/main" xmlns:r="http://schemas.openxmlformats.org/officeDocument/2006/relationships" xmlns:p="http://schemas.openxmlformats.org/presentationml/2006/main" type="vertTitleAndTx" preserve="1">
   <p:cSld name="Vertical Title and Text">
     <p:spTree>
@@ -2575,7 +586,13 @@
       </p:grpSpPr>
       <p:sp>
         <p:nvSpPr>
-          <p:cNvPr id="2" name="Vertical Title 1"/>
+          <p:cNvPr id="2" name="Vertical Title 1">
+            <a:extLst>
+              <a:ext uri="{FF2B5EF4-FFF2-40B4-BE49-F238E27FC236}">
+                <a16:creationId xmlns:a16="http://schemas.microsoft.com/office/drawing/2014/main" id="{8BF6F91C-84B3-1337-35C2-613F9DBCE04E}"/>
+              </a:ext>
+            </a:extLst>
+          </p:cNvPr>
           <p:cNvSpPr>
             <a:spLocks noGrp="1"/>
           </p:cNvSpPr>
@@ -2585,8 +602,8 @@
         </p:nvSpPr>
         <p:spPr>
           <a:xfrm>
-            <a:off x="8685212" y="685800"/>
-            <a:ext cx="2057400" cy="4572000"/>
+            <a:off x="8724900" y="365125"/>
+            <a:ext cx="2628900" cy="5811838"/>
           </a:xfrm>
         </p:spPr>
         <p:txBody>
@@ -2597,13 +614,18 @@
               <a:rPr lang="en-US"/>
               <a:t>Click to edit Master title style</a:t>
             </a:r>
-            <a:endParaRPr lang="en-US" dirty="0"/>
-          </a:p>
-        </p:txBody>
-      </p:sp>
-      <p:sp>
-        <p:nvSpPr>
-          <p:cNvPr id="3" name="Vertical Text Placeholder 2"/>
+          </a:p>
+        </p:txBody>
+      </p:sp>
+      <p:sp>
+        <p:nvSpPr>
+          <p:cNvPr id="3" name="Vertical Text Placeholder 2">
+            <a:extLst>
+              <a:ext uri="{FF2B5EF4-FFF2-40B4-BE49-F238E27FC236}">
+                <a16:creationId xmlns:a16="http://schemas.microsoft.com/office/drawing/2014/main" id="{223F50EB-F2DA-FC21-9E9C-84F6C3EA9E53}"/>
+              </a:ext>
+            </a:extLst>
+          </p:cNvPr>
           <p:cNvSpPr>
             <a:spLocks noGrp="1"/>
           </p:cNvSpPr>
@@ -2613,12 +635,12 @@
         </p:nvSpPr>
         <p:spPr>
           <a:xfrm>
-            <a:off x="685800" y="685800"/>
-            <a:ext cx="7823200" cy="5308600"/>
+            <a:off x="838200" y="365125"/>
+            <a:ext cx="7734300" cy="5811838"/>
           </a:xfrm>
         </p:spPr>
         <p:txBody>
-          <a:bodyPr vert="eaVert" anchor="t"/>
+          <a:bodyPr vert="eaVert"/>
           <a:lstStyle/>
           <a:p>
             <a:pPr lvl="0"/>
@@ -2654,13 +676,18 @@
               <a:rPr lang="en-US"/>
               <a:t>Fifth level</a:t>
             </a:r>
-            <a:endParaRPr lang="en-US" dirty="0"/>
-          </a:p>
-        </p:txBody>
-      </p:sp>
-      <p:sp>
-        <p:nvSpPr>
-          <p:cNvPr id="4" name="Date Placeholder 3"/>
+          </a:p>
+        </p:txBody>
+      </p:sp>
+      <p:sp>
+        <p:nvSpPr>
+          <p:cNvPr id="4" name="Date Placeholder 3">
+            <a:extLst>
+              <a:ext uri="{FF2B5EF4-FFF2-40B4-BE49-F238E27FC236}">
+                <a16:creationId xmlns:a16="http://schemas.microsoft.com/office/drawing/2014/main" id="{ABA4C281-7BF9-A6AC-64B4-F1D02AAB4B14}"/>
+              </a:ext>
+            </a:extLst>
+          </p:cNvPr>
           <p:cNvSpPr>
             <a:spLocks noGrp="1"/>
           </p:cNvSpPr>
@@ -2675,7 +702,7 @@
           <a:p>
             <a:fld id="{73081320-CFC6-409D-A552-76F9BE3B388C}" type="datetimeFigureOut">
               <a:rPr lang="en-US" smtClean="0"/>
-              <a:t>5/4/2023</a:t>
+              <a:t>8/16/2023</a:t>
             </a:fld>
             <a:endParaRPr lang="en-US"/>
           </a:p>
@@ -2683,7 +710,13 @@
       </p:sp>
       <p:sp>
         <p:nvSpPr>
-          <p:cNvPr id="5" name="Footer Placeholder 4"/>
+          <p:cNvPr id="5" name="Footer Placeholder 4">
+            <a:extLst>
+              <a:ext uri="{FF2B5EF4-FFF2-40B4-BE49-F238E27FC236}">
+                <a16:creationId xmlns:a16="http://schemas.microsoft.com/office/drawing/2014/main" id="{6A1A2371-C399-B0D3-1D5A-FCEBE2E67C5D}"/>
+              </a:ext>
+            </a:extLst>
+          </p:cNvPr>
           <p:cNvSpPr>
             <a:spLocks noGrp="1"/>
           </p:cNvSpPr>
@@ -2702,7 +735,13 @@
       </p:sp>
       <p:sp>
         <p:nvSpPr>
-          <p:cNvPr id="6" name="Slide Number Placeholder 5"/>
+          <p:cNvPr id="6" name="Slide Number Placeholder 5">
+            <a:extLst>
+              <a:ext uri="{FF2B5EF4-FFF2-40B4-BE49-F238E27FC236}">
+                <a16:creationId xmlns:a16="http://schemas.microsoft.com/office/drawing/2014/main" id="{26C067F6-6873-CA9F-8CFF-07085D0FC17F}"/>
+              </a:ext>
+            </a:extLst>
+          </p:cNvPr>
           <p:cNvSpPr>
             <a:spLocks noGrp="1"/>
           </p:cNvSpPr>
@@ -2726,7 +765,7 @@
     </p:spTree>
     <p:extLst>
       <p:ext uri="{BB962C8B-B14F-4D97-AF65-F5344CB8AC3E}">
-        <p14:creationId xmlns:p14="http://schemas.microsoft.com/office/powerpoint/2010/main" val="443805798"/>
+        <p14:creationId xmlns:p14="http://schemas.microsoft.com/office/powerpoint/2010/main" val="589816579"/>
       </p:ext>
     </p:extLst>
   </p:cSld>
@@ -2755,7 +794,13 @@
       </p:grpSpPr>
       <p:sp>
         <p:nvSpPr>
-          <p:cNvPr id="2" name="Title 1"/>
+          <p:cNvPr id="2" name="Title 1">
+            <a:extLst>
+              <a:ext uri="{FF2B5EF4-FFF2-40B4-BE49-F238E27FC236}">
+                <a16:creationId xmlns:a16="http://schemas.microsoft.com/office/drawing/2014/main" id="{9A57A0EE-D549-3F55-3AD7-44D5EEF77453}"/>
+              </a:ext>
+            </a:extLst>
+          </p:cNvPr>
           <p:cNvSpPr>
             <a:spLocks noGrp="1"/>
           </p:cNvSpPr>
@@ -2772,13 +817,18 @@
               <a:rPr lang="en-US"/>
               <a:t>Click to edit Master title style</a:t>
             </a:r>
-            <a:endParaRPr lang="en-US" dirty="0"/>
-          </a:p>
-        </p:txBody>
-      </p:sp>
-      <p:sp>
-        <p:nvSpPr>
-          <p:cNvPr id="3" name="Content Placeholder 2"/>
+          </a:p>
+        </p:txBody>
+      </p:sp>
+      <p:sp>
+        <p:nvSpPr>
+          <p:cNvPr id="3" name="Content Placeholder 2">
+            <a:extLst>
+              <a:ext uri="{FF2B5EF4-FFF2-40B4-BE49-F238E27FC236}">
+                <a16:creationId xmlns:a16="http://schemas.microsoft.com/office/drawing/2014/main" id="{7BFADB88-9E87-F78D-2D42-4CAE5A2FA06B}"/>
+              </a:ext>
+            </a:extLst>
+          </p:cNvPr>
           <p:cNvSpPr>
             <a:spLocks noGrp="1"/>
           </p:cNvSpPr>
@@ -2788,7 +838,7 @@
         </p:nvSpPr>
         <p:spPr/>
         <p:txBody>
-          <a:bodyPr anchor="ctr"/>
+          <a:bodyPr/>
           <a:lstStyle/>
           <a:p>
             <a:pPr lvl="0"/>
@@ -2824,13 +874,18 @@
               <a:rPr lang="en-US"/>
               <a:t>Fifth level</a:t>
             </a:r>
-            <a:endParaRPr lang="en-US" dirty="0"/>
-          </a:p>
-        </p:txBody>
-      </p:sp>
-      <p:sp>
-        <p:nvSpPr>
-          <p:cNvPr id="4" name="Date Placeholder 3"/>
+          </a:p>
+        </p:txBody>
+      </p:sp>
+      <p:sp>
+        <p:nvSpPr>
+          <p:cNvPr id="4" name="Date Placeholder 3">
+            <a:extLst>
+              <a:ext uri="{FF2B5EF4-FFF2-40B4-BE49-F238E27FC236}">
+                <a16:creationId xmlns:a16="http://schemas.microsoft.com/office/drawing/2014/main" id="{F3C59D97-03CB-10B7-C11F-9B5CF46A500C}"/>
+              </a:ext>
+            </a:extLst>
+          </p:cNvPr>
           <p:cNvSpPr>
             <a:spLocks noGrp="1"/>
           </p:cNvSpPr>
@@ -2845,7 +900,7 @@
           <a:p>
             <a:fld id="{73081320-CFC6-409D-A552-76F9BE3B388C}" type="datetimeFigureOut">
               <a:rPr lang="en-US" smtClean="0"/>
-              <a:t>5/4/2023</a:t>
+              <a:t>8/16/2023</a:t>
             </a:fld>
             <a:endParaRPr lang="en-US"/>
           </a:p>
@@ -2853,7 +908,13 @@
       </p:sp>
       <p:sp>
         <p:nvSpPr>
-          <p:cNvPr id="5" name="Footer Placeholder 4"/>
+          <p:cNvPr id="5" name="Footer Placeholder 4">
+            <a:extLst>
+              <a:ext uri="{FF2B5EF4-FFF2-40B4-BE49-F238E27FC236}">
+                <a16:creationId xmlns:a16="http://schemas.microsoft.com/office/drawing/2014/main" id="{0A87EB3B-24ED-68E1-C890-D0E504C5241D}"/>
+              </a:ext>
+            </a:extLst>
+          </p:cNvPr>
           <p:cNvSpPr>
             <a:spLocks noGrp="1"/>
           </p:cNvSpPr>
@@ -2872,7 +933,13 @@
       </p:sp>
       <p:sp>
         <p:nvSpPr>
-          <p:cNvPr id="6" name="Slide Number Placeholder 5"/>
+          <p:cNvPr id="6" name="Slide Number Placeholder 5">
+            <a:extLst>
+              <a:ext uri="{FF2B5EF4-FFF2-40B4-BE49-F238E27FC236}">
+                <a16:creationId xmlns:a16="http://schemas.microsoft.com/office/drawing/2014/main" id="{47A639F2-1843-F48A-0DDF-62117F53EA1E}"/>
+              </a:ext>
+            </a:extLst>
+          </p:cNvPr>
           <p:cNvSpPr>
             <a:spLocks noGrp="1"/>
           </p:cNvSpPr>
@@ -2896,7 +963,7 @@
     </p:spTree>
     <p:extLst>
       <p:ext uri="{BB962C8B-B14F-4D97-AF65-F5344CB8AC3E}">
-        <p14:creationId xmlns:p14="http://schemas.microsoft.com/office/powerpoint/2010/main" val="1005882327"/>
+        <p14:creationId xmlns:p14="http://schemas.microsoft.com/office/powerpoint/2010/main" val="1093286843"/>
       </p:ext>
     </p:extLst>
   </p:cSld>
@@ -2925,7 +992,13 @@
       </p:grpSpPr>
       <p:sp>
         <p:nvSpPr>
-          <p:cNvPr id="2" name="Title 1"/>
+          <p:cNvPr id="2" name="Title 1">
+            <a:extLst>
+              <a:ext uri="{FF2B5EF4-FFF2-40B4-BE49-F238E27FC236}">
+                <a16:creationId xmlns:a16="http://schemas.microsoft.com/office/drawing/2014/main" id="{ECDA2EE9-C851-57F8-0671-77163DE1378F}"/>
+              </a:ext>
+            </a:extLst>
+          </p:cNvPr>
           <p:cNvSpPr>
             <a:spLocks noGrp="1"/>
           </p:cNvSpPr>
@@ -2935,17 +1008,15 @@
         </p:nvSpPr>
         <p:spPr>
           <a:xfrm>
-            <a:off x="684211" y="2006600"/>
-            <a:ext cx="8534401" cy="2281600"/>
+            <a:off x="831850" y="1709738"/>
+            <a:ext cx="10515600" cy="2852737"/>
           </a:xfrm>
         </p:spPr>
         <p:txBody>
-          <a:bodyPr anchor="b">
-            <a:normAutofit/>
-          </a:bodyPr>
+          <a:bodyPr anchor="b"/>
           <a:lstStyle>
-            <a:lvl1pPr algn="l">
-              <a:defRPr sz="3600" b="0" cap="all"/>
+            <a:lvl1pPr>
+              <a:defRPr sz="6000"/>
             </a:lvl1pPr>
           </a:lstStyle>
           <a:p>
@@ -2953,13 +1024,18 @@
               <a:rPr lang="en-US"/>
               <a:t>Click to edit Master title style</a:t>
             </a:r>
-            <a:endParaRPr lang="en-US" dirty="0"/>
-          </a:p>
-        </p:txBody>
-      </p:sp>
-      <p:sp>
-        <p:nvSpPr>
-          <p:cNvPr id="3" name="Text Placeholder 2"/>
+          </a:p>
+        </p:txBody>
+      </p:sp>
+      <p:sp>
+        <p:nvSpPr>
+          <p:cNvPr id="3" name="Text Placeholder 2">
+            <a:extLst>
+              <a:ext uri="{FF2B5EF4-FFF2-40B4-BE49-F238E27FC236}">
+                <a16:creationId xmlns:a16="http://schemas.microsoft.com/office/drawing/2014/main" id="{D1B8649E-72FD-DAD7-659F-7C4315EA9A3B}"/>
+              </a:ext>
+            </a:extLst>
+          </p:cNvPr>
           <p:cNvSpPr>
             <a:spLocks noGrp="1"/>
           </p:cNvSpPr>
@@ -2969,28 +1045,26 @@
         </p:nvSpPr>
         <p:spPr>
           <a:xfrm>
-            <a:off x="684213" y="4495800"/>
-            <a:ext cx="8534400" cy="1498600"/>
+            <a:off x="831850" y="4589463"/>
+            <a:ext cx="10515600" cy="1500187"/>
           </a:xfrm>
         </p:spPr>
         <p:txBody>
-          <a:bodyPr anchor="t">
-            <a:normAutofit/>
-          </a:bodyPr>
+          <a:bodyPr/>
           <a:lstStyle>
-            <a:lvl1pPr marL="0" indent="0" algn="l">
+            <a:lvl1pPr marL="0" indent="0">
               <a:buNone/>
-              <a:defRPr sz="1800">
+              <a:defRPr sz="2400">
                 <a:solidFill>
-                  <a:schemeClr val="bg2">
-                    <a:lumMod val="75000"/>
+                  <a:schemeClr val="tx1">
+                    <a:tint val="75000"/>
                   </a:schemeClr>
                 </a:solidFill>
               </a:defRPr>
             </a:lvl1pPr>
             <a:lvl2pPr marL="457200" indent="0">
               <a:buNone/>
-              <a:defRPr sz="1800">
+              <a:defRPr sz="2000">
                 <a:solidFill>
                   <a:schemeClr val="tx1">
                     <a:tint val="75000"/>
@@ -3000,7 +1074,7 @@
             </a:lvl2pPr>
             <a:lvl3pPr marL="914400" indent="0">
               <a:buNone/>
-              <a:defRPr sz="1600">
+              <a:defRPr sz="1800">
                 <a:solidFill>
                   <a:schemeClr val="tx1">
                     <a:tint val="75000"/>
@@ -3010,7 +1084,7 @@
             </a:lvl3pPr>
             <a:lvl4pPr marL="1371600" indent="0">
               <a:buNone/>
-              <a:defRPr sz="1400">
+              <a:defRPr sz="1600">
                 <a:solidFill>
                   <a:schemeClr val="tx1">
                     <a:tint val="75000"/>
@@ -3020,7 +1094,7 @@
             </a:lvl4pPr>
             <a:lvl5pPr marL="1828800" indent="0">
               <a:buNone/>
-              <a:defRPr sz="1400">
+              <a:defRPr sz="1600">
                 <a:solidFill>
                   <a:schemeClr val="tx1">
                     <a:tint val="75000"/>
@@ -3030,7 +1104,7 @@
             </a:lvl5pPr>
             <a:lvl6pPr marL="2286000" indent="0">
               <a:buNone/>
-              <a:defRPr sz="1400">
+              <a:defRPr sz="1600">
                 <a:solidFill>
                   <a:schemeClr val="tx1">
                     <a:tint val="75000"/>
@@ -3040,7 +1114,7 @@
             </a:lvl6pPr>
             <a:lvl7pPr marL="2743200" indent="0">
               <a:buNone/>
-              <a:defRPr sz="1400">
+              <a:defRPr sz="1600">
                 <a:solidFill>
                   <a:schemeClr val="tx1">
                     <a:tint val="75000"/>
@@ -3050,7 +1124,7 @@
             </a:lvl7pPr>
             <a:lvl8pPr marL="3200400" indent="0">
               <a:buNone/>
-              <a:defRPr sz="1400">
+              <a:defRPr sz="1600">
                 <a:solidFill>
                   <a:schemeClr val="tx1">
                     <a:tint val="75000"/>
@@ -3060,7 +1134,7 @@
             </a:lvl8pPr>
             <a:lvl9pPr marL="3657600" indent="0">
               <a:buNone/>
-              <a:defRPr sz="1400">
+              <a:defRPr sz="1600">
                 <a:solidFill>
                   <a:schemeClr val="tx1">
                     <a:tint val="75000"/>
@@ -3080,7 +1154,13 @@
       </p:sp>
       <p:sp>
         <p:nvSpPr>
-          <p:cNvPr id="4" name="Date Placeholder 3"/>
+          <p:cNvPr id="4" name="Date Placeholder 3">
+            <a:extLst>
+              <a:ext uri="{FF2B5EF4-FFF2-40B4-BE49-F238E27FC236}">
+                <a16:creationId xmlns:a16="http://schemas.microsoft.com/office/drawing/2014/main" id="{866A6C2B-C1F0-C12D-C6D8-94074BD6B292}"/>
+              </a:ext>
+            </a:extLst>
+          </p:cNvPr>
           <p:cNvSpPr>
             <a:spLocks noGrp="1"/>
           </p:cNvSpPr>
@@ -3095,7 +1175,7 @@
           <a:p>
             <a:fld id="{73081320-CFC6-409D-A552-76F9BE3B388C}" type="datetimeFigureOut">
               <a:rPr lang="en-US" smtClean="0"/>
-              <a:t>5/4/2023</a:t>
+              <a:t>8/16/2023</a:t>
             </a:fld>
             <a:endParaRPr lang="en-US"/>
           </a:p>
@@ -3103,7 +1183,13 @@
       </p:sp>
       <p:sp>
         <p:nvSpPr>
-          <p:cNvPr id="5" name="Footer Placeholder 4"/>
+          <p:cNvPr id="5" name="Footer Placeholder 4">
+            <a:extLst>
+              <a:ext uri="{FF2B5EF4-FFF2-40B4-BE49-F238E27FC236}">
+                <a16:creationId xmlns:a16="http://schemas.microsoft.com/office/drawing/2014/main" id="{D7165FF8-F610-A1C2-C89E-45B34828DA88}"/>
+              </a:ext>
+            </a:extLst>
+          </p:cNvPr>
           <p:cNvSpPr>
             <a:spLocks noGrp="1"/>
           </p:cNvSpPr>
@@ -3122,7 +1208,13 @@
       </p:sp>
       <p:sp>
         <p:nvSpPr>
-          <p:cNvPr id="6" name="Slide Number Placeholder 5"/>
+          <p:cNvPr id="6" name="Slide Number Placeholder 5">
+            <a:extLst>
+              <a:ext uri="{FF2B5EF4-FFF2-40B4-BE49-F238E27FC236}">
+                <a16:creationId xmlns:a16="http://schemas.microsoft.com/office/drawing/2014/main" id="{83040F89-4599-5481-699A-06CAB808B35A}"/>
+              </a:ext>
+            </a:extLst>
+          </p:cNvPr>
           <p:cNvSpPr>
             <a:spLocks noGrp="1"/>
           </p:cNvSpPr>
@@ -3146,7 +1238,7 @@
     </p:spTree>
     <p:extLst>
       <p:ext uri="{BB962C8B-B14F-4D97-AF65-F5344CB8AC3E}">
-        <p14:creationId xmlns:p14="http://schemas.microsoft.com/office/powerpoint/2010/main" val="4267753227"/>
+        <p14:creationId xmlns:p14="http://schemas.microsoft.com/office/powerpoint/2010/main" val="833974870"/>
       </p:ext>
     </p:extLst>
   </p:cSld>
@@ -3175,7 +1267,13 @@
       </p:grpSpPr>
       <p:sp>
         <p:nvSpPr>
-          <p:cNvPr id="2" name="Title 1"/>
+          <p:cNvPr id="2" name="Title 1">
+            <a:extLst>
+              <a:ext uri="{FF2B5EF4-FFF2-40B4-BE49-F238E27FC236}">
+                <a16:creationId xmlns:a16="http://schemas.microsoft.com/office/drawing/2014/main" id="{C518D373-A668-DBA2-9C16-05DFFAF94A5A}"/>
+              </a:ext>
+            </a:extLst>
+          </p:cNvPr>
           <p:cNvSpPr>
             <a:spLocks noGrp="1"/>
           </p:cNvSpPr>
@@ -3192,13 +1290,18 @@
               <a:rPr lang="en-US"/>
               <a:t>Click to edit Master title style</a:t>
             </a:r>
-            <a:endParaRPr lang="en-US" dirty="0"/>
-          </a:p>
-        </p:txBody>
-      </p:sp>
-      <p:sp>
-        <p:nvSpPr>
-          <p:cNvPr id="3" name="Content Placeholder 2"/>
+          </a:p>
+        </p:txBody>
+      </p:sp>
+      <p:sp>
+        <p:nvSpPr>
+          <p:cNvPr id="3" name="Content Placeholder 2">
+            <a:extLst>
+              <a:ext uri="{FF2B5EF4-FFF2-40B4-BE49-F238E27FC236}">
+                <a16:creationId xmlns:a16="http://schemas.microsoft.com/office/drawing/2014/main" id="{BEDF9A84-65B7-9EBE-C770-E3A92B6E58CE}"/>
+              </a:ext>
+            </a:extLst>
+          </p:cNvPr>
           <p:cNvSpPr>
             <a:spLocks noGrp="1"/>
           </p:cNvSpPr>
@@ -3208,14 +1311,12 @@
         </p:nvSpPr>
         <p:spPr>
           <a:xfrm>
-            <a:off x="684211" y="685800"/>
-            <a:ext cx="4937655" cy="3615267"/>
+            <a:off x="838200" y="1825625"/>
+            <a:ext cx="5181600" cy="4351338"/>
           </a:xfrm>
         </p:spPr>
         <p:txBody>
-          <a:bodyPr>
-            <a:normAutofit/>
-          </a:bodyPr>
+          <a:bodyPr/>
           <a:lstStyle/>
           <a:p>
             <a:pPr lvl="0"/>
@@ -3251,13 +1352,18 @@
               <a:rPr lang="en-US"/>
               <a:t>Fifth level</a:t>
             </a:r>
-            <a:endParaRPr lang="en-US" dirty="0"/>
-          </a:p>
-        </p:txBody>
-      </p:sp>
-      <p:sp>
-        <p:nvSpPr>
-          <p:cNvPr id="4" name="Content Placeholder 3"/>
+          </a:p>
+        </p:txBody>
+      </p:sp>
+      <p:sp>
+        <p:nvSpPr>
+          <p:cNvPr id="4" name="Content Placeholder 3">
+            <a:extLst>
+              <a:ext uri="{FF2B5EF4-FFF2-40B4-BE49-F238E27FC236}">
+                <a16:creationId xmlns:a16="http://schemas.microsoft.com/office/drawing/2014/main" id="{A02083B6-DE4A-2AF7-345F-89DED31514B5}"/>
+              </a:ext>
+            </a:extLst>
+          </p:cNvPr>
           <p:cNvSpPr>
             <a:spLocks noGrp="1"/>
           </p:cNvSpPr>
@@ -3267,14 +1373,12 @@
         </p:nvSpPr>
         <p:spPr>
           <a:xfrm>
-            <a:off x="5808133" y="685801"/>
-            <a:ext cx="4934479" cy="3615266"/>
+            <a:off x="6172200" y="1825625"/>
+            <a:ext cx="5181600" cy="4351338"/>
           </a:xfrm>
         </p:spPr>
         <p:txBody>
-          <a:bodyPr>
-            <a:normAutofit/>
-          </a:bodyPr>
+          <a:bodyPr/>
           <a:lstStyle/>
           <a:p>
             <a:pPr lvl="0"/>
@@ -3310,13 +1414,18 @@
               <a:rPr lang="en-US"/>
               <a:t>Fifth level</a:t>
             </a:r>
-            <a:endParaRPr lang="en-US" dirty="0"/>
-          </a:p>
-        </p:txBody>
-      </p:sp>
-      <p:sp>
-        <p:nvSpPr>
-          <p:cNvPr id="5" name="Date Placeholder 4"/>
+          </a:p>
+        </p:txBody>
+      </p:sp>
+      <p:sp>
+        <p:nvSpPr>
+          <p:cNvPr id="5" name="Date Placeholder 4">
+            <a:extLst>
+              <a:ext uri="{FF2B5EF4-FFF2-40B4-BE49-F238E27FC236}">
+                <a16:creationId xmlns:a16="http://schemas.microsoft.com/office/drawing/2014/main" id="{722ED4A2-A031-E11C-E91D-7AF7E1D49E8E}"/>
+              </a:ext>
+            </a:extLst>
+          </p:cNvPr>
           <p:cNvSpPr>
             <a:spLocks noGrp="1"/>
           </p:cNvSpPr>
@@ -3331,7 +1440,7 @@
           <a:p>
             <a:fld id="{73081320-CFC6-409D-A552-76F9BE3B388C}" type="datetimeFigureOut">
               <a:rPr lang="en-US" smtClean="0"/>
-              <a:t>5/4/2023</a:t>
+              <a:t>8/16/2023</a:t>
             </a:fld>
             <a:endParaRPr lang="en-US"/>
           </a:p>
@@ -3339,7 +1448,13 @@
       </p:sp>
       <p:sp>
         <p:nvSpPr>
-          <p:cNvPr id="6" name="Footer Placeholder 5"/>
+          <p:cNvPr id="6" name="Footer Placeholder 5">
+            <a:extLst>
+              <a:ext uri="{FF2B5EF4-FFF2-40B4-BE49-F238E27FC236}">
+                <a16:creationId xmlns:a16="http://schemas.microsoft.com/office/drawing/2014/main" id="{4162EC07-411C-6759-48B8-71976052E135}"/>
+              </a:ext>
+            </a:extLst>
+          </p:cNvPr>
           <p:cNvSpPr>
             <a:spLocks noGrp="1"/>
           </p:cNvSpPr>
@@ -3358,7 +1473,13 @@
       </p:sp>
       <p:sp>
         <p:nvSpPr>
-          <p:cNvPr id="7" name="Slide Number Placeholder 6"/>
+          <p:cNvPr id="7" name="Slide Number Placeholder 6">
+            <a:extLst>
+              <a:ext uri="{FF2B5EF4-FFF2-40B4-BE49-F238E27FC236}">
+                <a16:creationId xmlns:a16="http://schemas.microsoft.com/office/drawing/2014/main" id="{DA1FB1CE-0325-E505-84A9-6D52F2F9F1A7}"/>
+              </a:ext>
+            </a:extLst>
+          </p:cNvPr>
           <p:cNvSpPr>
             <a:spLocks noGrp="1"/>
           </p:cNvSpPr>
@@ -3382,7 +1503,7 @@
     </p:spTree>
     <p:extLst>
       <p:ext uri="{BB962C8B-B14F-4D97-AF65-F5344CB8AC3E}">
-        <p14:creationId xmlns:p14="http://schemas.microsoft.com/office/powerpoint/2010/main" val="3893940453"/>
+        <p14:creationId xmlns:p14="http://schemas.microsoft.com/office/powerpoint/2010/main" val="3644947157"/>
       </p:ext>
     </p:extLst>
   </p:cSld>
@@ -3411,7 +1532,13 @@
       </p:grpSpPr>
       <p:sp>
         <p:nvSpPr>
-          <p:cNvPr id="2" name="Title 1"/>
+          <p:cNvPr id="2" name="Title 1">
+            <a:extLst>
+              <a:ext uri="{FF2B5EF4-FFF2-40B4-BE49-F238E27FC236}">
+                <a16:creationId xmlns:a16="http://schemas.microsoft.com/office/drawing/2014/main" id="{AF04AB92-B834-ED12-4099-6E6F4BB92D86}"/>
+              </a:ext>
+            </a:extLst>
+          </p:cNvPr>
           <p:cNvSpPr>
             <a:spLocks noGrp="1"/>
           </p:cNvSpPr>
@@ -3419,26 +1546,32 @@
             <p:ph type="title"/>
           </p:nvPr>
         </p:nvSpPr>
-        <p:spPr/>
-        <p:txBody>
-          <a:bodyPr/>
-          <a:lstStyle>
-            <a:lvl1pPr>
-              <a:defRPr/>
-            </a:lvl1pPr>
-          </a:lstStyle>
+        <p:spPr>
+          <a:xfrm>
+            <a:off x="839788" y="365125"/>
+            <a:ext cx="10515600" cy="1325563"/>
+          </a:xfrm>
+        </p:spPr>
+        <p:txBody>
+          <a:bodyPr/>
+          <a:lstStyle/>
           <a:p>
             <a:r>
               <a:rPr lang="en-US"/>
               <a:t>Click to edit Master title style</a:t>
             </a:r>
-            <a:endParaRPr lang="en-US" dirty="0"/>
-          </a:p>
-        </p:txBody>
-      </p:sp>
-      <p:sp>
-        <p:nvSpPr>
-          <p:cNvPr id="3" name="Text Placeholder 2"/>
+          </a:p>
+        </p:txBody>
+      </p:sp>
+      <p:sp>
+        <p:nvSpPr>
+          <p:cNvPr id="3" name="Text Placeholder 2">
+            <a:extLst>
+              <a:ext uri="{FF2B5EF4-FFF2-40B4-BE49-F238E27FC236}">
+                <a16:creationId xmlns:a16="http://schemas.microsoft.com/office/drawing/2014/main" id="{21BF3ADC-6FE5-697E-F995-3E4E473B4E24}"/>
+              </a:ext>
+            </a:extLst>
+          </p:cNvPr>
           <p:cNvSpPr>
             <a:spLocks noGrp="1"/>
           </p:cNvSpPr>
@@ -3448,22 +1581,16 @@
         </p:nvSpPr>
         <p:spPr>
           <a:xfrm>
-            <a:off x="972080" y="685800"/>
-            <a:ext cx="4649787" cy="576262"/>
+            <a:off x="839788" y="1681163"/>
+            <a:ext cx="5157787" cy="823912"/>
           </a:xfrm>
         </p:spPr>
         <p:txBody>
-          <a:bodyPr anchor="b">
-            <a:noAutofit/>
-          </a:bodyPr>
+          <a:bodyPr anchor="b"/>
           <a:lstStyle>
             <a:lvl1pPr marL="0" indent="0">
               <a:buNone/>
-              <a:defRPr sz="2800" b="0">
-                <a:solidFill>
-                  <a:schemeClr val="tx1"/>
-                </a:solidFill>
-              </a:defRPr>
+              <a:defRPr sz="2400" b="1"/>
             </a:lvl1pPr>
             <a:lvl2pPr marL="457200" indent="0">
               <a:buNone/>
@@ -3509,7 +1636,13 @@
       </p:sp>
       <p:sp>
         <p:nvSpPr>
-          <p:cNvPr id="4" name="Content Placeholder 3"/>
+          <p:cNvPr id="4" name="Content Placeholder 3">
+            <a:extLst>
+              <a:ext uri="{FF2B5EF4-FFF2-40B4-BE49-F238E27FC236}">
+                <a16:creationId xmlns:a16="http://schemas.microsoft.com/office/drawing/2014/main" id="{A1BF3FB1-750B-05C6-773C-92C46CACC56B}"/>
+              </a:ext>
+            </a:extLst>
+          </p:cNvPr>
           <p:cNvSpPr>
             <a:spLocks noGrp="1"/>
           </p:cNvSpPr>
@@ -3519,14 +1652,12 @@
         </p:nvSpPr>
         <p:spPr>
           <a:xfrm>
-            <a:off x="684211" y="1270529"/>
-            <a:ext cx="4937655" cy="3030538"/>
+            <a:off x="839788" y="2505075"/>
+            <a:ext cx="5157787" cy="3684588"/>
           </a:xfrm>
         </p:spPr>
         <p:txBody>
-          <a:bodyPr anchor="t">
-            <a:normAutofit/>
-          </a:bodyPr>
+          <a:bodyPr/>
           <a:lstStyle/>
           <a:p>
             <a:pPr lvl="0"/>
@@ -3562,13 +1693,18 @@
               <a:rPr lang="en-US"/>
               <a:t>Fifth level</a:t>
             </a:r>
-            <a:endParaRPr lang="en-US" dirty="0"/>
-          </a:p>
-        </p:txBody>
-      </p:sp>
-      <p:sp>
-        <p:nvSpPr>
-          <p:cNvPr id="5" name="Text Placeholder 4"/>
+          </a:p>
+        </p:txBody>
+      </p:sp>
+      <p:sp>
+        <p:nvSpPr>
+          <p:cNvPr id="5" name="Text Placeholder 4">
+            <a:extLst>
+              <a:ext uri="{FF2B5EF4-FFF2-40B4-BE49-F238E27FC236}">
+                <a16:creationId xmlns:a16="http://schemas.microsoft.com/office/drawing/2014/main" id="{C0F6C978-EC02-603E-01A1-DCEC557FC960}"/>
+              </a:ext>
+            </a:extLst>
+          </p:cNvPr>
           <p:cNvSpPr>
             <a:spLocks noGrp="1"/>
           </p:cNvSpPr>
@@ -3578,22 +1714,16 @@
         </p:nvSpPr>
         <p:spPr>
           <a:xfrm>
-            <a:off x="6079066" y="685800"/>
-            <a:ext cx="4665134" cy="576262"/>
+            <a:off x="6172200" y="1681163"/>
+            <a:ext cx="5183188" cy="823912"/>
           </a:xfrm>
         </p:spPr>
         <p:txBody>
-          <a:bodyPr anchor="b">
-            <a:noAutofit/>
-          </a:bodyPr>
+          <a:bodyPr anchor="b"/>
           <a:lstStyle>
             <a:lvl1pPr marL="0" indent="0">
               <a:buNone/>
-              <a:defRPr sz="2800" b="0">
-                <a:solidFill>
-                  <a:schemeClr val="tx1"/>
-                </a:solidFill>
-              </a:defRPr>
+              <a:defRPr sz="2400" b="1"/>
             </a:lvl1pPr>
             <a:lvl2pPr marL="457200" indent="0">
               <a:buNone/>
@@ -3639,7 +1769,13 @@
       </p:sp>
       <p:sp>
         <p:nvSpPr>
-          <p:cNvPr id="6" name="Content Placeholder 5"/>
+          <p:cNvPr id="6" name="Content Placeholder 5">
+            <a:extLst>
+              <a:ext uri="{FF2B5EF4-FFF2-40B4-BE49-F238E27FC236}">
+                <a16:creationId xmlns:a16="http://schemas.microsoft.com/office/drawing/2014/main" id="{480AA8E0-95FB-3A2F-6D91-E39E6A152DA7}"/>
+              </a:ext>
+            </a:extLst>
+          </p:cNvPr>
           <p:cNvSpPr>
             <a:spLocks noGrp="1"/>
           </p:cNvSpPr>
@@ -3649,14 +1785,12 @@
         </p:nvSpPr>
         <p:spPr>
           <a:xfrm>
-            <a:off x="5806545" y="1262062"/>
-            <a:ext cx="4929188" cy="3030538"/>
+            <a:off x="6172200" y="2505075"/>
+            <a:ext cx="5183188" cy="3684588"/>
           </a:xfrm>
         </p:spPr>
         <p:txBody>
-          <a:bodyPr anchor="t">
-            <a:normAutofit/>
-          </a:bodyPr>
+          <a:bodyPr/>
           <a:lstStyle/>
           <a:p>
             <a:pPr lvl="0"/>
@@ -3692,13 +1826,18 @@
               <a:rPr lang="en-US"/>
               <a:t>Fifth level</a:t>
             </a:r>
-            <a:endParaRPr lang="en-US" dirty="0"/>
-          </a:p>
-        </p:txBody>
-      </p:sp>
-      <p:sp>
-        <p:nvSpPr>
-          <p:cNvPr id="7" name="Date Placeholder 6"/>
+          </a:p>
+        </p:txBody>
+      </p:sp>
+      <p:sp>
+        <p:nvSpPr>
+          <p:cNvPr id="7" name="Date Placeholder 6">
+            <a:extLst>
+              <a:ext uri="{FF2B5EF4-FFF2-40B4-BE49-F238E27FC236}">
+                <a16:creationId xmlns:a16="http://schemas.microsoft.com/office/drawing/2014/main" id="{8F8EE78A-D155-8805-E67F-496768947CAF}"/>
+              </a:ext>
+            </a:extLst>
+          </p:cNvPr>
           <p:cNvSpPr>
             <a:spLocks noGrp="1"/>
           </p:cNvSpPr>
@@ -3713,7 +1852,7 @@
           <a:p>
             <a:fld id="{73081320-CFC6-409D-A552-76F9BE3B388C}" type="datetimeFigureOut">
               <a:rPr lang="en-US" smtClean="0"/>
-              <a:t>5/4/2023</a:t>
+              <a:t>8/16/2023</a:t>
             </a:fld>
             <a:endParaRPr lang="en-US"/>
           </a:p>
@@ -3721,7 +1860,13 @@
       </p:sp>
       <p:sp>
         <p:nvSpPr>
-          <p:cNvPr id="8" name="Footer Placeholder 7"/>
+          <p:cNvPr id="8" name="Footer Placeholder 7">
+            <a:extLst>
+              <a:ext uri="{FF2B5EF4-FFF2-40B4-BE49-F238E27FC236}">
+                <a16:creationId xmlns:a16="http://schemas.microsoft.com/office/drawing/2014/main" id="{DC34C6BF-AC49-4D54-B1AC-87339D1939A5}"/>
+              </a:ext>
+            </a:extLst>
+          </p:cNvPr>
           <p:cNvSpPr>
             <a:spLocks noGrp="1"/>
           </p:cNvSpPr>
@@ -3740,7 +1885,13 @@
       </p:sp>
       <p:sp>
         <p:nvSpPr>
-          <p:cNvPr id="9" name="Slide Number Placeholder 8"/>
+          <p:cNvPr id="9" name="Slide Number Placeholder 8">
+            <a:extLst>
+              <a:ext uri="{FF2B5EF4-FFF2-40B4-BE49-F238E27FC236}">
+                <a16:creationId xmlns:a16="http://schemas.microsoft.com/office/drawing/2014/main" id="{FDB3474B-5BB1-10B3-0B46-9BA0DA1AADF4}"/>
+              </a:ext>
+            </a:extLst>
+          </p:cNvPr>
           <p:cNvSpPr>
             <a:spLocks noGrp="1"/>
           </p:cNvSpPr>
@@ -3764,7 +1915,7 @@
     </p:spTree>
     <p:extLst>
       <p:ext uri="{BB962C8B-B14F-4D97-AF65-F5344CB8AC3E}">
-        <p14:creationId xmlns:p14="http://schemas.microsoft.com/office/powerpoint/2010/main" val="2043948908"/>
+        <p14:creationId xmlns:p14="http://schemas.microsoft.com/office/powerpoint/2010/main" val="3232262698"/>
       </p:ext>
     </p:extLst>
   </p:cSld>
@@ -3793,7 +1944,13 @@
       </p:grpSpPr>
       <p:sp>
         <p:nvSpPr>
-          <p:cNvPr id="2" name="Title 1"/>
+          <p:cNvPr id="2" name="Title 1">
+            <a:extLst>
+              <a:ext uri="{FF2B5EF4-FFF2-40B4-BE49-F238E27FC236}">
+                <a16:creationId xmlns:a16="http://schemas.microsoft.com/office/drawing/2014/main" id="{C447AFC0-5038-1553-C105-0C35DF3A4B0A}"/>
+              </a:ext>
+            </a:extLst>
+          </p:cNvPr>
           <p:cNvSpPr>
             <a:spLocks noGrp="1"/>
           </p:cNvSpPr>
@@ -3810,13 +1967,18 @@
               <a:rPr lang="en-US"/>
               <a:t>Click to edit Master title style</a:t>
             </a:r>
-            <a:endParaRPr lang="en-US" dirty="0"/>
-          </a:p>
-        </p:txBody>
-      </p:sp>
-      <p:sp>
-        <p:nvSpPr>
-          <p:cNvPr id="3" name="Date Placeholder 2"/>
+          </a:p>
+        </p:txBody>
+      </p:sp>
+      <p:sp>
+        <p:nvSpPr>
+          <p:cNvPr id="3" name="Date Placeholder 2">
+            <a:extLst>
+              <a:ext uri="{FF2B5EF4-FFF2-40B4-BE49-F238E27FC236}">
+                <a16:creationId xmlns:a16="http://schemas.microsoft.com/office/drawing/2014/main" id="{8AC159BE-CA27-5082-02C8-C94075C74968}"/>
+              </a:ext>
+            </a:extLst>
+          </p:cNvPr>
           <p:cNvSpPr>
             <a:spLocks noGrp="1"/>
           </p:cNvSpPr>
@@ -3831,7 +1993,7 @@
           <a:p>
             <a:fld id="{73081320-CFC6-409D-A552-76F9BE3B388C}" type="datetimeFigureOut">
               <a:rPr lang="en-US" smtClean="0"/>
-              <a:t>5/4/2023</a:t>
+              <a:t>8/16/2023</a:t>
             </a:fld>
             <a:endParaRPr lang="en-US"/>
           </a:p>
@@ -3839,7 +2001,13 @@
       </p:sp>
       <p:sp>
         <p:nvSpPr>
-          <p:cNvPr id="4" name="Footer Placeholder 3"/>
+          <p:cNvPr id="4" name="Footer Placeholder 3">
+            <a:extLst>
+              <a:ext uri="{FF2B5EF4-FFF2-40B4-BE49-F238E27FC236}">
+                <a16:creationId xmlns:a16="http://schemas.microsoft.com/office/drawing/2014/main" id="{2338D228-9283-AA8D-586B-D2B92BEBC5EF}"/>
+              </a:ext>
+            </a:extLst>
+          </p:cNvPr>
           <p:cNvSpPr>
             <a:spLocks noGrp="1"/>
           </p:cNvSpPr>
@@ -3858,7 +2026,13 @@
       </p:sp>
       <p:sp>
         <p:nvSpPr>
-          <p:cNvPr id="5" name="Slide Number Placeholder 4"/>
+          <p:cNvPr id="5" name="Slide Number Placeholder 4">
+            <a:extLst>
+              <a:ext uri="{FF2B5EF4-FFF2-40B4-BE49-F238E27FC236}">
+                <a16:creationId xmlns:a16="http://schemas.microsoft.com/office/drawing/2014/main" id="{18C6D8D0-46E1-0AF0-5C6E-D416817FC4BE}"/>
+              </a:ext>
+            </a:extLst>
+          </p:cNvPr>
           <p:cNvSpPr>
             <a:spLocks noGrp="1"/>
           </p:cNvSpPr>
@@ -3882,7 +2056,7 @@
     </p:spTree>
     <p:extLst>
       <p:ext uri="{BB962C8B-B14F-4D97-AF65-F5344CB8AC3E}">
-        <p14:creationId xmlns:p14="http://schemas.microsoft.com/office/powerpoint/2010/main" val="1358663074"/>
+        <p14:creationId xmlns:p14="http://schemas.microsoft.com/office/powerpoint/2010/main" val="1674256544"/>
       </p:ext>
     </p:extLst>
   </p:cSld>
@@ -3911,7 +2085,13 @@
       </p:grpSpPr>
       <p:sp>
         <p:nvSpPr>
-          <p:cNvPr id="2" name="Date Placeholder 1"/>
+          <p:cNvPr id="2" name="Date Placeholder 1">
+            <a:extLst>
+              <a:ext uri="{FF2B5EF4-FFF2-40B4-BE49-F238E27FC236}">
+                <a16:creationId xmlns:a16="http://schemas.microsoft.com/office/drawing/2014/main" id="{5E271D89-DD64-81A7-F82D-24A32029FE3B}"/>
+              </a:ext>
+            </a:extLst>
+          </p:cNvPr>
           <p:cNvSpPr>
             <a:spLocks noGrp="1"/>
           </p:cNvSpPr>
@@ -3926,7 +2106,7 @@
           <a:p>
             <a:fld id="{73081320-CFC6-409D-A552-76F9BE3B388C}" type="datetimeFigureOut">
               <a:rPr lang="en-US" smtClean="0"/>
-              <a:t>5/4/2023</a:t>
+              <a:t>8/16/2023</a:t>
             </a:fld>
             <a:endParaRPr lang="en-US"/>
           </a:p>
@@ -3934,7 +2114,13 @@
       </p:sp>
       <p:sp>
         <p:nvSpPr>
-          <p:cNvPr id="3" name="Footer Placeholder 2"/>
+          <p:cNvPr id="3" name="Footer Placeholder 2">
+            <a:extLst>
+              <a:ext uri="{FF2B5EF4-FFF2-40B4-BE49-F238E27FC236}">
+                <a16:creationId xmlns:a16="http://schemas.microsoft.com/office/drawing/2014/main" id="{7AF1E7F0-77D3-2AE7-1C6F-0ED8054B4656}"/>
+              </a:ext>
+            </a:extLst>
+          </p:cNvPr>
           <p:cNvSpPr>
             <a:spLocks noGrp="1"/>
           </p:cNvSpPr>
@@ -3953,7 +2139,13 @@
       </p:sp>
       <p:sp>
         <p:nvSpPr>
-          <p:cNvPr id="4" name="Slide Number Placeholder 3"/>
+          <p:cNvPr id="4" name="Slide Number Placeholder 3">
+            <a:extLst>
+              <a:ext uri="{FF2B5EF4-FFF2-40B4-BE49-F238E27FC236}">
+                <a16:creationId xmlns:a16="http://schemas.microsoft.com/office/drawing/2014/main" id="{992E8AB2-BD5E-3329-BA8F-D8C852326562}"/>
+              </a:ext>
+            </a:extLst>
+          </p:cNvPr>
           <p:cNvSpPr>
             <a:spLocks noGrp="1"/>
           </p:cNvSpPr>
@@ -3977,7 +2169,7 @@
     </p:spTree>
     <p:extLst>
       <p:ext uri="{BB962C8B-B14F-4D97-AF65-F5344CB8AC3E}">
-        <p14:creationId xmlns:p14="http://schemas.microsoft.com/office/powerpoint/2010/main" val="630852861"/>
+        <p14:creationId xmlns:p14="http://schemas.microsoft.com/office/powerpoint/2010/main" val="3407294739"/>
       </p:ext>
     </p:extLst>
   </p:cSld>
@@ -4006,7 +2198,13 @@
       </p:grpSpPr>
       <p:sp>
         <p:nvSpPr>
-          <p:cNvPr id="2" name="Title 1"/>
+          <p:cNvPr id="2" name="Title 1">
+            <a:extLst>
+              <a:ext uri="{FF2B5EF4-FFF2-40B4-BE49-F238E27FC236}">
+                <a16:creationId xmlns:a16="http://schemas.microsoft.com/office/drawing/2014/main" id="{1BE1CAD4-AF7E-2D59-9969-8991867BC08B}"/>
+              </a:ext>
+            </a:extLst>
+          </p:cNvPr>
           <p:cNvSpPr>
             <a:spLocks noGrp="1"/>
           </p:cNvSpPr>
@@ -4016,17 +2214,15 @@
         </p:nvSpPr>
         <p:spPr>
           <a:xfrm>
-            <a:off x="7085012" y="685800"/>
-            <a:ext cx="3657600" cy="1371600"/>
+            <a:off x="839788" y="457200"/>
+            <a:ext cx="3932237" cy="1600200"/>
           </a:xfrm>
         </p:spPr>
         <p:txBody>
-          <a:bodyPr anchor="b">
-            <a:normAutofit/>
-          </a:bodyPr>
+          <a:bodyPr anchor="b"/>
           <a:lstStyle>
-            <a:lvl1pPr algn="l">
-              <a:defRPr sz="2400" b="0"/>
+            <a:lvl1pPr>
+              <a:defRPr sz="3200"/>
             </a:lvl1pPr>
           </a:lstStyle>
           <a:p>
@@ -4034,13 +2230,18 @@
               <a:rPr lang="en-US"/>
               <a:t>Click to edit Master title style</a:t>
             </a:r>
-            <a:endParaRPr lang="en-US" dirty="0"/>
-          </a:p>
-        </p:txBody>
-      </p:sp>
-      <p:sp>
-        <p:nvSpPr>
-          <p:cNvPr id="3" name="Content Placeholder 2"/>
+          </a:p>
+        </p:txBody>
+      </p:sp>
+      <p:sp>
+        <p:nvSpPr>
+          <p:cNvPr id="3" name="Content Placeholder 2">
+            <a:extLst>
+              <a:ext uri="{FF2B5EF4-FFF2-40B4-BE49-F238E27FC236}">
+                <a16:creationId xmlns:a16="http://schemas.microsoft.com/office/drawing/2014/main" id="{27F7B1B8-DBC1-5C5E-E9D1-1658554B83DD}"/>
+              </a:ext>
+            </a:extLst>
+          </p:cNvPr>
           <p:cNvSpPr>
             <a:spLocks noGrp="1"/>
           </p:cNvSpPr>
@@ -4050,15 +2251,41 @@
         </p:nvSpPr>
         <p:spPr>
           <a:xfrm>
-            <a:off x="684212" y="685800"/>
-            <a:ext cx="5943601" cy="5308600"/>
+            <a:off x="5183188" y="987425"/>
+            <a:ext cx="6172200" cy="4873625"/>
           </a:xfrm>
         </p:spPr>
         <p:txBody>
-          <a:bodyPr anchor="ctr">
-            <a:normAutofit/>
-          </a:bodyPr>
-          <a:lstStyle/>
+          <a:bodyPr/>
+          <a:lstStyle>
+            <a:lvl1pPr>
+              <a:defRPr sz="3200"/>
+            </a:lvl1pPr>
+            <a:lvl2pPr>
+              <a:defRPr sz="2800"/>
+            </a:lvl2pPr>
+            <a:lvl3pPr>
+              <a:defRPr sz="2400"/>
+            </a:lvl3pPr>
+            <a:lvl4pPr>
+              <a:defRPr sz="2000"/>
+            </a:lvl4pPr>
+            <a:lvl5pPr>
+              <a:defRPr sz="2000"/>
+            </a:lvl5pPr>
+            <a:lvl6pPr>
+              <a:defRPr sz="2000"/>
+            </a:lvl6pPr>
+            <a:lvl7pPr>
+              <a:defRPr sz="2000"/>
+            </a:lvl7pPr>
+            <a:lvl8pPr>
+              <a:defRPr sz="2000"/>
+            </a:lvl8pPr>
+            <a:lvl9pPr>
+              <a:defRPr sz="2000"/>
+            </a:lvl9pPr>
+          </a:lstStyle>
           <a:p>
             <a:pPr lvl="0"/>
             <a:r>
@@ -4093,13 +2320,18 @@
               <a:rPr lang="en-US"/>
               <a:t>Fifth level</a:t>
             </a:r>
-            <a:endParaRPr lang="en-US" dirty="0"/>
-          </a:p>
-        </p:txBody>
-      </p:sp>
-      <p:sp>
-        <p:nvSpPr>
-          <p:cNvPr id="4" name="Text Placeholder 3"/>
+          </a:p>
+        </p:txBody>
+      </p:sp>
+      <p:sp>
+        <p:nvSpPr>
+          <p:cNvPr id="4" name="Text Placeholder 3">
+            <a:extLst>
+              <a:ext uri="{FF2B5EF4-FFF2-40B4-BE49-F238E27FC236}">
+                <a16:creationId xmlns:a16="http://schemas.microsoft.com/office/drawing/2014/main" id="{F447A295-BC04-C5DC-F78A-4DA6977621AB}"/>
+              </a:ext>
+            </a:extLst>
+          </p:cNvPr>
           <p:cNvSpPr>
             <a:spLocks noGrp="1"/>
           </p:cNvSpPr>
@@ -4109,14 +2341,12 @@
         </p:nvSpPr>
         <p:spPr>
           <a:xfrm>
-            <a:off x="7085012" y="2209799"/>
-            <a:ext cx="3657600" cy="2091267"/>
+            <a:off x="839788" y="2057400"/>
+            <a:ext cx="3932237" cy="3811588"/>
           </a:xfrm>
         </p:spPr>
         <p:txBody>
-          <a:bodyPr anchor="t">
-            <a:normAutofit/>
-          </a:bodyPr>
+          <a:bodyPr/>
           <a:lstStyle>
             <a:lvl1pPr marL="0" indent="0">
               <a:buNone/>
@@ -4124,35 +2354,35 @@
             </a:lvl1pPr>
             <a:lvl2pPr marL="457200" indent="0">
               <a:buNone/>
-              <a:defRPr sz="1200"/>
+              <a:defRPr sz="1400"/>
             </a:lvl2pPr>
             <a:lvl3pPr marL="914400" indent="0">
               <a:buNone/>
-              <a:defRPr sz="1000"/>
+              <a:defRPr sz="1200"/>
             </a:lvl3pPr>
             <a:lvl4pPr marL="1371600" indent="0">
               <a:buNone/>
-              <a:defRPr sz="900"/>
+              <a:defRPr sz="1000"/>
             </a:lvl4pPr>
             <a:lvl5pPr marL="1828800" indent="0">
               <a:buNone/>
-              <a:defRPr sz="900"/>
+              <a:defRPr sz="1000"/>
             </a:lvl5pPr>
             <a:lvl6pPr marL="2286000" indent="0">
               <a:buNone/>
-              <a:defRPr sz="900"/>
+              <a:defRPr sz="1000"/>
             </a:lvl6pPr>
             <a:lvl7pPr marL="2743200" indent="0">
               <a:buNone/>
-              <a:defRPr sz="900"/>
+              <a:defRPr sz="1000"/>
             </a:lvl7pPr>
             <a:lvl8pPr marL="3200400" indent="0">
               <a:buNone/>
-              <a:defRPr sz="900"/>
+              <a:defRPr sz="1000"/>
             </a:lvl8pPr>
             <a:lvl9pPr marL="3657600" indent="0">
               <a:buNone/>
-              <a:defRPr sz="900"/>
+              <a:defRPr sz="1000"/>
             </a:lvl9pPr>
           </a:lstStyle>
           <a:p>
@@ -4166,7 +2396,13 @@
       </p:sp>
       <p:sp>
         <p:nvSpPr>
-          <p:cNvPr id="5" name="Date Placeholder 4"/>
+          <p:cNvPr id="5" name="Date Placeholder 4">
+            <a:extLst>
+              <a:ext uri="{FF2B5EF4-FFF2-40B4-BE49-F238E27FC236}">
+                <a16:creationId xmlns:a16="http://schemas.microsoft.com/office/drawing/2014/main" id="{CEC51A2C-1581-E326-41C3-759922B76740}"/>
+              </a:ext>
+            </a:extLst>
+          </p:cNvPr>
           <p:cNvSpPr>
             <a:spLocks noGrp="1"/>
           </p:cNvSpPr>
@@ -4181,7 +2417,7 @@
           <a:p>
             <a:fld id="{73081320-CFC6-409D-A552-76F9BE3B388C}" type="datetimeFigureOut">
               <a:rPr lang="en-US" smtClean="0"/>
-              <a:t>5/4/2023</a:t>
+              <a:t>8/16/2023</a:t>
             </a:fld>
             <a:endParaRPr lang="en-US"/>
           </a:p>
@@ -4189,7 +2425,13 @@
       </p:sp>
       <p:sp>
         <p:nvSpPr>
-          <p:cNvPr id="6" name="Footer Placeholder 5"/>
+          <p:cNvPr id="6" name="Footer Placeholder 5">
+            <a:extLst>
+              <a:ext uri="{FF2B5EF4-FFF2-40B4-BE49-F238E27FC236}">
+                <a16:creationId xmlns:a16="http://schemas.microsoft.com/office/drawing/2014/main" id="{994193B6-B590-E67E-6FA8-2A5ECAA1371A}"/>
+              </a:ext>
+            </a:extLst>
+          </p:cNvPr>
           <p:cNvSpPr>
             <a:spLocks noGrp="1"/>
           </p:cNvSpPr>
@@ -4208,7 +2450,13 @@
       </p:sp>
       <p:sp>
         <p:nvSpPr>
-          <p:cNvPr id="7" name="Slide Number Placeholder 6"/>
+          <p:cNvPr id="7" name="Slide Number Placeholder 6">
+            <a:extLst>
+              <a:ext uri="{FF2B5EF4-FFF2-40B4-BE49-F238E27FC236}">
+                <a16:creationId xmlns:a16="http://schemas.microsoft.com/office/drawing/2014/main" id="{96674281-61F4-FAA8-E2FC-CC779FC26D4F}"/>
+              </a:ext>
+            </a:extLst>
+          </p:cNvPr>
           <p:cNvSpPr>
             <a:spLocks noGrp="1"/>
           </p:cNvSpPr>
@@ -4232,7 +2480,7 @@
     </p:spTree>
     <p:extLst>
       <p:ext uri="{BB962C8B-B14F-4D97-AF65-F5344CB8AC3E}">
-        <p14:creationId xmlns:p14="http://schemas.microsoft.com/office/powerpoint/2010/main" val="335352694"/>
+        <p14:creationId xmlns:p14="http://schemas.microsoft.com/office/powerpoint/2010/main" val="2691228807"/>
       </p:ext>
     </p:extLst>
   </p:cSld>
@@ -4261,7 +2509,13 @@
       </p:grpSpPr>
       <p:sp>
         <p:nvSpPr>
-          <p:cNvPr id="2" name="Title 1"/>
+          <p:cNvPr id="2" name="Title 1">
+            <a:extLst>
+              <a:ext uri="{FF2B5EF4-FFF2-40B4-BE49-F238E27FC236}">
+                <a16:creationId xmlns:a16="http://schemas.microsoft.com/office/drawing/2014/main" id="{E8EC3266-6557-6DF0-0455-F008D41481BC}"/>
+              </a:ext>
+            </a:extLst>
+          </p:cNvPr>
           <p:cNvSpPr>
             <a:spLocks noGrp="1"/>
           </p:cNvSpPr>
@@ -4271,17 +2525,15 @@
         </p:nvSpPr>
         <p:spPr>
           <a:xfrm>
-            <a:off x="4722812" y="1447800"/>
-            <a:ext cx="6019800" cy="1143000"/>
+            <a:off x="839788" y="457200"/>
+            <a:ext cx="3932237" cy="1600200"/>
           </a:xfrm>
         </p:spPr>
         <p:txBody>
-          <a:bodyPr anchor="b">
-            <a:normAutofit/>
-          </a:bodyPr>
+          <a:bodyPr anchor="b"/>
           <a:lstStyle>
-            <a:lvl1pPr algn="l">
-              <a:defRPr sz="2800" b="0"/>
+            <a:lvl1pPr>
+              <a:defRPr sz="3200"/>
             </a:lvl1pPr>
           </a:lstStyle>
           <a:p>
@@ -4289,15 +2541,20 @@
               <a:rPr lang="en-US"/>
               <a:t>Click to edit Master title style</a:t>
             </a:r>
-            <a:endParaRPr lang="en-US" dirty="0"/>
-          </a:p>
-        </p:txBody>
-      </p:sp>
-      <p:sp>
-        <p:nvSpPr>
-          <p:cNvPr id="14" name="Picture Placeholder 2"/>
-          <p:cNvSpPr>
-            <a:spLocks noGrp="1" noChangeAspect="1"/>
+          </a:p>
+        </p:txBody>
+      </p:sp>
+      <p:sp>
+        <p:nvSpPr>
+          <p:cNvPr id="3" name="Picture Placeholder 2">
+            <a:extLst>
+              <a:ext uri="{FF2B5EF4-FFF2-40B4-BE49-F238E27FC236}">
+                <a16:creationId xmlns:a16="http://schemas.microsoft.com/office/drawing/2014/main" id="{592AFEA7-DBE1-CC0D-D50B-04A52E18C6C7}"/>
+              </a:ext>
+            </a:extLst>
+          </p:cNvPr>
+          <p:cNvSpPr>
+            <a:spLocks noGrp="1"/>
           </p:cNvSpPr>
           <p:nvPr>
             <p:ph type="pic" idx="1"/>
@@ -4305,140 +2562,118 @@
         </p:nvSpPr>
         <p:spPr>
           <a:xfrm>
-            <a:off x="989012" y="914400"/>
-            <a:ext cx="3280974" cy="4572000"/>
+            <a:off x="5183188" y="987425"/>
+            <a:ext cx="6172200" cy="4873625"/>
           </a:xfrm>
-          <a:prstGeom prst="snip2DiagRect">
-            <a:avLst>
-              <a:gd name="adj1" fmla="val 10815"/>
-              <a:gd name="adj2" fmla="val 0"/>
-            </a:avLst>
-          </a:prstGeom>
-          <a:ln w="15875">
-            <a:solidFill>
-              <a:schemeClr val="tx1">
-                <a:alpha val="40000"/>
-              </a:schemeClr>
-            </a:solidFill>
-          </a:ln>
-          <a:effectLst>
-            <a:innerShdw blurRad="57150" dist="38100" dir="14460000">
-              <a:srgbClr val="000000">
-                <a:alpha val="70000"/>
-              </a:srgbClr>
-            </a:innerShdw>
-          </a:effectLst>
         </p:spPr>
         <p:txBody>
-          <a:bodyPr anchor="t">
-            <a:normAutofit/>
-          </a:bodyPr>
+          <a:bodyPr/>
           <a:lstStyle>
-            <a:lvl1pPr marL="0" indent="0" algn="ctr">
+            <a:lvl1pPr marL="0" indent="0">
+              <a:buNone/>
+              <a:defRPr sz="3200"/>
+            </a:lvl1pPr>
+            <a:lvl2pPr marL="457200" indent="0">
+              <a:buNone/>
+              <a:defRPr sz="2800"/>
+            </a:lvl2pPr>
+            <a:lvl3pPr marL="914400" indent="0">
+              <a:buNone/>
+              <a:defRPr sz="2400"/>
+            </a:lvl3pPr>
+            <a:lvl4pPr marL="1371600" indent="0">
+              <a:buNone/>
+              <a:defRPr sz="2000"/>
+            </a:lvl4pPr>
+            <a:lvl5pPr marL="1828800" indent="0">
+              <a:buNone/>
+              <a:defRPr sz="2000"/>
+            </a:lvl5pPr>
+            <a:lvl6pPr marL="2286000" indent="0">
+              <a:buNone/>
+              <a:defRPr sz="2000"/>
+            </a:lvl6pPr>
+            <a:lvl7pPr marL="2743200" indent="0">
+              <a:buNone/>
+              <a:defRPr sz="2000"/>
+            </a:lvl7pPr>
+            <a:lvl8pPr marL="3200400" indent="0">
+              <a:buNone/>
+              <a:defRPr sz="2000"/>
+            </a:lvl8pPr>
+            <a:lvl9pPr marL="3657600" indent="0">
+              <a:buNone/>
+              <a:defRPr sz="2000"/>
+            </a:lvl9pPr>
+          </a:lstStyle>
+          <a:p>
+            <a:endParaRPr lang="en-US"/>
+          </a:p>
+        </p:txBody>
+      </p:sp>
+      <p:sp>
+        <p:nvSpPr>
+          <p:cNvPr id="4" name="Text Placeholder 3">
+            <a:extLst>
+              <a:ext uri="{FF2B5EF4-FFF2-40B4-BE49-F238E27FC236}">
+                <a16:creationId xmlns:a16="http://schemas.microsoft.com/office/drawing/2014/main" id="{9553ABA5-4F68-27AF-A1F2-11DEF623F688}"/>
+              </a:ext>
+            </a:extLst>
+          </p:cNvPr>
+          <p:cNvSpPr>
+            <a:spLocks noGrp="1"/>
+          </p:cNvSpPr>
+          <p:nvPr>
+            <p:ph type="body" sz="half" idx="2"/>
+          </p:nvPr>
+        </p:nvSpPr>
+        <p:spPr>
+          <a:xfrm>
+            <a:off x="839788" y="2057400"/>
+            <a:ext cx="3932237" cy="3811588"/>
+          </a:xfrm>
+        </p:spPr>
+        <p:txBody>
+          <a:bodyPr/>
+          <a:lstStyle>
+            <a:lvl1pPr marL="0" indent="0">
               <a:buNone/>
               <a:defRPr sz="1600"/>
             </a:lvl1pPr>
             <a:lvl2pPr marL="457200" indent="0">
               <a:buNone/>
-              <a:defRPr sz="1600"/>
+              <a:defRPr sz="1400"/>
             </a:lvl2pPr>
             <a:lvl3pPr marL="914400" indent="0">
               <a:buNone/>
-              <a:defRPr sz="1600"/>
+              <a:defRPr sz="1200"/>
             </a:lvl3pPr>
             <a:lvl4pPr marL="1371600" indent="0">
               <a:buNone/>
-              <a:defRPr sz="1600"/>
+              <a:defRPr sz="1000"/>
             </a:lvl4pPr>
             <a:lvl5pPr marL="1828800" indent="0">
               <a:buNone/>
-              <a:defRPr sz="1600"/>
+              <a:defRPr sz="1000"/>
             </a:lvl5pPr>
             <a:lvl6pPr marL="2286000" indent="0">
               <a:buNone/>
-              <a:defRPr sz="1600"/>
+              <a:defRPr sz="1000"/>
             </a:lvl6pPr>
             <a:lvl7pPr marL="2743200" indent="0">
               <a:buNone/>
-              <a:defRPr sz="1600"/>
+              <a:defRPr sz="1000"/>
             </a:lvl7pPr>
             <a:lvl8pPr marL="3200400" indent="0">
               <a:buNone/>
-              <a:defRPr sz="1600"/>
+              <a:defRPr sz="1000"/>
             </a:lvl8pPr>
             <a:lvl9pPr marL="3657600" indent="0">
               <a:buNone/>
-              <a:defRPr sz="1600"/>
+              <a:defRPr sz="1000"/>
             </a:lvl9pPr>
           </a:lstStyle>
           <a:p>
-            <a:r>
-              <a:rPr lang="en-US"/>
-              <a:t>Click icon to add picture</a:t>
-            </a:r>
-            <a:endParaRPr lang="en-US" dirty="0"/>
-          </a:p>
-        </p:txBody>
-      </p:sp>
-      <p:sp>
-        <p:nvSpPr>
-          <p:cNvPr id="4" name="Text Placeholder 3"/>
-          <p:cNvSpPr>
-            <a:spLocks noGrp="1"/>
-          </p:cNvSpPr>
-          <p:nvPr>
-            <p:ph type="body" sz="half" idx="2"/>
-          </p:nvPr>
-        </p:nvSpPr>
-        <p:spPr>
-          <a:xfrm>
-            <a:off x="4722812" y="2777066"/>
-            <a:ext cx="6021388" cy="2048933"/>
-          </a:xfrm>
-        </p:spPr>
-        <p:txBody>
-          <a:bodyPr anchor="t">
-            <a:normAutofit/>
-          </a:bodyPr>
-          <a:lstStyle>
-            <a:lvl1pPr marL="0" indent="0">
-              <a:buNone/>
-              <a:defRPr sz="1800"/>
-            </a:lvl1pPr>
-            <a:lvl2pPr marL="457200" indent="0">
-              <a:buNone/>
-              <a:defRPr sz="1200"/>
-            </a:lvl2pPr>
-            <a:lvl3pPr marL="914400" indent="0">
-              <a:buNone/>
-              <a:defRPr sz="1000"/>
-            </a:lvl3pPr>
-            <a:lvl4pPr marL="1371600" indent="0">
-              <a:buNone/>
-              <a:defRPr sz="900"/>
-            </a:lvl4pPr>
-            <a:lvl5pPr marL="1828800" indent="0">
-              <a:buNone/>
-              <a:defRPr sz="900"/>
-            </a:lvl5pPr>
-            <a:lvl6pPr marL="2286000" indent="0">
-              <a:buNone/>
-              <a:defRPr sz="900"/>
-            </a:lvl6pPr>
-            <a:lvl7pPr marL="2743200" indent="0">
-              <a:buNone/>
-              <a:defRPr sz="900"/>
-            </a:lvl7pPr>
-            <a:lvl8pPr marL="3200400" indent="0">
-              <a:buNone/>
-              <a:defRPr sz="900"/>
-            </a:lvl8pPr>
-            <a:lvl9pPr marL="3657600" indent="0">
-              <a:buNone/>
-              <a:defRPr sz="900"/>
-            </a:lvl9pPr>
-          </a:lstStyle>
-          <a:p>
             <a:pPr lvl="0"/>
             <a:r>
               <a:rPr lang="en-US"/>
@@ -4449,7 +2684,13 @@
       </p:sp>
       <p:sp>
         <p:nvSpPr>
-          <p:cNvPr id="5" name="Date Placeholder 4"/>
+          <p:cNvPr id="5" name="Date Placeholder 4">
+            <a:extLst>
+              <a:ext uri="{FF2B5EF4-FFF2-40B4-BE49-F238E27FC236}">
+                <a16:creationId xmlns:a16="http://schemas.microsoft.com/office/drawing/2014/main" id="{575F2753-778A-0B37-4010-BCE97616A4E8}"/>
+              </a:ext>
+            </a:extLst>
+          </p:cNvPr>
           <p:cNvSpPr>
             <a:spLocks noGrp="1"/>
           </p:cNvSpPr>
@@ -4464,7 +2705,7 @@
           <a:p>
             <a:fld id="{73081320-CFC6-409D-A552-76F9BE3B388C}" type="datetimeFigureOut">
               <a:rPr lang="en-US" smtClean="0"/>
-              <a:t>5/4/2023</a:t>
+              <a:t>8/16/2023</a:t>
             </a:fld>
             <a:endParaRPr lang="en-US"/>
           </a:p>
@@ -4472,7 +2713,13 @@
       </p:sp>
       <p:sp>
         <p:nvSpPr>
-          <p:cNvPr id="6" name="Footer Placeholder 5"/>
+          <p:cNvPr id="6" name="Footer Placeholder 5">
+            <a:extLst>
+              <a:ext uri="{FF2B5EF4-FFF2-40B4-BE49-F238E27FC236}">
+                <a16:creationId xmlns:a16="http://schemas.microsoft.com/office/drawing/2014/main" id="{30ED4ED1-097D-347B-7A00-DADEDC344844}"/>
+              </a:ext>
+            </a:extLst>
+          </p:cNvPr>
           <p:cNvSpPr>
             <a:spLocks noGrp="1"/>
           </p:cNvSpPr>
@@ -4491,7 +2738,13 @@
       </p:sp>
       <p:sp>
         <p:nvSpPr>
-          <p:cNvPr id="7" name="Slide Number Placeholder 6"/>
+          <p:cNvPr id="7" name="Slide Number Placeholder 6">
+            <a:extLst>
+              <a:ext uri="{FF2B5EF4-FFF2-40B4-BE49-F238E27FC236}">
+                <a16:creationId xmlns:a16="http://schemas.microsoft.com/office/drawing/2014/main" id="{DA321A52-FFAB-418E-BAF9-893927FF238E}"/>
+              </a:ext>
+            </a:extLst>
+          </p:cNvPr>
           <p:cNvSpPr>
             <a:spLocks noGrp="1"/>
           </p:cNvSpPr>
@@ -4515,7 +2768,7 @@
     </p:spTree>
     <p:extLst>
       <p:ext uri="{BB962C8B-B14F-4D97-AF65-F5344CB8AC3E}">
-        <p14:creationId xmlns:p14="http://schemas.microsoft.com/office/powerpoint/2010/main" val="2132030809"/>
+        <p14:creationId xmlns:p14="http://schemas.microsoft.com/office/powerpoint/2010/main" val="3921391329"/>
       </p:ext>
     </p:extLst>
   </p:cSld>
@@ -4529,8 +2782,8 @@
 <p:sldMaster xmlns:a="http://schemas.openxmlformats.org/drawingml/2006/main" xmlns:r="http://schemas.openxmlformats.org/officeDocument/2006/relationships" xmlns:p="http://schemas.openxmlformats.org/presentationml/2006/main">
   <p:cSld>
     <p:bg>
-      <p:bgRef idx="1002">
-        <a:schemeClr val="bg2"/>
+      <p:bgRef idx="1001">
+        <a:schemeClr val="bg1"/>
       </p:bgRef>
     </p:bg>
     <p:spTree>
@@ -4547,199 +2800,15 @@
           <a:chExt cx="0" cy="0"/>
         </a:xfrm>
       </p:grpSpPr>
-      <p:grpSp>
-        <p:nvGrpSpPr>
-          <p:cNvPr id="7" name="Group 6"/>
-          <p:cNvGrpSpPr/>
-          <p:nvPr/>
-        </p:nvGrpSpPr>
-        <p:grpSpPr>
-          <a:xfrm>
-            <a:off x="9206969" y="2963333"/>
-            <a:ext cx="2981858" cy="3208867"/>
-            <a:chOff x="9206969" y="2963333"/>
-            <a:chExt cx="2981858" cy="3208867"/>
-          </a:xfrm>
-        </p:grpSpPr>
-        <p:cxnSp>
-          <p:nvCxnSpPr>
-            <p:cNvPr id="8" name="Straight Connector 7"/>
-            <p:cNvCxnSpPr/>
-            <p:nvPr/>
-          </p:nvCxnSpPr>
-          <p:spPr>
-            <a:xfrm flipH="1">
-              <a:off x="11276012" y="2963333"/>
-              <a:ext cx="912814" cy="912812"/>
-            </a:xfrm>
-            <a:prstGeom prst="line">
-              <a:avLst/>
-            </a:prstGeom>
-            <a:ln w="9525">
-              <a:solidFill>
-                <a:schemeClr val="tx1"/>
-              </a:solidFill>
-            </a:ln>
-          </p:spPr>
-          <p:style>
-            <a:lnRef idx="2">
-              <a:schemeClr val="accent1"/>
-            </a:lnRef>
-            <a:fillRef idx="0">
-              <a:schemeClr val="accent1"/>
-            </a:fillRef>
-            <a:effectRef idx="1">
-              <a:schemeClr val="accent1"/>
-            </a:effectRef>
-            <a:fontRef idx="minor">
-              <a:schemeClr val="tx1"/>
-            </a:fontRef>
-          </p:style>
-        </p:cxnSp>
-        <p:cxnSp>
-          <p:nvCxnSpPr>
-            <p:cNvPr id="9" name="Straight Connector 8"/>
-            <p:cNvCxnSpPr/>
-            <p:nvPr/>
-          </p:nvCxnSpPr>
-          <p:spPr>
-            <a:xfrm flipH="1">
-              <a:off x="9206969" y="3190344"/>
-              <a:ext cx="2981857" cy="2981856"/>
-            </a:xfrm>
-            <a:prstGeom prst="line">
-              <a:avLst/>
-            </a:prstGeom>
-            <a:ln w="9525">
-              <a:solidFill>
-                <a:schemeClr val="tx1"/>
-              </a:solidFill>
-            </a:ln>
-          </p:spPr>
-          <p:style>
-            <a:lnRef idx="2">
-              <a:schemeClr val="accent1"/>
-            </a:lnRef>
-            <a:fillRef idx="0">
-              <a:schemeClr val="accent1"/>
-            </a:fillRef>
-            <a:effectRef idx="1">
-              <a:schemeClr val="accent1"/>
-            </a:effectRef>
-            <a:fontRef idx="minor">
-              <a:schemeClr val="tx1"/>
-            </a:fontRef>
-          </p:style>
-        </p:cxnSp>
-        <p:cxnSp>
-          <p:nvCxnSpPr>
-            <p:cNvPr id="10" name="Straight Connector 9"/>
-            <p:cNvCxnSpPr/>
-            <p:nvPr/>
-          </p:nvCxnSpPr>
-          <p:spPr>
-            <a:xfrm flipH="1">
-              <a:off x="10292292" y="3285067"/>
-              <a:ext cx="1896534" cy="1896533"/>
-            </a:xfrm>
-            <a:prstGeom prst="line">
-              <a:avLst/>
-            </a:prstGeom>
-            <a:ln w="9525">
-              <a:solidFill>
-                <a:schemeClr val="tx1"/>
-              </a:solidFill>
-            </a:ln>
-          </p:spPr>
-          <p:style>
-            <a:lnRef idx="2">
-              <a:schemeClr val="accent1"/>
-            </a:lnRef>
-            <a:fillRef idx="0">
-              <a:schemeClr val="accent1"/>
-            </a:fillRef>
-            <a:effectRef idx="1">
-              <a:schemeClr val="accent1"/>
-            </a:effectRef>
-            <a:fontRef idx="minor">
-              <a:schemeClr val="tx1"/>
-            </a:fontRef>
-          </p:style>
-        </p:cxnSp>
-        <p:cxnSp>
-          <p:nvCxnSpPr>
-            <p:cNvPr id="11" name="Straight Connector 10"/>
-            <p:cNvCxnSpPr/>
-            <p:nvPr/>
-          </p:nvCxnSpPr>
-          <p:spPr>
-            <a:xfrm flipH="1">
-              <a:off x="10443103" y="3131080"/>
-              <a:ext cx="1745722" cy="1745720"/>
-            </a:xfrm>
-            <a:prstGeom prst="line">
-              <a:avLst/>
-            </a:prstGeom>
-            <a:ln w="28575">
-              <a:solidFill>
-                <a:schemeClr val="tx1"/>
-              </a:solidFill>
-            </a:ln>
-          </p:spPr>
-          <p:style>
-            <a:lnRef idx="2">
-              <a:schemeClr val="accent1"/>
-            </a:lnRef>
-            <a:fillRef idx="0">
-              <a:schemeClr val="accent1"/>
-            </a:fillRef>
-            <a:effectRef idx="1">
-              <a:schemeClr val="accent1"/>
-            </a:effectRef>
-            <a:fontRef idx="minor">
-              <a:schemeClr val="tx1"/>
-            </a:fontRef>
-          </p:style>
-        </p:cxnSp>
-        <p:cxnSp>
-          <p:nvCxnSpPr>
-            <p:cNvPr id="12" name="Straight Connector 11"/>
-            <p:cNvCxnSpPr/>
-            <p:nvPr/>
-          </p:nvCxnSpPr>
-          <p:spPr>
-            <a:xfrm flipH="1">
-              <a:off x="10918826" y="3683001"/>
-              <a:ext cx="1270001" cy="1269999"/>
-            </a:xfrm>
-            <a:prstGeom prst="line">
-              <a:avLst/>
-            </a:prstGeom>
-            <a:ln w="28575">
-              <a:solidFill>
-                <a:schemeClr val="tx1"/>
-              </a:solidFill>
-            </a:ln>
-          </p:spPr>
-          <p:style>
-            <a:lnRef idx="2">
-              <a:schemeClr val="accent1"/>
-            </a:lnRef>
-            <a:fillRef idx="0">
-              <a:schemeClr val="accent1"/>
-            </a:fillRef>
-            <a:effectRef idx="1">
-              <a:schemeClr val="accent1"/>
-            </a:effectRef>
-            <a:fontRef idx="minor">
-              <a:schemeClr val="tx1"/>
-            </a:fontRef>
-          </p:style>
-        </p:cxnSp>
-      </p:grpSp>
-      <p:sp>
-        <p:nvSpPr>
-          <p:cNvPr id="2" name="Title Placeholder 1"/>
+      <p:sp>
+        <p:nvSpPr>
+          <p:cNvPr id="2" name="Title Placeholder 1">
+            <a:extLst>
+              <a:ext uri="{FF2B5EF4-FFF2-40B4-BE49-F238E27FC236}">
+                <a16:creationId xmlns:a16="http://schemas.microsoft.com/office/drawing/2014/main" id="{086D4861-E7B0-044C-38C2-AD474557E5FB}"/>
+              </a:ext>
+            </a:extLst>
+          </p:cNvPr>
           <p:cNvSpPr>
             <a:spLocks noGrp="1"/>
           </p:cNvSpPr>
@@ -4749,42 +2818,8 @@
         </p:nvSpPr>
         <p:spPr>
           <a:xfrm>
-            <a:off x="684212" y="4487332"/>
-            <a:ext cx="8534400" cy="1507067"/>
-          </a:xfrm>
-          <a:prstGeom prst="rect">
-            <a:avLst/>
-          </a:prstGeom>
-          <a:effectLst/>
-        </p:spPr>
-        <p:txBody>
-          <a:bodyPr vert="horz" lIns="91440" tIns="45720" rIns="91440" bIns="45720" rtlCol="0" anchor="ctr">
-            <a:normAutofit/>
-          </a:bodyPr>
-          <a:lstStyle/>
-          <a:p>
-            <a:r>
-              <a:rPr lang="en-US"/>
-              <a:t>Click to edit Master title style</a:t>
-            </a:r>
-            <a:endParaRPr lang="en-US" dirty="0"/>
-          </a:p>
-        </p:txBody>
-      </p:sp>
-      <p:sp>
-        <p:nvSpPr>
-          <p:cNvPr id="3" name="Text Placeholder 2"/>
-          <p:cNvSpPr>
-            <a:spLocks noGrp="1"/>
-          </p:cNvSpPr>
-          <p:nvPr>
-            <p:ph type="body" idx="1"/>
-          </p:nvPr>
-        </p:nvSpPr>
-        <p:spPr>
-          <a:xfrm>
-            <a:off x="684212" y="685800"/>
-            <a:ext cx="8534400" cy="3615267"/>
+            <a:off x="838200" y="365125"/>
+            <a:ext cx="10515600" cy="1325563"/>
           </a:xfrm>
           <a:prstGeom prst="rect">
             <a:avLst/>
@@ -4796,156 +2831,205 @@
           </a:bodyPr>
           <a:lstStyle/>
           <a:p>
-            <a:pPr lvl="0"/>
             <a:r>
               <a:rPr lang="en-US"/>
-              <a:t>Click to edit Master text styles</a:t>
-            </a:r>
-          </a:p>
-          <a:p>
-            <a:pPr lvl="1"/>
-            <a:r>
-              <a:rPr lang="en-US"/>
-              <a:t>Second level</a:t>
-            </a:r>
-          </a:p>
-          <a:p>
-            <a:pPr lvl="2"/>
-            <a:r>
-              <a:rPr lang="en-US"/>
-              <a:t>Third level</a:t>
-            </a:r>
-          </a:p>
-          <a:p>
-            <a:pPr lvl="3"/>
-            <a:r>
-              <a:rPr lang="en-US"/>
-              <a:t>Fourth level</a:t>
-            </a:r>
-          </a:p>
-          <a:p>
-            <a:pPr lvl="4"/>
-            <a:r>
-              <a:rPr lang="en-US"/>
-              <a:t>Fifth level</a:t>
-            </a:r>
-            <a:endParaRPr lang="en-US" dirty="0"/>
-          </a:p>
-        </p:txBody>
-      </p:sp>
-      <p:sp>
-        <p:nvSpPr>
-          <p:cNvPr id="4" name="Date Placeholder 3"/>
-          <p:cNvSpPr>
-            <a:spLocks noGrp="1"/>
-          </p:cNvSpPr>
-          <p:nvPr>
-            <p:ph type="dt" sz="half" idx="2"/>
+              <a:t>Click to edit Master title style</a:t>
+            </a:r>
+          </a:p>
+        </p:txBody>
+      </p:sp>
+      <p:sp>
+        <p:nvSpPr>
+          <p:cNvPr id="3" name="Text Placeholder 2">
+            <a:extLst>
+              <a:ext uri="{FF2B5EF4-FFF2-40B4-BE49-F238E27FC236}">
+                <a16:creationId xmlns:a16="http://schemas.microsoft.com/office/drawing/2014/main" id="{748D6F16-2D31-2D0A-9265-4399DD49A1BA}"/>
+              </a:ext>
+            </a:extLst>
+          </p:cNvPr>
+          <p:cNvSpPr>
+            <a:spLocks noGrp="1"/>
+          </p:cNvSpPr>
+          <p:nvPr>
+            <p:ph type="body" idx="1"/>
           </p:nvPr>
         </p:nvSpPr>
         <p:spPr>
           <a:xfrm>
-            <a:off x="9904412" y="6172200"/>
-            <a:ext cx="1600200" cy="365125"/>
+            <a:off x="838200" y="1825625"/>
+            <a:ext cx="10515600" cy="4351338"/>
           </a:xfrm>
           <a:prstGeom prst="rect">
             <a:avLst/>
           </a:prstGeom>
         </p:spPr>
         <p:txBody>
-          <a:bodyPr vert="horz" lIns="91440" tIns="45720" rIns="91440" bIns="45720" rtlCol="0" anchor="t"/>
-          <a:lstStyle>
-            <a:lvl1pPr algn="r">
-              <a:defRPr sz="1000" b="0" i="0">
-                <a:solidFill>
-                  <a:schemeClr val="bg2">
-                    <a:lumMod val="50000"/>
-                  </a:schemeClr>
-                </a:solidFill>
-                <a:effectLst/>
-                <a:latin typeface="+mn-lt"/>
-              </a:defRPr>
-            </a:lvl1pPr>
-          </a:lstStyle>
-          <a:p>
-            <a:fld id="{73081320-CFC6-409D-A552-76F9BE3B388C}" type="datetimeFigureOut">
-              <a:rPr lang="en-US" smtClean="0"/>
-              <a:t>5/4/2023</a:t>
-            </a:fld>
-            <a:endParaRPr lang="en-US"/>
-          </a:p>
-        </p:txBody>
-      </p:sp>
-      <p:sp>
-        <p:nvSpPr>
-          <p:cNvPr id="5" name="Footer Placeholder 4"/>
-          <p:cNvSpPr>
-            <a:spLocks noGrp="1"/>
-          </p:cNvSpPr>
-          <p:nvPr>
-            <p:ph type="ftr" sz="quarter" idx="3"/>
+          <a:bodyPr vert="horz" lIns="91440" tIns="45720" rIns="91440" bIns="45720" rtlCol="0">
+            <a:normAutofit/>
+          </a:bodyPr>
+          <a:lstStyle/>
+          <a:p>
+            <a:pPr lvl="0"/>
+            <a:r>
+              <a:rPr lang="en-US"/>
+              <a:t>Click to edit Master text styles</a:t>
+            </a:r>
+          </a:p>
+          <a:p>
+            <a:pPr lvl="1"/>
+            <a:r>
+              <a:rPr lang="en-US"/>
+              <a:t>Second level</a:t>
+            </a:r>
+          </a:p>
+          <a:p>
+            <a:pPr lvl="2"/>
+            <a:r>
+              <a:rPr lang="en-US"/>
+              <a:t>Third level</a:t>
+            </a:r>
+          </a:p>
+          <a:p>
+            <a:pPr lvl="3"/>
+            <a:r>
+              <a:rPr lang="en-US"/>
+              <a:t>Fourth level</a:t>
+            </a:r>
+          </a:p>
+          <a:p>
+            <a:pPr lvl="4"/>
+            <a:r>
+              <a:rPr lang="en-US"/>
+              <a:t>Fifth level</a:t>
+            </a:r>
+          </a:p>
+        </p:txBody>
+      </p:sp>
+      <p:sp>
+        <p:nvSpPr>
+          <p:cNvPr id="4" name="Date Placeholder 3">
+            <a:extLst>
+              <a:ext uri="{FF2B5EF4-FFF2-40B4-BE49-F238E27FC236}">
+                <a16:creationId xmlns:a16="http://schemas.microsoft.com/office/drawing/2014/main" id="{DF8AA87F-8B48-DAB2-5F47-1B1C2E671826}"/>
+              </a:ext>
+            </a:extLst>
+          </p:cNvPr>
+          <p:cNvSpPr>
+            <a:spLocks noGrp="1"/>
+          </p:cNvSpPr>
+          <p:nvPr>
+            <p:ph type="dt" sz="half" idx="2"/>
           </p:nvPr>
         </p:nvSpPr>
         <p:spPr>
           <a:xfrm>
-            <a:off x="684212" y="6172200"/>
-            <a:ext cx="7543800" cy="365125"/>
+            <a:off x="838200" y="6356350"/>
+            <a:ext cx="2743200" cy="365125"/>
           </a:xfrm>
           <a:prstGeom prst="rect">
             <a:avLst/>
           </a:prstGeom>
         </p:spPr>
         <p:txBody>
-          <a:bodyPr vert="horz" lIns="91440" tIns="45720" rIns="91440" bIns="45720" rtlCol="0" anchor="t"/>
+          <a:bodyPr vert="horz" lIns="91440" tIns="45720" rIns="91440" bIns="45720" rtlCol="0" anchor="ctr"/>
           <a:lstStyle>
             <a:lvl1pPr algn="l">
-              <a:defRPr sz="1000" b="0" i="0">
+              <a:defRPr sz="1200">
                 <a:solidFill>
-                  <a:schemeClr val="bg2">
-                    <a:lumMod val="50000"/>
+                  <a:schemeClr val="tx1">
+                    <a:tint val="75000"/>
                   </a:schemeClr>
                 </a:solidFill>
-                <a:effectLst/>
-                <a:latin typeface="+mn-lt"/>
               </a:defRPr>
             </a:lvl1pPr>
           </a:lstStyle>
           <a:p>
+            <a:fld id="{73081320-CFC6-409D-A552-76F9BE3B388C}" type="datetimeFigureOut">
+              <a:rPr lang="en-US" smtClean="0"/>
+              <a:t>8/16/2023</a:t>
+            </a:fld>
             <a:endParaRPr lang="en-US"/>
           </a:p>
         </p:txBody>
       </p:sp>
       <p:sp>
         <p:nvSpPr>
-          <p:cNvPr id="6" name="Slide Number Placeholder 5"/>
-          <p:cNvSpPr>
-            <a:spLocks noGrp="1"/>
-          </p:cNvSpPr>
-          <p:nvPr>
-            <p:ph type="sldNum" sz="quarter" idx="4"/>
+          <p:cNvPr id="5" name="Footer Placeholder 4">
+            <a:extLst>
+              <a:ext uri="{FF2B5EF4-FFF2-40B4-BE49-F238E27FC236}">
+                <a16:creationId xmlns:a16="http://schemas.microsoft.com/office/drawing/2014/main" id="{8F24BC70-E469-7121-DE34-F55C4939C568}"/>
+              </a:ext>
+            </a:extLst>
+          </p:cNvPr>
+          <p:cNvSpPr>
+            <a:spLocks noGrp="1"/>
+          </p:cNvSpPr>
+          <p:nvPr>
+            <p:ph type="ftr" sz="quarter" idx="3"/>
           </p:nvPr>
         </p:nvSpPr>
         <p:spPr>
           <a:xfrm>
-            <a:off x="10363200" y="5578475"/>
-            <a:ext cx="1142245" cy="669925"/>
+            <a:off x="4038600" y="6356350"/>
+            <a:ext cx="4114800" cy="365125"/>
           </a:xfrm>
           <a:prstGeom prst="rect">
             <a:avLst/>
           </a:prstGeom>
         </p:spPr>
         <p:txBody>
-          <a:bodyPr vert="horz" lIns="91440" tIns="45720" rIns="91440" bIns="45720" rtlCol="0" anchor="b"/>
+          <a:bodyPr vert="horz" lIns="91440" tIns="45720" rIns="91440" bIns="45720" rtlCol="0" anchor="ctr"/>
+          <a:lstStyle>
+            <a:lvl1pPr algn="ctr">
+              <a:defRPr sz="1200">
+                <a:solidFill>
+                  <a:schemeClr val="tx1">
+                    <a:tint val="75000"/>
+                  </a:schemeClr>
+                </a:solidFill>
+              </a:defRPr>
+            </a:lvl1pPr>
+          </a:lstStyle>
+          <a:p>
+            <a:endParaRPr lang="en-US"/>
+          </a:p>
+        </p:txBody>
+      </p:sp>
+      <p:sp>
+        <p:nvSpPr>
+          <p:cNvPr id="6" name="Slide Number Placeholder 5">
+            <a:extLst>
+              <a:ext uri="{FF2B5EF4-FFF2-40B4-BE49-F238E27FC236}">
+                <a16:creationId xmlns:a16="http://schemas.microsoft.com/office/drawing/2014/main" id="{91AD20CA-6DF5-2219-CFB4-D3E5A77701DF}"/>
+              </a:ext>
+            </a:extLst>
+          </p:cNvPr>
+          <p:cNvSpPr>
+            <a:spLocks noGrp="1"/>
+          </p:cNvSpPr>
+          <p:nvPr>
+            <p:ph type="sldNum" sz="quarter" idx="4"/>
+          </p:nvPr>
+        </p:nvSpPr>
+        <p:spPr>
+          <a:xfrm>
+            <a:off x="8610600" y="6356350"/>
+            <a:ext cx="2743200" cy="365125"/>
+          </a:xfrm>
+          <a:prstGeom prst="rect">
+            <a:avLst/>
+          </a:prstGeom>
+        </p:spPr>
+        <p:txBody>
+          <a:bodyPr vert="horz" lIns="91440" tIns="45720" rIns="91440" bIns="45720" rtlCol="0" anchor="ctr"/>
           <a:lstStyle>
             <a:lvl1pPr algn="r">
-              <a:defRPr sz="3200" b="0" i="0">
+              <a:defRPr sz="1200">
                 <a:solidFill>
-                  <a:schemeClr val="bg2">
-                    <a:lumMod val="50000"/>
+                  <a:schemeClr val="tx1">
+                    <a:tint val="75000"/>
                   </a:schemeClr>
                 </a:solidFill>
-                <a:effectLst/>
-                <a:latin typeface="+mn-lt"/>
               </a:defRPr>
             </a:lvl1pPr>
           </a:lstStyle>
@@ -4961,328 +3045,202 @@
     </p:spTree>
     <p:extLst>
       <p:ext uri="{BB962C8B-B14F-4D97-AF65-F5344CB8AC3E}">
-        <p14:creationId xmlns:p14="http://schemas.microsoft.com/office/powerpoint/2010/main" val="4224975563"/>
+        <p14:creationId xmlns:p14="http://schemas.microsoft.com/office/powerpoint/2010/main" val="2627272791"/>
       </p:ext>
     </p:extLst>
   </p:cSld>
-  <p:clrMap bg1="dk1" tx1="lt1" bg2="dk2" tx2="lt2" accent1="accent1" accent2="accent2" accent3="accent3" accent4="accent4" accent5="accent5" accent6="accent6" hlink="hlink" folHlink="folHlink"/>
+  <p:clrMap bg1="lt1" tx1="dk1" bg2="lt2" tx2="dk2" accent1="accent1" accent2="accent2" accent3="accent3" accent4="accent4" accent5="accent5" accent6="accent6" hlink="hlink" folHlink="folHlink"/>
   <p:sldLayoutIdLst>
-    <p:sldLayoutId id="2147483661" r:id="rId1"/>
-    <p:sldLayoutId id="2147483662" r:id="rId2"/>
-    <p:sldLayoutId id="2147483663" r:id="rId3"/>
-    <p:sldLayoutId id="2147483664" r:id="rId4"/>
-    <p:sldLayoutId id="2147483665" r:id="rId5"/>
-    <p:sldLayoutId id="2147483666" r:id="rId6"/>
-    <p:sldLayoutId id="2147483667" r:id="rId7"/>
-    <p:sldLayoutId id="2147483668" r:id="rId8"/>
-    <p:sldLayoutId id="2147483669" r:id="rId9"/>
-    <p:sldLayoutId id="2147483670" r:id="rId10"/>
-    <p:sldLayoutId id="2147483671" r:id="rId11"/>
-    <p:sldLayoutId id="2147483672" r:id="rId12"/>
-    <p:sldLayoutId id="2147483673" r:id="rId13"/>
-    <p:sldLayoutId id="2147483674" r:id="rId14"/>
-    <p:sldLayoutId id="2147483675" r:id="rId15"/>
-    <p:sldLayoutId id="2147483676" r:id="rId16"/>
-    <p:sldLayoutId id="2147483677" r:id="rId17"/>
+    <p:sldLayoutId id="2147483679" r:id="rId1"/>
+    <p:sldLayoutId id="2147483680" r:id="rId2"/>
+    <p:sldLayoutId id="2147483681" r:id="rId3"/>
+    <p:sldLayoutId id="2147483682" r:id="rId4"/>
+    <p:sldLayoutId id="2147483683" r:id="rId5"/>
+    <p:sldLayoutId id="2147483684" r:id="rId6"/>
+    <p:sldLayoutId id="2147483685" r:id="rId7"/>
+    <p:sldLayoutId id="2147483686" r:id="rId8"/>
+    <p:sldLayoutId id="2147483687" r:id="rId9"/>
+    <p:sldLayoutId id="2147483688" r:id="rId10"/>
+    <p:sldLayoutId id="2147483689" r:id="rId11"/>
   </p:sldLayoutIdLst>
   <p:txStyles>
     <p:titleStyle>
-      <a:lvl1pPr algn="l" defTabSz="457200" rtl="0" eaLnBrk="1" latinLnBrk="0" hangingPunct="1">
+      <a:lvl1pPr algn="l" defTabSz="914400" rtl="0" eaLnBrk="1" latinLnBrk="0" hangingPunct="1">
+        <a:lnSpc>
+          <a:spcPct val="90000"/>
+        </a:lnSpc>
         <a:spcBef>
           <a:spcPct val="0"/>
         </a:spcBef>
         <a:buNone/>
-        <a:defRPr sz="3600" kern="1200" cap="all">
-          <a:ln w="3175" cmpd="sng">
-            <a:noFill/>
-          </a:ln>
+        <a:defRPr sz="4400" kern="1200">
           <a:solidFill>
             <a:schemeClr val="tx1"/>
           </a:solidFill>
-          <a:effectLst/>
           <a:latin typeface="+mj-lt"/>
           <a:ea typeface="+mj-ea"/>
           <a:cs typeface="+mj-cs"/>
         </a:defRPr>
       </a:lvl1pPr>
-      <a:lvl2pPr eaLnBrk="1" hangingPunct="1">
-        <a:defRPr>
-          <a:solidFill>
-            <a:schemeClr val="tx2"/>
-          </a:solidFill>
-        </a:defRPr>
-      </a:lvl2pPr>
-      <a:lvl3pPr eaLnBrk="1" hangingPunct="1">
-        <a:defRPr>
-          <a:solidFill>
-            <a:schemeClr val="tx2"/>
-          </a:solidFill>
-        </a:defRPr>
-      </a:lvl3pPr>
-      <a:lvl4pPr eaLnBrk="1" hangingPunct="1">
-        <a:defRPr>
-          <a:solidFill>
-            <a:schemeClr val="tx2"/>
-          </a:solidFill>
-        </a:defRPr>
-      </a:lvl4pPr>
-      <a:lvl5pPr eaLnBrk="1" hangingPunct="1">
-        <a:defRPr>
-          <a:solidFill>
-            <a:schemeClr val="tx2"/>
-          </a:solidFill>
-        </a:defRPr>
-      </a:lvl5pPr>
-      <a:lvl6pPr eaLnBrk="1" hangingPunct="1">
-        <a:defRPr>
-          <a:solidFill>
-            <a:schemeClr val="tx2"/>
-          </a:solidFill>
-        </a:defRPr>
-      </a:lvl6pPr>
-      <a:lvl7pPr eaLnBrk="1" hangingPunct="1">
-        <a:defRPr>
-          <a:solidFill>
-            <a:schemeClr val="tx2"/>
-          </a:solidFill>
-        </a:defRPr>
-      </a:lvl7pPr>
-      <a:lvl8pPr eaLnBrk="1" hangingPunct="1">
-        <a:defRPr>
-          <a:solidFill>
-            <a:schemeClr val="tx2"/>
-          </a:solidFill>
-        </a:defRPr>
-      </a:lvl8pPr>
-      <a:lvl9pPr eaLnBrk="1" hangingPunct="1">
-        <a:defRPr>
-          <a:solidFill>
-            <a:schemeClr val="tx2"/>
-          </a:solidFill>
-        </a:defRPr>
-      </a:lvl9pPr>
     </p:titleStyle>
     <p:bodyStyle>
-      <a:lvl1pPr marL="285750" indent="-285750" algn="l" defTabSz="457200" rtl="0" eaLnBrk="1" latinLnBrk="0" hangingPunct="1">
+      <a:lvl1pPr marL="228600" indent="-228600" algn="l" defTabSz="914400" rtl="0" eaLnBrk="1" latinLnBrk="0" hangingPunct="1">
+        <a:lnSpc>
+          <a:spcPct val="90000"/>
+        </a:lnSpc>
         <a:spcBef>
-          <a:spcPct val="20000"/>
+          <a:spcPts val="1000"/>
         </a:spcBef>
-        <a:spcAft>
-          <a:spcPts val="600"/>
-        </a:spcAft>
-        <a:buClr>
-          <a:schemeClr val="tx1"/>
-        </a:buClr>
-        <a:buSzPct val="80000"/>
-        <a:buFont typeface="Wingdings 3" panose="05040102010807070707" pitchFamily="18" charset="2"/>
-        <a:buChar char=""/>
-        <a:defRPr sz="2000" kern="1200" cap="none">
+        <a:buFont typeface="Arial" panose="020B0604020202020204" pitchFamily="34" charset="0"/>
+        <a:buChar char="•"/>
+        <a:defRPr sz="2800" kern="1200">
           <a:solidFill>
-            <a:schemeClr val="bg2">
-              <a:lumMod val="75000"/>
-            </a:schemeClr>
+            <a:schemeClr val="tx1"/>
           </a:solidFill>
-          <a:effectLst/>
           <a:latin typeface="+mn-lt"/>
           <a:ea typeface="+mn-ea"/>
           <a:cs typeface="+mn-cs"/>
         </a:defRPr>
       </a:lvl1pPr>
-      <a:lvl2pPr marL="742950" indent="-285750" algn="l" defTabSz="457200" rtl="0" eaLnBrk="1" latinLnBrk="0" hangingPunct="1">
+      <a:lvl2pPr marL="685800" indent="-228600" algn="l" defTabSz="914400" rtl="0" eaLnBrk="1" latinLnBrk="0" hangingPunct="1">
+        <a:lnSpc>
+          <a:spcPct val="90000"/>
+        </a:lnSpc>
         <a:spcBef>
-          <a:spcPct val="20000"/>
+          <a:spcPts val="500"/>
         </a:spcBef>
-        <a:spcAft>
-          <a:spcPts val="600"/>
-        </a:spcAft>
-        <a:buClr>
-          <a:schemeClr val="tx1"/>
-        </a:buClr>
-        <a:buSzPct val="80000"/>
-        <a:buFont typeface="Wingdings 3" panose="05040102010807070707" pitchFamily="18" charset="2"/>
-        <a:buChar char=""/>
-        <a:defRPr sz="1800" kern="1200" cap="none">
+        <a:buFont typeface="Arial" panose="020B0604020202020204" pitchFamily="34" charset="0"/>
+        <a:buChar char="•"/>
+        <a:defRPr sz="2400" kern="1200">
           <a:solidFill>
-            <a:schemeClr val="bg2">
-              <a:lumMod val="75000"/>
-            </a:schemeClr>
+            <a:schemeClr val="tx1"/>
           </a:solidFill>
-          <a:effectLst/>
           <a:latin typeface="+mn-lt"/>
           <a:ea typeface="+mn-ea"/>
           <a:cs typeface="+mn-cs"/>
         </a:defRPr>
       </a:lvl2pPr>
-      <a:lvl3pPr marL="1200150" indent="-285750" algn="l" defTabSz="457200" rtl="0" eaLnBrk="1" latinLnBrk="0" hangingPunct="1">
+      <a:lvl3pPr marL="1143000" indent="-228600" algn="l" defTabSz="914400" rtl="0" eaLnBrk="1" latinLnBrk="0" hangingPunct="1">
+        <a:lnSpc>
+          <a:spcPct val="90000"/>
+        </a:lnSpc>
         <a:spcBef>
-          <a:spcPct val="20000"/>
+          <a:spcPts val="500"/>
         </a:spcBef>
-        <a:spcAft>
-          <a:spcPts val="600"/>
-        </a:spcAft>
-        <a:buClr>
-          <a:schemeClr val="tx1"/>
-        </a:buClr>
-        <a:buSzPct val="80000"/>
-        <a:buFont typeface="Wingdings 3" panose="05040102010807070707" pitchFamily="18" charset="2"/>
-        <a:buChar char=""/>
-        <a:defRPr sz="1600" kern="1200" cap="none">
+        <a:buFont typeface="Arial" panose="020B0604020202020204" pitchFamily="34" charset="0"/>
+        <a:buChar char="•"/>
+        <a:defRPr sz="2000" kern="1200">
           <a:solidFill>
-            <a:schemeClr val="bg2">
-              <a:lumMod val="75000"/>
-            </a:schemeClr>
+            <a:schemeClr val="tx1"/>
           </a:solidFill>
-          <a:effectLst/>
           <a:latin typeface="+mn-lt"/>
           <a:ea typeface="+mn-ea"/>
           <a:cs typeface="+mn-cs"/>
         </a:defRPr>
       </a:lvl3pPr>
-      <a:lvl4pPr marL="1543050" indent="-171450" algn="l" defTabSz="457200" rtl="0" eaLnBrk="1" latinLnBrk="0" hangingPunct="1">
+      <a:lvl4pPr marL="1600200" indent="-228600" algn="l" defTabSz="914400" rtl="0" eaLnBrk="1" latinLnBrk="0" hangingPunct="1">
+        <a:lnSpc>
+          <a:spcPct val="90000"/>
+        </a:lnSpc>
         <a:spcBef>
-          <a:spcPct val="20000"/>
+          <a:spcPts val="500"/>
         </a:spcBef>
-        <a:spcAft>
-          <a:spcPts val="600"/>
-        </a:spcAft>
-        <a:buClr>
-          <a:schemeClr val="tx1"/>
-        </a:buClr>
-        <a:buSzPct val="80000"/>
-        <a:buFont typeface="Wingdings 3" panose="05040102010807070707" pitchFamily="18" charset="2"/>
-        <a:buChar char=""/>
-        <a:defRPr sz="1400" kern="1200" cap="none">
+        <a:buFont typeface="Arial" panose="020B0604020202020204" pitchFamily="34" charset="0"/>
+        <a:buChar char="•"/>
+        <a:defRPr sz="1800" kern="1200">
           <a:solidFill>
-            <a:schemeClr val="bg2">
-              <a:lumMod val="75000"/>
-            </a:schemeClr>
+            <a:schemeClr val="tx1"/>
           </a:solidFill>
-          <a:effectLst/>
           <a:latin typeface="+mn-lt"/>
           <a:ea typeface="+mn-ea"/>
           <a:cs typeface="+mn-cs"/>
         </a:defRPr>
       </a:lvl4pPr>
-      <a:lvl5pPr marL="2000250" indent="-171450" algn="l" defTabSz="457200" rtl="0" eaLnBrk="1" latinLnBrk="0" hangingPunct="1">
+      <a:lvl5pPr marL="2057400" indent="-228600" algn="l" defTabSz="914400" rtl="0" eaLnBrk="1" latinLnBrk="0" hangingPunct="1">
+        <a:lnSpc>
+          <a:spcPct val="90000"/>
+        </a:lnSpc>
         <a:spcBef>
-          <a:spcPct val="20000"/>
+          <a:spcPts val="500"/>
         </a:spcBef>
-        <a:spcAft>
-          <a:spcPts val="600"/>
-        </a:spcAft>
-        <a:buClr>
-          <a:schemeClr val="tx1"/>
-        </a:buClr>
-        <a:buSzPct val="80000"/>
-        <a:buFont typeface="Wingdings 3" panose="05040102010807070707" pitchFamily="18" charset="2"/>
-        <a:buChar char=""/>
-        <a:defRPr sz="1400" kern="1200" cap="none">
+        <a:buFont typeface="Arial" panose="020B0604020202020204" pitchFamily="34" charset="0"/>
+        <a:buChar char="•"/>
+        <a:defRPr sz="1800" kern="1200">
           <a:solidFill>
-            <a:schemeClr val="bg2">
-              <a:lumMod val="75000"/>
-            </a:schemeClr>
+            <a:schemeClr val="tx1"/>
           </a:solidFill>
-          <a:effectLst/>
           <a:latin typeface="+mn-lt"/>
           <a:ea typeface="+mn-ea"/>
           <a:cs typeface="+mn-cs"/>
         </a:defRPr>
       </a:lvl5pPr>
-      <a:lvl6pPr marL="2514600" indent="-228600" algn="l" defTabSz="457200" rtl="0" eaLnBrk="1" latinLnBrk="0" hangingPunct="1">
+      <a:lvl6pPr marL="2514600" indent="-228600" algn="l" defTabSz="914400" rtl="0" eaLnBrk="1" latinLnBrk="0" hangingPunct="1">
+        <a:lnSpc>
+          <a:spcPct val="90000"/>
+        </a:lnSpc>
         <a:spcBef>
-          <a:spcPct val="20000"/>
+          <a:spcPts val="500"/>
         </a:spcBef>
-        <a:spcAft>
-          <a:spcPts val="600"/>
-        </a:spcAft>
-        <a:buClr>
-          <a:schemeClr val="tx1"/>
-        </a:buClr>
-        <a:buSzPct val="80000"/>
-        <a:buFont typeface="Wingdings 3" panose="05040102010807070707" pitchFamily="18" charset="2"/>
-        <a:buChar char=""/>
-        <a:defRPr sz="1400" kern="1200" cap="none">
+        <a:buFont typeface="Arial" panose="020B0604020202020204" pitchFamily="34" charset="0"/>
+        <a:buChar char="•"/>
+        <a:defRPr sz="1800" kern="1200">
           <a:solidFill>
-            <a:schemeClr val="bg2">
-              <a:lumMod val="75000"/>
-            </a:schemeClr>
+            <a:schemeClr val="tx1"/>
           </a:solidFill>
-          <a:effectLst/>
           <a:latin typeface="+mn-lt"/>
           <a:ea typeface="+mn-ea"/>
           <a:cs typeface="+mn-cs"/>
         </a:defRPr>
       </a:lvl6pPr>
-      <a:lvl7pPr marL="2971800" indent="-228600" algn="l" defTabSz="457200" rtl="0" eaLnBrk="1" latinLnBrk="0" hangingPunct="1">
+      <a:lvl7pPr marL="2971800" indent="-228600" algn="l" defTabSz="914400" rtl="0" eaLnBrk="1" latinLnBrk="0" hangingPunct="1">
+        <a:lnSpc>
+          <a:spcPct val="90000"/>
+        </a:lnSpc>
         <a:spcBef>
-          <a:spcPct val="20000"/>
+          <a:spcPts val="500"/>
         </a:spcBef>
-        <a:spcAft>
-          <a:spcPts val="600"/>
-        </a:spcAft>
-        <a:buClr>
-          <a:schemeClr val="tx1"/>
-        </a:buClr>
-        <a:buSzPct val="80000"/>
-        <a:buFont typeface="Wingdings 3" panose="05040102010807070707" pitchFamily="18" charset="2"/>
-        <a:buChar char=""/>
-        <a:defRPr sz="1400" kern="1200" cap="none">
+        <a:buFont typeface="Arial" panose="020B0604020202020204" pitchFamily="34" charset="0"/>
+        <a:buChar char="•"/>
+        <a:defRPr sz="1800" kern="1200">
           <a:solidFill>
-            <a:schemeClr val="bg2">
-              <a:lumMod val="75000"/>
-            </a:schemeClr>
+            <a:schemeClr val="tx1"/>
           </a:solidFill>
-          <a:effectLst/>
           <a:latin typeface="+mn-lt"/>
           <a:ea typeface="+mn-ea"/>
           <a:cs typeface="+mn-cs"/>
         </a:defRPr>
       </a:lvl7pPr>
-      <a:lvl8pPr marL="3429000" indent="-228600" algn="l" defTabSz="457200" rtl="0" eaLnBrk="1" latinLnBrk="0" hangingPunct="1">
+      <a:lvl8pPr marL="3429000" indent="-228600" algn="l" defTabSz="914400" rtl="0" eaLnBrk="1" latinLnBrk="0" hangingPunct="1">
+        <a:lnSpc>
+          <a:spcPct val="90000"/>
+        </a:lnSpc>
         <a:spcBef>
-          <a:spcPct val="20000"/>
+          <a:spcPts val="500"/>
         </a:spcBef>
-        <a:spcAft>
-          <a:spcPts val="600"/>
-        </a:spcAft>
-        <a:buClr>
-          <a:schemeClr val="tx1"/>
-        </a:buClr>
-        <a:buSzPct val="80000"/>
-        <a:buFont typeface="Wingdings 3" panose="05040102010807070707" pitchFamily="18" charset="2"/>
-        <a:buChar char=""/>
-        <a:defRPr sz="1400" kern="1200" cap="none">
+        <a:buFont typeface="Arial" panose="020B0604020202020204" pitchFamily="34" charset="0"/>
+        <a:buChar char="•"/>
+        <a:defRPr sz="1800" kern="1200">
           <a:solidFill>
-            <a:schemeClr val="bg2">
-              <a:lumMod val="75000"/>
-            </a:schemeClr>
+            <a:schemeClr val="tx1"/>
           </a:solidFill>
-          <a:effectLst/>
           <a:latin typeface="+mn-lt"/>
           <a:ea typeface="+mn-ea"/>
           <a:cs typeface="+mn-cs"/>
         </a:defRPr>
       </a:lvl8pPr>
-      <a:lvl9pPr marL="3886200" indent="-228600" algn="l" defTabSz="457200" rtl="0" eaLnBrk="1" latinLnBrk="0" hangingPunct="1">
+      <a:lvl9pPr marL="3886200" indent="-228600" algn="l" defTabSz="914400" rtl="0" eaLnBrk="1" latinLnBrk="0" hangingPunct="1">
+        <a:lnSpc>
+          <a:spcPct val="90000"/>
+        </a:lnSpc>
         <a:spcBef>
-          <a:spcPct val="20000"/>
+          <a:spcPts val="500"/>
         </a:spcBef>
-        <a:spcAft>
-          <a:spcPts val="600"/>
-        </a:spcAft>
-        <a:buClr>
-          <a:schemeClr val="tx1"/>
-        </a:buClr>
-        <a:buSzPct val="80000"/>
-        <a:buFont typeface="Wingdings 3" panose="05040102010807070707" pitchFamily="18" charset="2"/>
-        <a:buChar char=""/>
-        <a:defRPr sz="1400" kern="1200" cap="none">
+        <a:buFont typeface="Arial" panose="020B0604020202020204" pitchFamily="34" charset="0"/>
+        <a:buChar char="•"/>
+        <a:defRPr sz="1800" kern="1200">
           <a:solidFill>
-            <a:schemeClr val="bg2">
-              <a:lumMod val="75000"/>
-            </a:schemeClr>
+            <a:schemeClr val="tx1"/>
           </a:solidFill>
-          <a:effectLst/>
           <a:latin typeface="+mn-lt"/>
           <a:ea typeface="+mn-ea"/>
           <a:cs typeface="+mn-cs"/>
@@ -5293,7 +3251,7 @@
       <a:defPPr>
         <a:defRPr lang="en-US"/>
       </a:defPPr>
-      <a:lvl1pPr marL="0" algn="l" defTabSz="457200" rtl="0" eaLnBrk="1" latinLnBrk="0" hangingPunct="1">
+      <a:lvl1pPr marL="0" algn="l" defTabSz="914400" rtl="0" eaLnBrk="1" latinLnBrk="0" hangingPunct="1">
         <a:defRPr sz="1800" kern="1200">
           <a:solidFill>
             <a:schemeClr val="tx1"/>
@@ -5303,7 +3261,7 @@
           <a:cs typeface="+mn-cs"/>
         </a:defRPr>
       </a:lvl1pPr>
-      <a:lvl2pPr marL="457200" algn="l" defTabSz="457200" rtl="0" eaLnBrk="1" latinLnBrk="0" hangingPunct="1">
+      <a:lvl2pPr marL="457200" algn="l" defTabSz="914400" rtl="0" eaLnBrk="1" latinLnBrk="0" hangingPunct="1">
         <a:defRPr sz="1800" kern="1200">
           <a:solidFill>
             <a:schemeClr val="tx1"/>
@@ -5313,7 +3271,7 @@
           <a:cs typeface="+mn-cs"/>
         </a:defRPr>
       </a:lvl2pPr>
-      <a:lvl3pPr marL="914400" algn="l" defTabSz="457200" rtl="0" eaLnBrk="1" latinLnBrk="0" hangingPunct="1">
+      <a:lvl3pPr marL="914400" algn="l" defTabSz="914400" rtl="0" eaLnBrk="1" latinLnBrk="0" hangingPunct="1">
         <a:defRPr sz="1800" kern="1200">
           <a:solidFill>
             <a:schemeClr val="tx1"/>
@@ -5323,7 +3281,7 @@
           <a:cs typeface="+mn-cs"/>
         </a:defRPr>
       </a:lvl3pPr>
-      <a:lvl4pPr marL="1371600" algn="l" defTabSz="457200" rtl="0" eaLnBrk="1" latinLnBrk="0" hangingPunct="1">
+      <a:lvl4pPr marL="1371600" algn="l" defTabSz="914400" rtl="0" eaLnBrk="1" latinLnBrk="0" hangingPunct="1">
         <a:defRPr sz="1800" kern="1200">
           <a:solidFill>
             <a:schemeClr val="tx1"/>
@@ -5333,7 +3291,7 @@
           <a:cs typeface="+mn-cs"/>
         </a:defRPr>
       </a:lvl4pPr>
-      <a:lvl5pPr marL="1828800" algn="l" defTabSz="457200" rtl="0" eaLnBrk="1" latinLnBrk="0" hangingPunct="1">
+      <a:lvl5pPr marL="1828800" algn="l" defTabSz="914400" rtl="0" eaLnBrk="1" latinLnBrk="0" hangingPunct="1">
         <a:defRPr sz="1800" kern="1200">
           <a:solidFill>
             <a:schemeClr val="tx1"/>
@@ -5343,7 +3301,7 @@
           <a:cs typeface="+mn-cs"/>
         </a:defRPr>
       </a:lvl5pPr>
-      <a:lvl6pPr marL="2286000" algn="l" defTabSz="457200" rtl="0" eaLnBrk="1" latinLnBrk="0" hangingPunct="1">
+      <a:lvl6pPr marL="2286000" algn="l" defTabSz="914400" rtl="0" eaLnBrk="1" latinLnBrk="0" hangingPunct="1">
         <a:defRPr sz="1800" kern="1200">
           <a:solidFill>
             <a:schemeClr val="tx1"/>
@@ -5353,7 +3311,7 @@
           <a:cs typeface="+mn-cs"/>
         </a:defRPr>
       </a:lvl6pPr>
-      <a:lvl7pPr marL="2743200" algn="l" defTabSz="457200" rtl="0" eaLnBrk="1" latinLnBrk="0" hangingPunct="1">
+      <a:lvl7pPr marL="2743200" algn="l" defTabSz="914400" rtl="0" eaLnBrk="1" latinLnBrk="0" hangingPunct="1">
         <a:defRPr sz="1800" kern="1200">
           <a:solidFill>
             <a:schemeClr val="tx1"/>
@@ -5363,7 +3321,7 @@
           <a:cs typeface="+mn-cs"/>
         </a:defRPr>
       </a:lvl7pPr>
-      <a:lvl8pPr marL="3200400" algn="l" defTabSz="457200" rtl="0" eaLnBrk="1" latinLnBrk="0" hangingPunct="1">
+      <a:lvl8pPr marL="3200400" algn="l" defTabSz="914400" rtl="0" eaLnBrk="1" latinLnBrk="0" hangingPunct="1">
         <a:defRPr sz="1800" kern="1200">
           <a:solidFill>
             <a:schemeClr val="tx1"/>
@@ -5373,7 +3331,7 @@
           <a:cs typeface="+mn-cs"/>
         </a:defRPr>
       </a:lvl8pPr>
-      <a:lvl9pPr marL="3657600" algn="l" defTabSz="457200" rtl="0" eaLnBrk="1" latinLnBrk="0" hangingPunct="1">
+      <a:lvl9pPr marL="3657600" algn="l" defTabSz="914400" rtl="0" eaLnBrk="1" latinLnBrk="0" hangingPunct="1">
         <a:defRPr sz="1800" kern="1200">
           <a:solidFill>
             <a:schemeClr val="tx1"/>
@@ -5548,33 +3506,6 @@
           <a:p>
             <a:r>
               <a:rPr lang="en-US" dirty="0"/>
-              <a:t>if(condition) { … }</a:t>
-            </a:r>
-            <a:br>
-              <a:rPr lang="en-US" dirty="0"/>
-            </a:br>
-            <a:r>
-              <a:rPr lang="en-US" dirty="0"/>
-              <a:t>else {</a:t>
-            </a:r>
-            <a:br>
-              <a:rPr lang="en-US" dirty="0"/>
-            </a:br>
-            <a:r>
-              <a:rPr lang="en-US" dirty="0"/>
-              <a:t>	// Run this code</a:t>
-            </a:r>
-            <a:br>
-              <a:rPr lang="en-US" dirty="0"/>
-            </a:br>
-            <a:r>
-              <a:rPr lang="en-US" dirty="0"/>
-              <a:t>}</a:t>
-            </a:r>
-          </a:p>
-          <a:p>
-            <a:r>
-              <a:rPr lang="en-US" dirty="0"/>
               <a:t>Else statements will run </a:t>
             </a:r>
             <a:r>
@@ -5619,8 +3550,8 @@
         </p:blipFill>
         <p:spPr>
           <a:xfrm>
-            <a:off x="7781365" y="4713789"/>
-            <a:ext cx="4410635" cy="2144212"/>
+            <a:off x="0" y="3894455"/>
+            <a:ext cx="6096000" cy="2963545"/>
           </a:xfrm>
           <a:prstGeom prst="rect">
             <a:avLst/>
@@ -5714,41 +3645,6 @@
           <a:p>
             <a:r>
               <a:rPr lang="en-US" dirty="0"/>
-              <a:t>if(condition) { … }</a:t>
-            </a:r>
-            <a:br>
-              <a:rPr lang="en-US" dirty="0"/>
-            </a:br>
-            <a:r>
-              <a:rPr lang="en-US" dirty="0"/>
-              <a:t>else if (</a:t>
-            </a:r>
-            <a:r>
-              <a:rPr lang="en-US" dirty="0" err="1"/>
-              <a:t>anotherCondition</a:t>
-            </a:r>
-            <a:r>
-              <a:rPr lang="en-US" dirty="0"/>
-              <a:t>) { </a:t>
-            </a:r>
-            <a:br>
-              <a:rPr lang="en-US" dirty="0"/>
-            </a:br>
-            <a:r>
-              <a:rPr lang="en-US" dirty="0"/>
-              <a:t>	// Run this code</a:t>
-            </a:r>
-            <a:br>
-              <a:rPr lang="en-US" dirty="0"/>
-            </a:br>
-            <a:r>
-              <a:rPr lang="en-US" dirty="0"/>
-              <a:t>}</a:t>
-            </a:r>
-          </a:p>
-          <a:p>
-            <a:r>
-              <a:rPr lang="en-US" dirty="0"/>
               <a:t>Else if will execute </a:t>
             </a:r>
             <a:r>
@@ -5798,7 +3694,7 @@
         </p:blipFill>
         <p:spPr>
           <a:xfrm>
-            <a:off x="7996519" y="-2217"/>
+            <a:off x="7996518" y="3894219"/>
             <a:ext cx="4195482" cy="2963781"/>
           </a:xfrm>
           <a:prstGeom prst="rect">
@@ -5901,7 +3797,7 @@
           <a:p>
             <a:r>
               <a:rPr lang="en-US" dirty="0"/>
-              <a:t>Better for a large number of conditions</a:t>
+              <a:t>Better to use when you have many conditions</a:t>
             </a:r>
           </a:p>
           <a:p>
@@ -6836,8 +4732,28 @@
           <a:p>
             <a:pPr lvl="1"/>
             <a:r>
-              <a:rPr lang="en-US" dirty="0"/>
-              <a:t>for loop, for/in loop, and for/of loop</a:t>
+              <a:rPr lang="en-US" b="1" i="1" dirty="0"/>
+              <a:t>for</a:t>
+            </a:r>
+            <a:r>
+              <a:rPr lang="en-US" dirty="0"/>
+              <a:t> loop, </a:t>
+            </a:r>
+            <a:r>
+              <a:rPr lang="en-US" b="1" i="1" dirty="0"/>
+              <a:t>for/in</a:t>
+            </a:r>
+            <a:r>
+              <a:rPr lang="en-US" dirty="0"/>
+              <a:t> loop, and </a:t>
+            </a:r>
+            <a:r>
+              <a:rPr lang="en-US" b="1" i="1" dirty="0"/>
+              <a:t>for/of </a:t>
+            </a:r>
+            <a:r>
+              <a:rPr lang="en-US" dirty="0"/>
+              <a:t>loop</a:t>
             </a:r>
           </a:p>
           <a:p>
@@ -6849,8 +4765,20 @@
           <a:p>
             <a:pPr lvl="1"/>
             <a:r>
-              <a:rPr lang="en-US" dirty="0"/>
-              <a:t>while loop, and do/while loop</a:t>
+              <a:rPr lang="en-US" b="1" i="1" dirty="0"/>
+              <a:t>while</a:t>
+            </a:r>
+            <a:r>
+              <a:rPr lang="en-US" dirty="0"/>
+              <a:t> loop, and </a:t>
+            </a:r>
+            <a:r>
+              <a:rPr lang="en-US" b="1" i="1" dirty="0"/>
+              <a:t>do/while </a:t>
+            </a:r>
+            <a:r>
+              <a:rPr lang="en-US" dirty="0"/>
+              <a:t>loop</a:t>
             </a:r>
           </a:p>
         </p:txBody>
@@ -7071,6 +4999,42 @@
           </a:p>
         </p:txBody>
       </p:sp>
+      <p:pic>
+        <p:nvPicPr>
+          <p:cNvPr id="5" name="Picture 4" descr="A black background with white text and blue and white letters&#10;&#10;Description automatically generated">
+            <a:extLst>
+              <a:ext uri="{FF2B5EF4-FFF2-40B4-BE49-F238E27FC236}">
+                <a16:creationId xmlns:a16="http://schemas.microsoft.com/office/drawing/2014/main" id="{D6E3599D-35AE-74AE-7236-CE6F81073FF1}"/>
+              </a:ext>
+            </a:extLst>
+          </p:cNvPr>
+          <p:cNvPicPr>
+            <a:picLocks noChangeAspect="1"/>
+          </p:cNvPicPr>
+          <p:nvPr/>
+        </p:nvPicPr>
+        <p:blipFill>
+          <a:blip r:embed="rId2">
+            <a:extLst>
+              <a:ext uri="{28A0092B-C50C-407E-A947-70E740481C1C}">
+                <a14:useLocalDpi xmlns:a14="http://schemas.microsoft.com/office/drawing/2010/main" val="0"/>
+              </a:ext>
+            </a:extLst>
+          </a:blip>
+          <a:stretch>
+            <a:fillRect/>
+          </a:stretch>
+        </p:blipFill>
+        <p:spPr>
+          <a:xfrm>
+            <a:off x="0" y="5350673"/>
+            <a:ext cx="6096000" cy="1507327"/>
+          </a:xfrm>
+          <a:prstGeom prst="rect">
+            <a:avLst/>
+          </a:prstGeom>
+        </p:spPr>
+      </p:pic>
     </p:spTree>
     <p:extLst>
       <p:ext uri="{BB962C8B-B14F-4D97-AF65-F5344CB8AC3E}">
@@ -7149,12 +5113,6 @@
         <p:txBody>
           <a:bodyPr/>
           <a:lstStyle/>
-          <a:p>
-            <a:r>
-              <a:rPr lang="en-US" dirty="0"/>
-              <a:t>The example we used earlier used a standard for loop</a:t>
-            </a:r>
-          </a:p>
           <a:p>
             <a:r>
               <a:rPr lang="en-US" dirty="0"/>
@@ -8221,7 +6179,7 @@
         </p:nvSpPr>
         <p:spPr>
           <a:xfrm>
-            <a:off x="684212" y="2830853"/>
+            <a:off x="838200" y="1772521"/>
             <a:ext cx="8414964" cy="1656479"/>
           </a:xfrm>
         </p:spPr>
@@ -8273,8 +6231,8 @@
         </p:blipFill>
         <p:spPr>
           <a:xfrm>
-            <a:off x="3039587" y="0"/>
-            <a:ext cx="9152413" cy="2888230"/>
+            <a:off x="1" y="3131127"/>
+            <a:ext cx="12192000" cy="3726873"/>
           </a:xfrm>
           <a:prstGeom prst="rect">
             <a:avLst/>
@@ -9398,6 +7356,42 @@
           </a:p>
         </p:txBody>
       </p:sp>
+      <p:pic>
+        <p:nvPicPr>
+          <p:cNvPr id="5" name="Picture 4" descr="A computer screen shot of a program code&#10;&#10;Description automatically generated">
+            <a:extLst>
+              <a:ext uri="{FF2B5EF4-FFF2-40B4-BE49-F238E27FC236}">
+                <a16:creationId xmlns:a16="http://schemas.microsoft.com/office/drawing/2014/main" id="{9AF98785-3F02-EA07-61B8-44853D6BD8C1}"/>
+              </a:ext>
+            </a:extLst>
+          </p:cNvPr>
+          <p:cNvPicPr>
+            <a:picLocks noChangeAspect="1"/>
+          </p:cNvPicPr>
+          <p:nvPr/>
+        </p:nvPicPr>
+        <p:blipFill>
+          <a:blip r:embed="rId2">
+            <a:extLst>
+              <a:ext uri="{28A0092B-C50C-407E-A947-70E740481C1C}">
+                <a14:useLocalDpi xmlns:a14="http://schemas.microsoft.com/office/drawing/2010/main" val="0"/>
+              </a:ext>
+            </a:extLst>
+          </a:blip>
+          <a:stretch>
+            <a:fillRect/>
+          </a:stretch>
+        </p:blipFill>
+        <p:spPr>
+          <a:xfrm>
+            <a:off x="8100291" y="4041485"/>
+            <a:ext cx="4091709" cy="2816515"/>
+          </a:xfrm>
+          <a:prstGeom prst="rect">
+            <a:avLst/>
+          </a:prstGeom>
+        </p:spPr>
+      </p:pic>
     </p:spTree>
     <p:extLst>
       <p:ext uri="{BB962C8B-B14F-4D97-AF65-F5344CB8AC3E}">
@@ -10331,26 +8325,6 @@
           <a:p>
             <a:r>
               <a:rPr lang="en-US" dirty="0"/>
-              <a:t>if(condition) {</a:t>
-            </a:r>
-            <a:br>
-              <a:rPr lang="en-US" dirty="0"/>
-            </a:br>
-            <a:r>
-              <a:rPr lang="en-US" dirty="0"/>
-              <a:t>	// Run this code</a:t>
-            </a:r>
-            <a:br>
-              <a:rPr lang="en-US" dirty="0"/>
-            </a:br>
-            <a:r>
-              <a:rPr lang="en-US" dirty="0"/>
-              <a:t>}</a:t>
-            </a:r>
-          </a:p>
-          <a:p>
-            <a:r>
-              <a:rPr lang="en-US" dirty="0"/>
               <a:t>As long as the condition evaluates as true, the code will run</a:t>
             </a:r>
           </a:p>
@@ -10384,8 +8358,8 @@
         </p:blipFill>
         <p:spPr>
           <a:xfrm>
-            <a:off x="6938683" y="4890038"/>
-            <a:ext cx="5253318" cy="1967962"/>
+            <a:off x="-6295" y="4572000"/>
+            <a:ext cx="6102295" cy="2286000"/>
           </a:xfrm>
           <a:prstGeom prst="rect">
             <a:avLst/>
@@ -10406,9 +8380,9 @@
 </file>
 
 <file path=ppt/theme/theme1.xml><?xml version="1.0" encoding="utf-8"?>
-<a:theme xmlns:a="http://schemas.openxmlformats.org/drawingml/2006/main" name="Slice">
+<a:theme xmlns:a="http://schemas.openxmlformats.org/drawingml/2006/main" name="Office Theme">
   <a:themeElements>
-    <a:clrScheme name="Slice">
+    <a:clrScheme name="Office">
       <a:dk1>
         <a:sysClr val="windowText" lastClr="000000"/>
       </a:dk1>
@@ -10416,48 +8390,100 @@
         <a:sysClr val="window" lastClr="FFFFFF"/>
       </a:lt1>
       <a:dk2>
-        <a:srgbClr val="146194"/>
+        <a:srgbClr val="44546A"/>
       </a:dk2>
       <a:lt2>
-        <a:srgbClr val="76DBF4"/>
+        <a:srgbClr val="E7E6E6"/>
       </a:lt2>
       <a:accent1>
-        <a:srgbClr val="052F61"/>
+        <a:srgbClr val="4472C4"/>
       </a:accent1>
       <a:accent2>
-        <a:srgbClr val="A50E82"/>
+        <a:srgbClr val="ED7D31"/>
       </a:accent2>
       <a:accent3>
-        <a:srgbClr val="14967C"/>
+        <a:srgbClr val="A5A5A5"/>
       </a:accent3>
       <a:accent4>
-        <a:srgbClr val="6A9E1F"/>
+        <a:srgbClr val="FFC000"/>
       </a:accent4>
       <a:accent5>
-        <a:srgbClr val="E87D37"/>
+        <a:srgbClr val="5B9BD5"/>
       </a:accent5>
       <a:accent6>
-        <a:srgbClr val="C62324"/>
+        <a:srgbClr val="70AD47"/>
       </a:accent6>
       <a:hlink>
-        <a:srgbClr val="0D2E46"/>
+        <a:srgbClr val="0563C1"/>
       </a:hlink>
       <a:folHlink>
-        <a:srgbClr val="356A95"/>
+        <a:srgbClr val="954F72"/>
       </a:folHlink>
     </a:clrScheme>
-    <a:fontScheme name="Slice">
+    <a:fontScheme name="Office">
       <a:majorFont>
-        <a:latin typeface="Century Gothic" panose="020B0502020202020204"/>
+        <a:latin typeface="Calibri Light" panose="020F0302020204030204"/>
         <a:ea typeface=""/>
         <a:cs typeface=""/>
-        <a:font script="Jpan" typeface="メイリオ"/>
-        <a:font script="Hang" typeface="HY중고딕"/>
-        <a:font script="Hans" typeface="幼圆"/>
-        <a:font script="Hant" typeface="微軟正黑體"/>
-        <a:font script="Arab" typeface="Tahoma"/>
-        <a:font script="Hebr" typeface="Gisha"/>
-        <a:font script="Thai" typeface="DilleniaUPC"/>
+        <a:font script="Jpan" typeface="游ゴシック Light"/>
+        <a:font script="Hang" typeface="맑은 고딕"/>
+        <a:font script="Hans" typeface="等线 Light"/>
+        <a:font script="Hant" typeface="新細明體"/>
+        <a:font script="Arab" typeface="Times New Roman"/>
+        <a:font script="Hebr" typeface="Times New Roman"/>
+        <a:font script="Thai" typeface="Angsana New"/>
+        <a:font script="Ethi" typeface="Nyala"/>
+        <a:font script="Beng" typeface="Vrinda"/>
+        <a:font script="Gujr" typeface="Shruti"/>
+        <a:font script="Khmr" typeface="MoolBoran"/>
+        <a:font script="Knda" typeface="Tunga"/>
+        <a:font script="Guru" typeface="Raavi"/>
+        <a:font script="Cans" typeface="Euphemia"/>
+        <a:font script="Cher" typeface="Plantagenet Cherokee"/>
+        <a:font script="Yiii" typeface="Microsoft Yi Baiti"/>
+        <a:font script="Tibt" typeface="Microsoft Himalaya"/>
+        <a:font script="Thaa" typeface="MV Boli"/>
+        <a:font script="Deva" typeface="Mangal"/>
+        <a:font script="Telu" typeface="Gautami"/>
+        <a:font script="Taml" typeface="Latha"/>
+        <a:font script="Syrc" typeface="Estrangelo Edessa"/>
+        <a:font script="Orya" typeface="Kalinga"/>
+        <a:font script="Mlym" typeface="Kartika"/>
+        <a:font script="Laoo" typeface="DokChampa"/>
+        <a:font script="Sinh" typeface="Iskoola Pota"/>
+        <a:font script="Mong" typeface="Mongolian Baiti"/>
+        <a:font script="Viet" typeface="Times New Roman"/>
+        <a:font script="Uigh" typeface="Microsoft Uighur"/>
+        <a:font script="Geor" typeface="Sylfaen"/>
+        <a:font script="Armn" typeface="Arial"/>
+        <a:font script="Bugi" typeface="Leelawadee UI"/>
+        <a:font script="Bopo" typeface="Microsoft JhengHei"/>
+        <a:font script="Java" typeface="Javanese Text"/>
+        <a:font script="Lisu" typeface="Segoe UI"/>
+        <a:font script="Mymr" typeface="Myanmar Text"/>
+        <a:font script="Nkoo" typeface="Ebrima"/>
+        <a:font script="Olck" typeface="Nirmala UI"/>
+        <a:font script="Osma" typeface="Ebrima"/>
+        <a:font script="Phag" typeface="Phagspa"/>
+        <a:font script="Syrn" typeface="Estrangelo Edessa"/>
+        <a:font script="Syrj" typeface="Estrangelo Edessa"/>
+        <a:font script="Syre" typeface="Estrangelo Edessa"/>
+        <a:font script="Sora" typeface="Nirmala UI"/>
+        <a:font script="Tale" typeface="Microsoft Tai Le"/>
+        <a:font script="Talu" typeface="Microsoft New Tai Lue"/>
+        <a:font script="Tfng" typeface="Ebrima"/>
+      </a:majorFont>
+      <a:minorFont>
+        <a:latin typeface="Calibri" panose="020F0502020204030204"/>
+        <a:ea typeface=""/>
+        <a:cs typeface=""/>
+        <a:font script="Jpan" typeface="游ゴシック"/>
+        <a:font script="Hang" typeface="맑은 고딕"/>
+        <a:font script="Hans" typeface="等线"/>
+        <a:font script="Hant" typeface="新細明體"/>
+        <a:font script="Arab" typeface="Arial"/>
+        <a:font script="Hebr" typeface="Arial"/>
+        <a:font script="Thai" typeface="Cordia New"/>
         <a:font script="Ethi" typeface="Nyala"/>
         <a:font script="Beng" typeface="Vrinda"/>
         <a:font script="Gujr" typeface="Shruti"/>
@@ -10478,47 +8504,29 @@
         <a:font script="Laoo" typeface="DokChampa"/>
         <a:font script="Sinh" typeface="Iskoola Pota"/>
         <a:font script="Mong" typeface="Mongolian Baiti"/>
-        <a:font script="Viet" typeface="Tahoma"/>
+        <a:font script="Viet" typeface="Arial"/>
         <a:font script="Uigh" typeface="Microsoft Uighur"/>
         <a:font script="Geor" typeface="Sylfaen"/>
-      </a:majorFont>
-      <a:minorFont>
-        <a:latin typeface="Century Gothic" panose="020B0502020202020204"/>
-        <a:ea typeface=""/>
-        <a:cs typeface=""/>
-        <a:font script="Jpan" typeface="メイリオ"/>
-        <a:font script="Hang" typeface="HY중고딕"/>
-        <a:font script="Hans" typeface="幼圆"/>
-        <a:font script="Hant" typeface="微軟正黑體"/>
-        <a:font script="Arab" typeface="Tahoma"/>
-        <a:font script="Hebr" typeface="Gisha"/>
-        <a:font script="Thai" typeface="DilleniaUPC"/>
-        <a:font script="Ethi" typeface="Nyala"/>
-        <a:font script="Beng" typeface="Vrinda"/>
-        <a:font script="Gujr" typeface="Shruti"/>
-        <a:font script="Khmr" typeface="DaunPenh"/>
-        <a:font script="Knda" typeface="Tunga"/>
-        <a:font script="Guru" typeface="Raavi"/>
-        <a:font script="Cans" typeface="Euphemia"/>
-        <a:font script="Cher" typeface="Plantagenet Cherokee"/>
-        <a:font script="Yiii" typeface="Microsoft Yi Baiti"/>
-        <a:font script="Tibt" typeface="Microsoft Himalaya"/>
-        <a:font script="Thaa" typeface="MV Boli"/>
-        <a:font script="Deva" typeface="Mangal"/>
-        <a:font script="Telu" typeface="Gautami"/>
-        <a:font script="Taml" typeface="Latha"/>
-        <a:font script="Syrc" typeface="Estrangelo Edessa"/>
-        <a:font script="Orya" typeface="Kalinga"/>
-        <a:font script="Mlym" typeface="Kartika"/>
-        <a:font script="Laoo" typeface="DokChampa"/>
-        <a:font script="Sinh" typeface="Iskoola Pota"/>
-        <a:font script="Mong" typeface="Mongolian Baiti"/>
-        <a:font script="Viet" typeface="Tahoma"/>
-        <a:font script="Uigh" typeface="Microsoft Uighur"/>
-        <a:font script="Geor" typeface="Sylfaen"/>
+        <a:font script="Armn" typeface="Arial"/>
+        <a:font script="Bugi" typeface="Leelawadee UI"/>
+        <a:font script="Bopo" typeface="Microsoft JhengHei"/>
+        <a:font script="Java" typeface="Javanese Text"/>
+        <a:font script="Lisu" typeface="Segoe UI"/>
+        <a:font script="Mymr" typeface="Myanmar Text"/>
+        <a:font script="Nkoo" typeface="Ebrima"/>
+        <a:font script="Olck" typeface="Nirmala UI"/>
+        <a:font script="Osma" typeface="Ebrima"/>
+        <a:font script="Phag" typeface="Phagspa"/>
+        <a:font script="Syrn" typeface="Estrangelo Edessa"/>
+        <a:font script="Syrj" typeface="Estrangelo Edessa"/>
+        <a:font script="Syre" typeface="Estrangelo Edessa"/>
+        <a:font script="Sora" typeface="Nirmala UI"/>
+        <a:font script="Tale" typeface="Microsoft Tai Le"/>
+        <a:font script="Talu" typeface="Microsoft New Tai Lue"/>
+        <a:font script="Tfng" typeface="Ebrima"/>
       </a:minorFont>
     </a:fontScheme>
-    <a:fmtScheme name="Slice">
+    <a:fmtScheme name="Office">
       <a:fillStyleLst>
         <a:solidFill>
           <a:schemeClr val="phClr"/>
@@ -10527,16 +8535,23 @@
           <a:gsLst>
             <a:gs pos="0">
               <a:schemeClr val="phClr">
-                <a:tint val="62000"/>
-                <a:hueMod val="94000"/>
-                <a:satMod val="140000"/>
                 <a:lumMod val="110000"/>
+                <a:satMod val="105000"/>
+                <a:tint val="67000"/>
+              </a:schemeClr>
+            </a:gs>
+            <a:gs pos="50000">
+              <a:schemeClr val="phClr">
+                <a:lumMod val="105000"/>
+                <a:satMod val="103000"/>
+                <a:tint val="73000"/>
               </a:schemeClr>
             </a:gs>
             <a:gs pos="100000">
               <a:schemeClr val="phClr">
-                <a:tint val="84000"/>
-                <a:satMod val="160000"/>
+                <a:lumMod val="105000"/>
+                <a:satMod val="109000"/>
+                <a:tint val="81000"/>
               </a:schemeClr>
             </a:gs>
           </a:gsLst>
@@ -10546,16 +8561,23 @@
           <a:gsLst>
             <a:gs pos="0">
               <a:schemeClr val="phClr">
-                <a:tint val="98000"/>
-                <a:hueMod val="94000"/>
-                <a:satMod val="130000"/>
-                <a:lumMod val="128000"/>
+                <a:satMod val="103000"/>
+                <a:lumMod val="102000"/>
+                <a:tint val="94000"/>
+              </a:schemeClr>
+            </a:gs>
+            <a:gs pos="50000">
+              <a:schemeClr val="phClr">
+                <a:satMod val="110000"/>
+                <a:lumMod val="100000"/>
+                <a:shade val="100000"/>
               </a:schemeClr>
             </a:gs>
             <a:gs pos="100000">
               <a:schemeClr val="phClr">
-                <a:shade val="94000"/>
-                <a:lumMod val="88000"/>
+                <a:lumMod val="99000"/>
+                <a:satMod val="120000"/>
+                <a:shade val="78000"/>
               </a:schemeClr>
             </a:gs>
           </a:gsLst>
@@ -10563,29 +8585,26 @@
         </a:gradFill>
       </a:fillStyleLst>
       <a:lnStyleLst>
-        <a:ln w="9525" cap="rnd" cmpd="sng" algn="ctr">
-          <a:solidFill>
-            <a:schemeClr val="phClr">
-              <a:tint val="76000"/>
-              <a:alpha val="60000"/>
-              <a:hueMod val="94000"/>
-            </a:schemeClr>
-          </a:solidFill>
-          <a:prstDash val="solid"/>
-        </a:ln>
-        <a:ln w="15875" cap="rnd" cmpd="sng" algn="ctr">
-          <a:solidFill>
-            <a:schemeClr val="phClr">
-              <a:hueMod val="94000"/>
-            </a:schemeClr>
-          </a:solidFill>
-          <a:prstDash val="solid"/>
-        </a:ln>
-        <a:ln w="28575" cap="rnd" cmpd="sng" algn="ctr">
+        <a:ln w="6350" cap="flat" cmpd="sng" algn="ctr">
           <a:solidFill>
             <a:schemeClr val="phClr"/>
           </a:solidFill>
           <a:prstDash val="solid"/>
+          <a:miter lim="800000"/>
+        </a:ln>
+        <a:ln w="12700" cap="flat" cmpd="sng" algn="ctr">
+          <a:solidFill>
+            <a:schemeClr val="phClr"/>
+          </a:solidFill>
+          <a:prstDash val="solid"/>
+          <a:miter lim="800000"/>
+        </a:ln>
+        <a:ln w="19050" cap="flat" cmpd="sng" algn="ctr">
+          <a:solidFill>
+            <a:schemeClr val="phClr"/>
+          </a:solidFill>
+          <a:prstDash val="solid"/>
+          <a:miter lim="800000"/>
         </a:ln>
       </a:lnStyleLst>
       <a:effectStyleLst>
@@ -10593,78 +8612,54 @@
           <a:effectLst/>
         </a:effectStyle>
         <a:effectStyle>
-          <a:effectLst>
-            <a:innerShdw blurRad="25400" dist="12700" dir="13500000">
-              <a:srgbClr val="000000">
-                <a:alpha val="45000"/>
-              </a:srgbClr>
-            </a:innerShdw>
-          </a:effectLst>
+          <a:effectLst/>
         </a:effectStyle>
         <a:effectStyle>
           <a:effectLst>
-            <a:outerShdw blurRad="50800" dist="38100" dir="5400000" rotWithShape="0">
+            <a:outerShdw blurRad="57150" dist="19050" dir="5400000" algn="ctr" rotWithShape="0">
               <a:srgbClr val="000000">
-                <a:alpha val="46000"/>
+                <a:alpha val="63000"/>
               </a:srgbClr>
             </a:outerShdw>
           </a:effectLst>
-          <a:scene3d>
-            <a:camera prst="orthographicFront">
-              <a:rot lat="0" lon="0" rev="0"/>
-            </a:camera>
-            <a:lightRig rig="threePt" dir="t"/>
-          </a:scene3d>
-          <a:sp3d prstMaterial="plastic">
-            <a:bevelT w="25400" h="25400"/>
-          </a:sp3d>
         </a:effectStyle>
       </a:effectStyleLst>
       <a:bgFillStyleLst>
         <a:solidFill>
           <a:schemeClr val="phClr"/>
         </a:solidFill>
+        <a:solidFill>
+          <a:schemeClr val="phClr">
+            <a:tint val="95000"/>
+            <a:satMod val="170000"/>
+          </a:schemeClr>
+        </a:solidFill>
         <a:gradFill rotWithShape="1">
           <a:gsLst>
-            <a:gs pos="10000">
+            <a:gs pos="0">
               <a:schemeClr val="phClr">
-                <a:tint val="97000"/>
-                <a:hueMod val="92000"/>
-                <a:satMod val="169000"/>
-                <a:lumMod val="164000"/>
+                <a:tint val="93000"/>
+                <a:satMod val="150000"/>
+                <a:shade val="98000"/>
+                <a:lumMod val="102000"/>
+              </a:schemeClr>
+            </a:gs>
+            <a:gs pos="50000">
+              <a:schemeClr val="phClr">
+                <a:tint val="98000"/>
+                <a:satMod val="130000"/>
+                <a:shade val="90000"/>
+                <a:lumMod val="103000"/>
               </a:schemeClr>
             </a:gs>
             <a:gs pos="100000">
               <a:schemeClr val="phClr">
-                <a:shade val="96000"/>
+                <a:shade val="63000"/>
                 <a:satMod val="120000"/>
-                <a:lumMod val="90000"/>
               </a:schemeClr>
             </a:gs>
           </a:gsLst>
-          <a:lin ang="6120000" scaled="1"/>
-        </a:gradFill>
-        <a:gradFill rotWithShape="1">
-          <a:gsLst>
-            <a:gs pos="0">
-              <a:schemeClr val="phClr">
-                <a:tint val="97000"/>
-                <a:hueMod val="92000"/>
-                <a:satMod val="169000"/>
-                <a:lumMod val="164000"/>
-              </a:schemeClr>
-            </a:gs>
-            <a:gs pos="100000">
-              <a:schemeClr val="phClr">
-                <a:shade val="96000"/>
-                <a:satMod val="120000"/>
-                <a:lumMod val="90000"/>
-              </a:schemeClr>
-            </a:gs>
-          </a:gsLst>
-          <a:path path="circle">
-            <a:fillToRect b="100000"/>
-          </a:path>
+          <a:lin ang="5400000" scaled="0"/>
         </a:gradFill>
       </a:bgFillStyleLst>
     </a:fmtScheme>
@@ -10673,7 +8668,7 @@
   <a:extraClrSchemeLst/>
   <a:extLst>
     <a:ext uri="{05A4C25C-085E-4340-85A3-A5531E510DB2}">
-      <thm15:themeFamily xmlns:thm15="http://schemas.microsoft.com/office/thememl/2012/main" name="Slice" id="{0507925B-6AC9-4358-8E18-C330545D08F8}" vid="{13FEC7C6-62A9-40C4-99D2-581AACACAA2F}"/>
+      <thm15:themeFamily xmlns:thm15="http://schemas.microsoft.com/office/thememl/2012/main" name="Office Theme" id="{62F939B6-93AF-4DB8-9C6B-D6C7DFDC589F}" vid="{4A3C46E8-61CC-4603-A589-7422A47A8E4A}"/>
     </a:ext>
   </a:extLst>
 </a:theme>
